--- a/CPPCIA.pptx
+++ b/CPPCIA.pptx
@@ -5,7 +5,7 @@
     <p:sldMasterId id="2147483648" r:id="rId1"/>
   </p:sldMasterIdLst>
   <p:notesMasterIdLst>
-    <p:notesMasterId r:id="rId51"/>
+    <p:notesMasterId r:id="rId71"/>
   </p:notesMasterIdLst>
   <p:sldIdLst>
     <p:sldId id="256" r:id="rId2"/>
@@ -57,6 +57,26 @@
     <p:sldId id="302" r:id="rId48"/>
     <p:sldId id="303" r:id="rId49"/>
     <p:sldId id="304" r:id="rId50"/>
+    <p:sldId id="305" r:id="rId51"/>
+    <p:sldId id="306" r:id="rId52"/>
+    <p:sldId id="307" r:id="rId53"/>
+    <p:sldId id="308" r:id="rId54"/>
+    <p:sldId id="309" r:id="rId55"/>
+    <p:sldId id="310" r:id="rId56"/>
+    <p:sldId id="311" r:id="rId57"/>
+    <p:sldId id="313" r:id="rId58"/>
+    <p:sldId id="314" r:id="rId59"/>
+    <p:sldId id="312" r:id="rId60"/>
+    <p:sldId id="316" r:id="rId61"/>
+    <p:sldId id="315" r:id="rId62"/>
+    <p:sldId id="317" r:id="rId63"/>
+    <p:sldId id="318" r:id="rId64"/>
+    <p:sldId id="319" r:id="rId65"/>
+    <p:sldId id="320" r:id="rId66"/>
+    <p:sldId id="321" r:id="rId67"/>
+    <p:sldId id="322" r:id="rId68"/>
+    <p:sldId id="323" r:id="rId69"/>
+    <p:sldId id="324" r:id="rId70"/>
   </p:sldIdLst>
   <p:sldSz cx="9144000" cy="6858000" type="screen4x3"/>
   <p:notesSz cx="6858000" cy="9144000"/>
@@ -240,7 +260,7 @@
           <a:p>
             <a:fld id="{635CF60C-2312-C543-8D47-0390C79B80DB}" type="datetimeFigureOut">
               <a:rPr lang="en-US" smtClean="0"/>
-              <a:t>2/19/14</a:t>
+              <a:t>3/15/14</a:t>
             </a:fld>
             <a:endParaRPr lang="en-US"/>
           </a:p>
@@ -4460,6 +4480,630 @@
 </p:notes>
 </file>
 
+<file path=ppt/notesSlides/notesSlide44.xml><?xml version="1.0" encoding="utf-8"?>
+<p:notes xmlns:a="http://schemas.openxmlformats.org/drawingml/2006/main" xmlns:r="http://schemas.openxmlformats.org/officeDocument/2006/relationships" xmlns:p="http://schemas.openxmlformats.org/presentationml/2006/main">
+  <p:cSld>
+    <p:spTree>
+      <p:nvGrpSpPr>
+        <p:cNvPr id="1" name=""/>
+        <p:cNvGrpSpPr/>
+        <p:nvPr/>
+      </p:nvGrpSpPr>
+      <p:grpSpPr>
+        <a:xfrm>
+          <a:off x="0" y="0"/>
+          <a:ext cx="0" cy="0"/>
+          <a:chOff x="0" y="0"/>
+          <a:chExt cx="0" cy="0"/>
+        </a:xfrm>
+      </p:grpSpPr>
+      <p:sp>
+        <p:nvSpPr>
+          <p:cNvPr id="2" name="Slide Image Placeholder 1"/>
+          <p:cNvSpPr>
+            <a:spLocks noGrp="1" noRot="1" noChangeAspect="1"/>
+          </p:cNvSpPr>
+          <p:nvPr>
+            <p:ph type="sldImg"/>
+          </p:nvPr>
+        </p:nvSpPr>
+        <p:spPr/>
+      </p:sp>
+      <p:sp>
+        <p:nvSpPr>
+          <p:cNvPr id="3" name="Notes Placeholder 2"/>
+          <p:cNvSpPr>
+            <a:spLocks noGrp="1"/>
+          </p:cNvSpPr>
+          <p:nvPr>
+            <p:ph type="body" idx="1"/>
+          </p:nvPr>
+        </p:nvSpPr>
+        <p:spPr/>
+        <p:txBody>
+          <a:bodyPr/>
+          <a:lstStyle/>
+          <a:p>
+            <a:pPr marL="0" marR="0" indent="0" algn="l" defTabSz="457200" rtl="0" eaLnBrk="1" fontAlgn="auto" latinLnBrk="0" hangingPunct="1">
+              <a:lnSpc>
+                <a:spcPct val="100000"/>
+              </a:lnSpc>
+              <a:spcBef>
+                <a:spcPts val="0"/>
+              </a:spcBef>
+              <a:spcAft>
+                <a:spcPts val="0"/>
+              </a:spcAft>
+              <a:buClrTx/>
+              <a:buSzTx/>
+              <a:buFontTx/>
+              <a:buNone/>
+              <a:tabLst/>
+              <a:defRPr/>
+            </a:pPr>
+            <a:r>
+              <a:rPr lang="en-US" sz="1200" smtClean="0"/>
+              <a:t>RAII to make sure thread is correctly joined</a:t>
+            </a:r>
+          </a:p>
+        </p:txBody>
+      </p:sp>
+      <p:sp>
+        <p:nvSpPr>
+          <p:cNvPr id="4" name="Slide Number Placeholder 3"/>
+          <p:cNvSpPr>
+            <a:spLocks noGrp="1"/>
+          </p:cNvSpPr>
+          <p:nvPr>
+            <p:ph type="sldNum" sz="quarter" idx="10"/>
+          </p:nvPr>
+        </p:nvSpPr>
+        <p:spPr/>
+        <p:txBody>
+          <a:bodyPr/>
+          <a:lstStyle/>
+          <a:p>
+            <a:fld id="{9495167A-B27E-CE48-A558-329CEE8B2C32}" type="slidenum">
+              <a:rPr lang="en-US" smtClean="0"/>
+              <a:t>50</a:t>
+            </a:fld>
+            <a:endParaRPr lang="en-US"/>
+          </a:p>
+        </p:txBody>
+      </p:sp>
+    </p:spTree>
+    <p:extLst>
+      <p:ext uri="{BB962C8B-B14F-4D97-AF65-F5344CB8AC3E}">
+        <p14:creationId xmlns:p14="http://schemas.microsoft.com/office/powerpoint/2010/main" val="1205875406"/>
+      </p:ext>
+    </p:extLst>
+  </p:cSld>
+  <p:clrMapOvr>
+    <a:masterClrMapping/>
+  </p:clrMapOvr>
+</p:notes>
+</file>
+
+<file path=ppt/notesSlides/notesSlide45.xml><?xml version="1.0" encoding="utf-8"?>
+<p:notes xmlns:a="http://schemas.openxmlformats.org/drawingml/2006/main" xmlns:r="http://schemas.openxmlformats.org/officeDocument/2006/relationships" xmlns:p="http://schemas.openxmlformats.org/presentationml/2006/main">
+  <p:cSld>
+    <p:spTree>
+      <p:nvGrpSpPr>
+        <p:cNvPr id="1" name=""/>
+        <p:cNvGrpSpPr/>
+        <p:nvPr/>
+      </p:nvGrpSpPr>
+      <p:grpSpPr>
+        <a:xfrm>
+          <a:off x="0" y="0"/>
+          <a:ext cx="0" cy="0"/>
+          <a:chOff x="0" y="0"/>
+          <a:chExt cx="0" cy="0"/>
+        </a:xfrm>
+      </p:grpSpPr>
+      <p:sp>
+        <p:nvSpPr>
+          <p:cNvPr id="2" name="Slide Image Placeholder 1"/>
+          <p:cNvSpPr>
+            <a:spLocks noGrp="1" noRot="1" noChangeAspect="1"/>
+          </p:cNvSpPr>
+          <p:nvPr>
+            <p:ph type="sldImg"/>
+          </p:nvPr>
+        </p:nvSpPr>
+        <p:spPr/>
+      </p:sp>
+      <p:sp>
+        <p:nvSpPr>
+          <p:cNvPr id="3" name="Notes Placeholder 2"/>
+          <p:cNvSpPr>
+            <a:spLocks noGrp="1"/>
+          </p:cNvSpPr>
+          <p:nvPr>
+            <p:ph type="body" idx="1"/>
+          </p:nvPr>
+        </p:nvSpPr>
+        <p:spPr/>
+        <p:txBody>
+          <a:bodyPr/>
+          <a:lstStyle/>
+          <a:p>
+            <a:pPr marL="0" marR="0" indent="0" algn="l" defTabSz="457200" rtl="0" eaLnBrk="1" fontAlgn="auto" latinLnBrk="0" hangingPunct="1">
+              <a:lnSpc>
+                <a:spcPct val="100000"/>
+              </a:lnSpc>
+              <a:spcBef>
+                <a:spcPts val="0"/>
+              </a:spcBef>
+              <a:spcAft>
+                <a:spcPts val="0"/>
+              </a:spcAft>
+              <a:buClrTx/>
+              <a:buSzTx/>
+              <a:buFontTx/>
+              <a:buNone/>
+              <a:tabLst/>
+              <a:defRPr/>
+            </a:pPr>
+            <a:r>
+              <a:rPr lang="en-US" sz="1200" smtClean="0"/>
+              <a:t>RAII to make sure thread is correctly joined</a:t>
+            </a:r>
+          </a:p>
+        </p:txBody>
+      </p:sp>
+      <p:sp>
+        <p:nvSpPr>
+          <p:cNvPr id="4" name="Slide Number Placeholder 3"/>
+          <p:cNvSpPr>
+            <a:spLocks noGrp="1"/>
+          </p:cNvSpPr>
+          <p:nvPr>
+            <p:ph type="sldNum" sz="quarter" idx="10"/>
+          </p:nvPr>
+        </p:nvSpPr>
+        <p:spPr/>
+        <p:txBody>
+          <a:bodyPr/>
+          <a:lstStyle/>
+          <a:p>
+            <a:fld id="{9495167A-B27E-CE48-A558-329CEE8B2C32}" type="slidenum">
+              <a:rPr lang="en-US" smtClean="0"/>
+              <a:t>51</a:t>
+            </a:fld>
+            <a:endParaRPr lang="en-US"/>
+          </a:p>
+        </p:txBody>
+      </p:sp>
+    </p:spTree>
+    <p:extLst>
+      <p:ext uri="{BB962C8B-B14F-4D97-AF65-F5344CB8AC3E}">
+        <p14:creationId xmlns:p14="http://schemas.microsoft.com/office/powerpoint/2010/main" val="1205875406"/>
+      </p:ext>
+    </p:extLst>
+  </p:cSld>
+  <p:clrMapOvr>
+    <a:masterClrMapping/>
+  </p:clrMapOvr>
+</p:notes>
+</file>
+
+<file path=ppt/notesSlides/notesSlide46.xml><?xml version="1.0" encoding="utf-8"?>
+<p:notes xmlns:a="http://schemas.openxmlformats.org/drawingml/2006/main" xmlns:r="http://schemas.openxmlformats.org/officeDocument/2006/relationships" xmlns:p="http://schemas.openxmlformats.org/presentationml/2006/main">
+  <p:cSld>
+    <p:spTree>
+      <p:nvGrpSpPr>
+        <p:cNvPr id="1" name=""/>
+        <p:cNvGrpSpPr/>
+        <p:nvPr/>
+      </p:nvGrpSpPr>
+      <p:grpSpPr>
+        <a:xfrm>
+          <a:off x="0" y="0"/>
+          <a:ext cx="0" cy="0"/>
+          <a:chOff x="0" y="0"/>
+          <a:chExt cx="0" cy="0"/>
+        </a:xfrm>
+      </p:grpSpPr>
+      <p:sp>
+        <p:nvSpPr>
+          <p:cNvPr id="2" name="Slide Image Placeholder 1"/>
+          <p:cNvSpPr>
+            <a:spLocks noGrp="1" noRot="1" noChangeAspect="1"/>
+          </p:cNvSpPr>
+          <p:nvPr>
+            <p:ph type="sldImg"/>
+          </p:nvPr>
+        </p:nvSpPr>
+        <p:spPr/>
+      </p:sp>
+      <p:sp>
+        <p:nvSpPr>
+          <p:cNvPr id="3" name="Notes Placeholder 2"/>
+          <p:cNvSpPr>
+            <a:spLocks noGrp="1"/>
+          </p:cNvSpPr>
+          <p:nvPr>
+            <p:ph type="body" idx="1"/>
+          </p:nvPr>
+        </p:nvSpPr>
+        <p:spPr/>
+        <p:txBody>
+          <a:bodyPr/>
+          <a:lstStyle/>
+          <a:p>
+            <a:pPr marL="0" marR="0" indent="0" algn="l" defTabSz="457200" rtl="0" eaLnBrk="1" fontAlgn="auto" latinLnBrk="0" hangingPunct="1">
+              <a:lnSpc>
+                <a:spcPct val="100000"/>
+              </a:lnSpc>
+              <a:spcBef>
+                <a:spcPts val="0"/>
+              </a:spcBef>
+              <a:spcAft>
+                <a:spcPts val="0"/>
+              </a:spcAft>
+              <a:buClrTx/>
+              <a:buSzTx/>
+              <a:buFontTx/>
+              <a:buNone/>
+              <a:tabLst/>
+              <a:defRPr/>
+            </a:pPr>
+            <a:r>
+              <a:rPr lang="en-US" sz="1200" smtClean="0"/>
+              <a:t>RAII to make sure thread is correctly joined</a:t>
+            </a:r>
+          </a:p>
+        </p:txBody>
+      </p:sp>
+      <p:sp>
+        <p:nvSpPr>
+          <p:cNvPr id="4" name="Slide Number Placeholder 3"/>
+          <p:cNvSpPr>
+            <a:spLocks noGrp="1"/>
+          </p:cNvSpPr>
+          <p:nvPr>
+            <p:ph type="sldNum" sz="quarter" idx="10"/>
+          </p:nvPr>
+        </p:nvSpPr>
+        <p:spPr/>
+        <p:txBody>
+          <a:bodyPr/>
+          <a:lstStyle/>
+          <a:p>
+            <a:fld id="{9495167A-B27E-CE48-A558-329CEE8B2C32}" type="slidenum">
+              <a:rPr lang="en-US" smtClean="0"/>
+              <a:t>52</a:t>
+            </a:fld>
+            <a:endParaRPr lang="en-US"/>
+          </a:p>
+        </p:txBody>
+      </p:sp>
+    </p:spTree>
+    <p:extLst>
+      <p:ext uri="{BB962C8B-B14F-4D97-AF65-F5344CB8AC3E}">
+        <p14:creationId xmlns:p14="http://schemas.microsoft.com/office/powerpoint/2010/main" val="1205875406"/>
+      </p:ext>
+    </p:extLst>
+  </p:cSld>
+  <p:clrMapOvr>
+    <a:masterClrMapping/>
+  </p:clrMapOvr>
+</p:notes>
+</file>
+
+<file path=ppt/notesSlides/notesSlide47.xml><?xml version="1.0" encoding="utf-8"?>
+<p:notes xmlns:a="http://schemas.openxmlformats.org/drawingml/2006/main" xmlns:r="http://schemas.openxmlformats.org/officeDocument/2006/relationships" xmlns:p="http://schemas.openxmlformats.org/presentationml/2006/main">
+  <p:cSld>
+    <p:spTree>
+      <p:nvGrpSpPr>
+        <p:cNvPr id="1" name=""/>
+        <p:cNvGrpSpPr/>
+        <p:nvPr/>
+      </p:nvGrpSpPr>
+      <p:grpSpPr>
+        <a:xfrm>
+          <a:off x="0" y="0"/>
+          <a:ext cx="0" cy="0"/>
+          <a:chOff x="0" y="0"/>
+          <a:chExt cx="0" cy="0"/>
+        </a:xfrm>
+      </p:grpSpPr>
+      <p:sp>
+        <p:nvSpPr>
+          <p:cNvPr id="2" name="Slide Image Placeholder 1"/>
+          <p:cNvSpPr>
+            <a:spLocks noGrp="1" noRot="1" noChangeAspect="1"/>
+          </p:cNvSpPr>
+          <p:nvPr>
+            <p:ph type="sldImg"/>
+          </p:nvPr>
+        </p:nvSpPr>
+        <p:spPr/>
+      </p:sp>
+      <p:sp>
+        <p:nvSpPr>
+          <p:cNvPr id="3" name="Notes Placeholder 2"/>
+          <p:cNvSpPr>
+            <a:spLocks noGrp="1"/>
+          </p:cNvSpPr>
+          <p:nvPr>
+            <p:ph type="body" idx="1"/>
+          </p:nvPr>
+        </p:nvSpPr>
+        <p:spPr/>
+        <p:txBody>
+          <a:bodyPr/>
+          <a:lstStyle/>
+          <a:p>
+            <a:pPr marL="0" marR="0" indent="0" algn="l" defTabSz="457200" rtl="0" eaLnBrk="1" fontAlgn="auto" latinLnBrk="0" hangingPunct="1">
+              <a:lnSpc>
+                <a:spcPct val="100000"/>
+              </a:lnSpc>
+              <a:spcBef>
+                <a:spcPts val="0"/>
+              </a:spcBef>
+              <a:spcAft>
+                <a:spcPts val="0"/>
+              </a:spcAft>
+              <a:buClrTx/>
+              <a:buSzTx/>
+              <a:buFontTx/>
+              <a:buNone/>
+              <a:tabLst/>
+              <a:defRPr/>
+            </a:pPr>
+            <a:r>
+              <a:rPr lang="en-US" sz="1200" smtClean="0"/>
+              <a:t>RAII to make sure thread is correctly joined</a:t>
+            </a:r>
+          </a:p>
+        </p:txBody>
+      </p:sp>
+      <p:sp>
+        <p:nvSpPr>
+          <p:cNvPr id="4" name="Slide Number Placeholder 3"/>
+          <p:cNvSpPr>
+            <a:spLocks noGrp="1"/>
+          </p:cNvSpPr>
+          <p:nvPr>
+            <p:ph type="sldNum" sz="quarter" idx="10"/>
+          </p:nvPr>
+        </p:nvSpPr>
+        <p:spPr/>
+        <p:txBody>
+          <a:bodyPr/>
+          <a:lstStyle/>
+          <a:p>
+            <a:fld id="{9495167A-B27E-CE48-A558-329CEE8B2C32}" type="slidenum">
+              <a:rPr lang="en-US" smtClean="0"/>
+              <a:t>53</a:t>
+            </a:fld>
+            <a:endParaRPr lang="en-US"/>
+          </a:p>
+        </p:txBody>
+      </p:sp>
+    </p:spTree>
+    <p:extLst>
+      <p:ext uri="{BB962C8B-B14F-4D97-AF65-F5344CB8AC3E}">
+        <p14:creationId xmlns:p14="http://schemas.microsoft.com/office/powerpoint/2010/main" val="1205875406"/>
+      </p:ext>
+    </p:extLst>
+  </p:cSld>
+  <p:clrMapOvr>
+    <a:masterClrMapping/>
+  </p:clrMapOvr>
+</p:notes>
+</file>
+
+<file path=ppt/notesSlides/notesSlide48.xml><?xml version="1.0" encoding="utf-8"?>
+<p:notes xmlns:a="http://schemas.openxmlformats.org/drawingml/2006/main" xmlns:r="http://schemas.openxmlformats.org/officeDocument/2006/relationships" xmlns:p="http://schemas.openxmlformats.org/presentationml/2006/main">
+  <p:cSld>
+    <p:spTree>
+      <p:nvGrpSpPr>
+        <p:cNvPr id="1" name=""/>
+        <p:cNvGrpSpPr/>
+        <p:nvPr/>
+      </p:nvGrpSpPr>
+      <p:grpSpPr>
+        <a:xfrm>
+          <a:off x="0" y="0"/>
+          <a:ext cx="0" cy="0"/>
+          <a:chOff x="0" y="0"/>
+          <a:chExt cx="0" cy="0"/>
+        </a:xfrm>
+      </p:grpSpPr>
+      <p:sp>
+        <p:nvSpPr>
+          <p:cNvPr id="2" name="Slide Image Placeholder 1"/>
+          <p:cNvSpPr>
+            <a:spLocks noGrp="1" noRot="1" noChangeAspect="1"/>
+          </p:cNvSpPr>
+          <p:nvPr>
+            <p:ph type="sldImg"/>
+          </p:nvPr>
+        </p:nvSpPr>
+        <p:spPr/>
+      </p:sp>
+      <p:sp>
+        <p:nvSpPr>
+          <p:cNvPr id="3" name="Notes Placeholder 2"/>
+          <p:cNvSpPr>
+            <a:spLocks noGrp="1"/>
+          </p:cNvSpPr>
+          <p:nvPr>
+            <p:ph type="body" idx="1"/>
+          </p:nvPr>
+        </p:nvSpPr>
+        <p:spPr/>
+        <p:txBody>
+          <a:bodyPr/>
+          <a:lstStyle/>
+          <a:p>
+            <a:pPr marL="0" marR="0" indent="0" algn="l" defTabSz="457200" rtl="0" eaLnBrk="1" fontAlgn="auto" latinLnBrk="0" hangingPunct="1">
+              <a:lnSpc>
+                <a:spcPct val="100000"/>
+              </a:lnSpc>
+              <a:spcBef>
+                <a:spcPts val="0"/>
+              </a:spcBef>
+              <a:spcAft>
+                <a:spcPts val="0"/>
+              </a:spcAft>
+              <a:buClrTx/>
+              <a:buSzTx/>
+              <a:buFontTx/>
+              <a:buNone/>
+              <a:tabLst/>
+              <a:defRPr/>
+            </a:pPr>
+            <a:r>
+              <a:rPr lang="en-US" sz="1200" smtClean="0"/>
+              <a:t>RAII to make sure thread is correctly joined</a:t>
+            </a:r>
+          </a:p>
+        </p:txBody>
+      </p:sp>
+      <p:sp>
+        <p:nvSpPr>
+          <p:cNvPr id="4" name="Slide Number Placeholder 3"/>
+          <p:cNvSpPr>
+            <a:spLocks noGrp="1"/>
+          </p:cNvSpPr>
+          <p:nvPr>
+            <p:ph type="sldNum" sz="quarter" idx="10"/>
+          </p:nvPr>
+        </p:nvSpPr>
+        <p:spPr/>
+        <p:txBody>
+          <a:bodyPr/>
+          <a:lstStyle/>
+          <a:p>
+            <a:fld id="{9495167A-B27E-CE48-A558-329CEE8B2C32}" type="slidenum">
+              <a:rPr lang="en-US" smtClean="0"/>
+              <a:t>54</a:t>
+            </a:fld>
+            <a:endParaRPr lang="en-US"/>
+          </a:p>
+        </p:txBody>
+      </p:sp>
+    </p:spTree>
+    <p:extLst>
+      <p:ext uri="{BB962C8B-B14F-4D97-AF65-F5344CB8AC3E}">
+        <p14:creationId xmlns:p14="http://schemas.microsoft.com/office/powerpoint/2010/main" val="1205875406"/>
+      </p:ext>
+    </p:extLst>
+  </p:cSld>
+  <p:clrMapOvr>
+    <a:masterClrMapping/>
+  </p:clrMapOvr>
+</p:notes>
+</file>
+
+<file path=ppt/notesSlides/notesSlide49.xml><?xml version="1.0" encoding="utf-8"?>
+<p:notes xmlns:a="http://schemas.openxmlformats.org/drawingml/2006/main" xmlns:r="http://schemas.openxmlformats.org/officeDocument/2006/relationships" xmlns:p="http://schemas.openxmlformats.org/presentationml/2006/main">
+  <p:cSld>
+    <p:spTree>
+      <p:nvGrpSpPr>
+        <p:cNvPr id="1" name=""/>
+        <p:cNvGrpSpPr/>
+        <p:nvPr/>
+      </p:nvGrpSpPr>
+      <p:grpSpPr>
+        <a:xfrm>
+          <a:off x="0" y="0"/>
+          <a:ext cx="0" cy="0"/>
+          <a:chOff x="0" y="0"/>
+          <a:chExt cx="0" cy="0"/>
+        </a:xfrm>
+      </p:grpSpPr>
+      <p:sp>
+        <p:nvSpPr>
+          <p:cNvPr id="2" name="Slide Image Placeholder 1"/>
+          <p:cNvSpPr>
+            <a:spLocks noGrp="1" noRot="1" noChangeAspect="1"/>
+          </p:cNvSpPr>
+          <p:nvPr>
+            <p:ph type="sldImg"/>
+          </p:nvPr>
+        </p:nvSpPr>
+        <p:spPr/>
+      </p:sp>
+      <p:sp>
+        <p:nvSpPr>
+          <p:cNvPr id="3" name="Notes Placeholder 2"/>
+          <p:cNvSpPr>
+            <a:spLocks noGrp="1"/>
+          </p:cNvSpPr>
+          <p:nvPr>
+            <p:ph type="body" idx="1"/>
+          </p:nvPr>
+        </p:nvSpPr>
+        <p:spPr/>
+        <p:txBody>
+          <a:bodyPr/>
+          <a:lstStyle/>
+          <a:p>
+            <a:pPr marL="0" marR="0" indent="0" algn="l" defTabSz="457200" rtl="0" eaLnBrk="1" fontAlgn="auto" latinLnBrk="0" hangingPunct="1">
+              <a:lnSpc>
+                <a:spcPct val="100000"/>
+              </a:lnSpc>
+              <a:spcBef>
+                <a:spcPts val="0"/>
+              </a:spcBef>
+              <a:spcAft>
+                <a:spcPts val="0"/>
+              </a:spcAft>
+              <a:buClrTx/>
+              <a:buSzTx/>
+              <a:buFontTx/>
+              <a:buNone/>
+              <a:tabLst/>
+              <a:defRPr/>
+            </a:pPr>
+            <a:r>
+              <a:rPr lang="en-US" sz="1200" smtClean="0"/>
+              <a:t>RAII to make sure thread is correctly joined</a:t>
+            </a:r>
+          </a:p>
+        </p:txBody>
+      </p:sp>
+      <p:sp>
+        <p:nvSpPr>
+          <p:cNvPr id="4" name="Slide Number Placeholder 3"/>
+          <p:cNvSpPr>
+            <a:spLocks noGrp="1"/>
+          </p:cNvSpPr>
+          <p:nvPr>
+            <p:ph type="sldNum" sz="quarter" idx="10"/>
+          </p:nvPr>
+        </p:nvSpPr>
+        <p:spPr/>
+        <p:txBody>
+          <a:bodyPr/>
+          <a:lstStyle/>
+          <a:p>
+            <a:fld id="{9495167A-B27E-CE48-A558-329CEE8B2C32}" type="slidenum">
+              <a:rPr lang="en-US" smtClean="0"/>
+              <a:t>55</a:t>
+            </a:fld>
+            <a:endParaRPr lang="en-US"/>
+          </a:p>
+        </p:txBody>
+      </p:sp>
+    </p:spTree>
+    <p:extLst>
+      <p:ext uri="{BB962C8B-B14F-4D97-AF65-F5344CB8AC3E}">
+        <p14:creationId xmlns:p14="http://schemas.microsoft.com/office/powerpoint/2010/main" val="1205875406"/>
+      </p:ext>
+    </p:extLst>
+  </p:cSld>
+  <p:clrMapOvr>
+    <a:masterClrMapping/>
+  </p:clrMapOvr>
+</p:notes>
+</file>
+
 <file path=ppt/notesSlides/notesSlide5.xml><?xml version="1.0" encoding="utf-8"?>
 <p:notes xmlns:a="http://schemas.openxmlformats.org/drawingml/2006/main" xmlns:r="http://schemas.openxmlformats.org/officeDocument/2006/relationships" xmlns:p="http://schemas.openxmlformats.org/presentationml/2006/main">
   <p:cSld>
@@ -4546,6 +5190,1046 @@
             <a:fld id="{9495167A-B27E-CE48-A558-329CEE8B2C32}" type="slidenum">
               <a:rPr lang="en-US" smtClean="0"/>
               <a:t>11</a:t>
+            </a:fld>
+            <a:endParaRPr lang="en-US"/>
+          </a:p>
+        </p:txBody>
+      </p:sp>
+    </p:spTree>
+    <p:extLst>
+      <p:ext uri="{BB962C8B-B14F-4D97-AF65-F5344CB8AC3E}">
+        <p14:creationId xmlns:p14="http://schemas.microsoft.com/office/powerpoint/2010/main" val="1205875406"/>
+      </p:ext>
+    </p:extLst>
+  </p:cSld>
+  <p:clrMapOvr>
+    <a:masterClrMapping/>
+  </p:clrMapOvr>
+</p:notes>
+</file>
+
+<file path=ppt/notesSlides/notesSlide50.xml><?xml version="1.0" encoding="utf-8"?>
+<p:notes xmlns:a="http://schemas.openxmlformats.org/drawingml/2006/main" xmlns:r="http://schemas.openxmlformats.org/officeDocument/2006/relationships" xmlns:p="http://schemas.openxmlformats.org/presentationml/2006/main">
+  <p:cSld>
+    <p:spTree>
+      <p:nvGrpSpPr>
+        <p:cNvPr id="1" name=""/>
+        <p:cNvGrpSpPr/>
+        <p:nvPr/>
+      </p:nvGrpSpPr>
+      <p:grpSpPr>
+        <a:xfrm>
+          <a:off x="0" y="0"/>
+          <a:ext cx="0" cy="0"/>
+          <a:chOff x="0" y="0"/>
+          <a:chExt cx="0" cy="0"/>
+        </a:xfrm>
+      </p:grpSpPr>
+      <p:sp>
+        <p:nvSpPr>
+          <p:cNvPr id="2" name="Slide Image Placeholder 1"/>
+          <p:cNvSpPr>
+            <a:spLocks noGrp="1" noRot="1" noChangeAspect="1"/>
+          </p:cNvSpPr>
+          <p:nvPr>
+            <p:ph type="sldImg"/>
+          </p:nvPr>
+        </p:nvSpPr>
+        <p:spPr/>
+      </p:sp>
+      <p:sp>
+        <p:nvSpPr>
+          <p:cNvPr id="3" name="Notes Placeholder 2"/>
+          <p:cNvSpPr>
+            <a:spLocks noGrp="1"/>
+          </p:cNvSpPr>
+          <p:nvPr>
+            <p:ph type="body" idx="1"/>
+          </p:nvPr>
+        </p:nvSpPr>
+        <p:spPr/>
+        <p:txBody>
+          <a:bodyPr/>
+          <a:lstStyle/>
+          <a:p>
+            <a:pPr marL="0" marR="0" indent="0" algn="l" defTabSz="457200" rtl="0" eaLnBrk="1" fontAlgn="auto" latinLnBrk="0" hangingPunct="1">
+              <a:lnSpc>
+                <a:spcPct val="100000"/>
+              </a:lnSpc>
+              <a:spcBef>
+                <a:spcPts val="0"/>
+              </a:spcBef>
+              <a:spcAft>
+                <a:spcPts val="0"/>
+              </a:spcAft>
+              <a:buClrTx/>
+              <a:buSzTx/>
+              <a:buFontTx/>
+              <a:buNone/>
+              <a:tabLst/>
+              <a:defRPr/>
+            </a:pPr>
+            <a:r>
+              <a:rPr lang="en-US" sz="1200" smtClean="0"/>
+              <a:t>RAII to make sure thread is correctly joined</a:t>
+            </a:r>
+          </a:p>
+        </p:txBody>
+      </p:sp>
+      <p:sp>
+        <p:nvSpPr>
+          <p:cNvPr id="4" name="Slide Number Placeholder 3"/>
+          <p:cNvSpPr>
+            <a:spLocks noGrp="1"/>
+          </p:cNvSpPr>
+          <p:nvPr>
+            <p:ph type="sldNum" sz="quarter" idx="10"/>
+          </p:nvPr>
+        </p:nvSpPr>
+        <p:spPr/>
+        <p:txBody>
+          <a:bodyPr/>
+          <a:lstStyle/>
+          <a:p>
+            <a:fld id="{9495167A-B27E-CE48-A558-329CEE8B2C32}" type="slidenum">
+              <a:rPr lang="en-US" smtClean="0"/>
+              <a:t>56</a:t>
+            </a:fld>
+            <a:endParaRPr lang="en-US"/>
+          </a:p>
+        </p:txBody>
+      </p:sp>
+    </p:spTree>
+    <p:extLst>
+      <p:ext uri="{BB962C8B-B14F-4D97-AF65-F5344CB8AC3E}">
+        <p14:creationId xmlns:p14="http://schemas.microsoft.com/office/powerpoint/2010/main" val="1205875406"/>
+      </p:ext>
+    </p:extLst>
+  </p:cSld>
+  <p:clrMapOvr>
+    <a:masterClrMapping/>
+  </p:clrMapOvr>
+</p:notes>
+</file>
+
+<file path=ppt/notesSlides/notesSlide51.xml><?xml version="1.0" encoding="utf-8"?>
+<p:notes xmlns:a="http://schemas.openxmlformats.org/drawingml/2006/main" xmlns:r="http://schemas.openxmlformats.org/officeDocument/2006/relationships" xmlns:p="http://schemas.openxmlformats.org/presentationml/2006/main">
+  <p:cSld>
+    <p:spTree>
+      <p:nvGrpSpPr>
+        <p:cNvPr id="1" name=""/>
+        <p:cNvGrpSpPr/>
+        <p:nvPr/>
+      </p:nvGrpSpPr>
+      <p:grpSpPr>
+        <a:xfrm>
+          <a:off x="0" y="0"/>
+          <a:ext cx="0" cy="0"/>
+          <a:chOff x="0" y="0"/>
+          <a:chExt cx="0" cy="0"/>
+        </a:xfrm>
+      </p:grpSpPr>
+      <p:sp>
+        <p:nvSpPr>
+          <p:cNvPr id="2" name="Slide Image Placeholder 1"/>
+          <p:cNvSpPr>
+            <a:spLocks noGrp="1" noRot="1" noChangeAspect="1"/>
+          </p:cNvSpPr>
+          <p:nvPr>
+            <p:ph type="sldImg"/>
+          </p:nvPr>
+        </p:nvSpPr>
+        <p:spPr/>
+      </p:sp>
+      <p:sp>
+        <p:nvSpPr>
+          <p:cNvPr id="3" name="Notes Placeholder 2"/>
+          <p:cNvSpPr>
+            <a:spLocks noGrp="1"/>
+          </p:cNvSpPr>
+          <p:nvPr>
+            <p:ph type="body" idx="1"/>
+          </p:nvPr>
+        </p:nvSpPr>
+        <p:spPr/>
+        <p:txBody>
+          <a:bodyPr/>
+          <a:lstStyle/>
+          <a:p>
+            <a:pPr marL="0" marR="0" indent="0" algn="l" defTabSz="457200" rtl="0" eaLnBrk="1" fontAlgn="auto" latinLnBrk="0" hangingPunct="1">
+              <a:lnSpc>
+                <a:spcPct val="100000"/>
+              </a:lnSpc>
+              <a:spcBef>
+                <a:spcPts val="0"/>
+              </a:spcBef>
+              <a:spcAft>
+                <a:spcPts val="0"/>
+              </a:spcAft>
+              <a:buClrTx/>
+              <a:buSzTx/>
+              <a:buFontTx/>
+              <a:buNone/>
+              <a:tabLst/>
+              <a:defRPr/>
+            </a:pPr>
+            <a:r>
+              <a:rPr lang="en-US" sz="1200" smtClean="0"/>
+              <a:t>RAII to make sure thread is correctly joined</a:t>
+            </a:r>
+          </a:p>
+        </p:txBody>
+      </p:sp>
+      <p:sp>
+        <p:nvSpPr>
+          <p:cNvPr id="4" name="Slide Number Placeholder 3"/>
+          <p:cNvSpPr>
+            <a:spLocks noGrp="1"/>
+          </p:cNvSpPr>
+          <p:nvPr>
+            <p:ph type="sldNum" sz="quarter" idx="10"/>
+          </p:nvPr>
+        </p:nvSpPr>
+        <p:spPr/>
+        <p:txBody>
+          <a:bodyPr/>
+          <a:lstStyle/>
+          <a:p>
+            <a:fld id="{9495167A-B27E-CE48-A558-329CEE8B2C32}" type="slidenum">
+              <a:rPr lang="en-US" smtClean="0"/>
+              <a:t>57</a:t>
+            </a:fld>
+            <a:endParaRPr lang="en-US"/>
+          </a:p>
+        </p:txBody>
+      </p:sp>
+    </p:spTree>
+    <p:extLst>
+      <p:ext uri="{BB962C8B-B14F-4D97-AF65-F5344CB8AC3E}">
+        <p14:creationId xmlns:p14="http://schemas.microsoft.com/office/powerpoint/2010/main" val="1205875406"/>
+      </p:ext>
+    </p:extLst>
+  </p:cSld>
+  <p:clrMapOvr>
+    <a:masterClrMapping/>
+  </p:clrMapOvr>
+</p:notes>
+</file>
+
+<file path=ppt/notesSlides/notesSlide52.xml><?xml version="1.0" encoding="utf-8"?>
+<p:notes xmlns:a="http://schemas.openxmlformats.org/drawingml/2006/main" xmlns:r="http://schemas.openxmlformats.org/officeDocument/2006/relationships" xmlns:p="http://schemas.openxmlformats.org/presentationml/2006/main">
+  <p:cSld>
+    <p:spTree>
+      <p:nvGrpSpPr>
+        <p:cNvPr id="1" name=""/>
+        <p:cNvGrpSpPr/>
+        <p:nvPr/>
+      </p:nvGrpSpPr>
+      <p:grpSpPr>
+        <a:xfrm>
+          <a:off x="0" y="0"/>
+          <a:ext cx="0" cy="0"/>
+          <a:chOff x="0" y="0"/>
+          <a:chExt cx="0" cy="0"/>
+        </a:xfrm>
+      </p:grpSpPr>
+      <p:sp>
+        <p:nvSpPr>
+          <p:cNvPr id="2" name="Slide Image Placeholder 1"/>
+          <p:cNvSpPr>
+            <a:spLocks noGrp="1" noRot="1" noChangeAspect="1"/>
+          </p:cNvSpPr>
+          <p:nvPr>
+            <p:ph type="sldImg"/>
+          </p:nvPr>
+        </p:nvSpPr>
+        <p:spPr/>
+      </p:sp>
+      <p:sp>
+        <p:nvSpPr>
+          <p:cNvPr id="3" name="Notes Placeholder 2"/>
+          <p:cNvSpPr>
+            <a:spLocks noGrp="1"/>
+          </p:cNvSpPr>
+          <p:nvPr>
+            <p:ph type="body" idx="1"/>
+          </p:nvPr>
+        </p:nvSpPr>
+        <p:spPr/>
+        <p:txBody>
+          <a:bodyPr/>
+          <a:lstStyle/>
+          <a:p>
+            <a:pPr marL="0" marR="0" indent="0" algn="l" defTabSz="457200" rtl="0" eaLnBrk="1" fontAlgn="auto" latinLnBrk="0" hangingPunct="1">
+              <a:lnSpc>
+                <a:spcPct val="100000"/>
+              </a:lnSpc>
+              <a:spcBef>
+                <a:spcPts val="0"/>
+              </a:spcBef>
+              <a:spcAft>
+                <a:spcPts val="0"/>
+              </a:spcAft>
+              <a:buClrTx/>
+              <a:buSzTx/>
+              <a:buFontTx/>
+              <a:buNone/>
+              <a:tabLst/>
+              <a:defRPr/>
+            </a:pPr>
+            <a:r>
+              <a:rPr lang="en-US" sz="1200" smtClean="0"/>
+              <a:t>RAII to make sure thread is correctly joined</a:t>
+            </a:r>
+          </a:p>
+        </p:txBody>
+      </p:sp>
+      <p:sp>
+        <p:nvSpPr>
+          <p:cNvPr id="4" name="Slide Number Placeholder 3"/>
+          <p:cNvSpPr>
+            <a:spLocks noGrp="1"/>
+          </p:cNvSpPr>
+          <p:nvPr>
+            <p:ph type="sldNum" sz="quarter" idx="10"/>
+          </p:nvPr>
+        </p:nvSpPr>
+        <p:spPr/>
+        <p:txBody>
+          <a:bodyPr/>
+          <a:lstStyle/>
+          <a:p>
+            <a:fld id="{9495167A-B27E-CE48-A558-329CEE8B2C32}" type="slidenum">
+              <a:rPr lang="en-US" smtClean="0"/>
+              <a:t>58</a:t>
+            </a:fld>
+            <a:endParaRPr lang="en-US"/>
+          </a:p>
+        </p:txBody>
+      </p:sp>
+    </p:spTree>
+    <p:extLst>
+      <p:ext uri="{BB962C8B-B14F-4D97-AF65-F5344CB8AC3E}">
+        <p14:creationId xmlns:p14="http://schemas.microsoft.com/office/powerpoint/2010/main" val="1205875406"/>
+      </p:ext>
+    </p:extLst>
+  </p:cSld>
+  <p:clrMapOvr>
+    <a:masterClrMapping/>
+  </p:clrMapOvr>
+</p:notes>
+</file>
+
+<file path=ppt/notesSlides/notesSlide53.xml><?xml version="1.0" encoding="utf-8"?>
+<p:notes xmlns:a="http://schemas.openxmlformats.org/drawingml/2006/main" xmlns:r="http://schemas.openxmlformats.org/officeDocument/2006/relationships" xmlns:p="http://schemas.openxmlformats.org/presentationml/2006/main">
+  <p:cSld>
+    <p:spTree>
+      <p:nvGrpSpPr>
+        <p:cNvPr id="1" name=""/>
+        <p:cNvGrpSpPr/>
+        <p:nvPr/>
+      </p:nvGrpSpPr>
+      <p:grpSpPr>
+        <a:xfrm>
+          <a:off x="0" y="0"/>
+          <a:ext cx="0" cy="0"/>
+          <a:chOff x="0" y="0"/>
+          <a:chExt cx="0" cy="0"/>
+        </a:xfrm>
+      </p:grpSpPr>
+      <p:sp>
+        <p:nvSpPr>
+          <p:cNvPr id="2" name="Slide Image Placeholder 1"/>
+          <p:cNvSpPr>
+            <a:spLocks noGrp="1" noRot="1" noChangeAspect="1"/>
+          </p:cNvSpPr>
+          <p:nvPr>
+            <p:ph type="sldImg"/>
+          </p:nvPr>
+        </p:nvSpPr>
+        <p:spPr/>
+      </p:sp>
+      <p:sp>
+        <p:nvSpPr>
+          <p:cNvPr id="3" name="Notes Placeholder 2"/>
+          <p:cNvSpPr>
+            <a:spLocks noGrp="1"/>
+          </p:cNvSpPr>
+          <p:nvPr>
+            <p:ph type="body" idx="1"/>
+          </p:nvPr>
+        </p:nvSpPr>
+        <p:spPr/>
+        <p:txBody>
+          <a:bodyPr/>
+          <a:lstStyle/>
+          <a:p>
+            <a:pPr marL="0" marR="0" indent="0" algn="l" defTabSz="457200" rtl="0" eaLnBrk="1" fontAlgn="auto" latinLnBrk="0" hangingPunct="1">
+              <a:lnSpc>
+                <a:spcPct val="100000"/>
+              </a:lnSpc>
+              <a:spcBef>
+                <a:spcPts val="0"/>
+              </a:spcBef>
+              <a:spcAft>
+                <a:spcPts val="0"/>
+              </a:spcAft>
+              <a:buClrTx/>
+              <a:buSzTx/>
+              <a:buFontTx/>
+              <a:buNone/>
+              <a:tabLst/>
+              <a:defRPr/>
+            </a:pPr>
+            <a:r>
+              <a:rPr lang="en-US" sz="1200" smtClean="0"/>
+              <a:t>RAII to make sure thread is correctly joined</a:t>
+            </a:r>
+          </a:p>
+        </p:txBody>
+      </p:sp>
+      <p:sp>
+        <p:nvSpPr>
+          <p:cNvPr id="4" name="Slide Number Placeholder 3"/>
+          <p:cNvSpPr>
+            <a:spLocks noGrp="1"/>
+          </p:cNvSpPr>
+          <p:nvPr>
+            <p:ph type="sldNum" sz="quarter" idx="10"/>
+          </p:nvPr>
+        </p:nvSpPr>
+        <p:spPr/>
+        <p:txBody>
+          <a:bodyPr/>
+          <a:lstStyle/>
+          <a:p>
+            <a:fld id="{9495167A-B27E-CE48-A558-329CEE8B2C32}" type="slidenum">
+              <a:rPr lang="en-US" smtClean="0"/>
+              <a:t>59</a:t>
+            </a:fld>
+            <a:endParaRPr lang="en-US"/>
+          </a:p>
+        </p:txBody>
+      </p:sp>
+    </p:spTree>
+    <p:extLst>
+      <p:ext uri="{BB962C8B-B14F-4D97-AF65-F5344CB8AC3E}">
+        <p14:creationId xmlns:p14="http://schemas.microsoft.com/office/powerpoint/2010/main" val="1205875406"/>
+      </p:ext>
+    </p:extLst>
+  </p:cSld>
+  <p:clrMapOvr>
+    <a:masterClrMapping/>
+  </p:clrMapOvr>
+</p:notes>
+</file>
+
+<file path=ppt/notesSlides/notesSlide54.xml><?xml version="1.0" encoding="utf-8"?>
+<p:notes xmlns:a="http://schemas.openxmlformats.org/drawingml/2006/main" xmlns:r="http://schemas.openxmlformats.org/officeDocument/2006/relationships" xmlns:p="http://schemas.openxmlformats.org/presentationml/2006/main">
+  <p:cSld>
+    <p:spTree>
+      <p:nvGrpSpPr>
+        <p:cNvPr id="1" name=""/>
+        <p:cNvGrpSpPr/>
+        <p:nvPr/>
+      </p:nvGrpSpPr>
+      <p:grpSpPr>
+        <a:xfrm>
+          <a:off x="0" y="0"/>
+          <a:ext cx="0" cy="0"/>
+          <a:chOff x="0" y="0"/>
+          <a:chExt cx="0" cy="0"/>
+        </a:xfrm>
+      </p:grpSpPr>
+      <p:sp>
+        <p:nvSpPr>
+          <p:cNvPr id="2" name="Slide Image Placeholder 1"/>
+          <p:cNvSpPr>
+            <a:spLocks noGrp="1" noRot="1" noChangeAspect="1"/>
+          </p:cNvSpPr>
+          <p:nvPr>
+            <p:ph type="sldImg"/>
+          </p:nvPr>
+        </p:nvSpPr>
+        <p:spPr/>
+      </p:sp>
+      <p:sp>
+        <p:nvSpPr>
+          <p:cNvPr id="3" name="Notes Placeholder 2"/>
+          <p:cNvSpPr>
+            <a:spLocks noGrp="1"/>
+          </p:cNvSpPr>
+          <p:nvPr>
+            <p:ph type="body" idx="1"/>
+          </p:nvPr>
+        </p:nvSpPr>
+        <p:spPr/>
+        <p:txBody>
+          <a:bodyPr/>
+          <a:lstStyle/>
+          <a:p>
+            <a:pPr marL="0" marR="0" indent="0" algn="l" defTabSz="457200" rtl="0" eaLnBrk="1" fontAlgn="auto" latinLnBrk="0" hangingPunct="1">
+              <a:lnSpc>
+                <a:spcPct val="100000"/>
+              </a:lnSpc>
+              <a:spcBef>
+                <a:spcPts val="0"/>
+              </a:spcBef>
+              <a:spcAft>
+                <a:spcPts val="0"/>
+              </a:spcAft>
+              <a:buClrTx/>
+              <a:buSzTx/>
+              <a:buFontTx/>
+              <a:buNone/>
+              <a:tabLst/>
+              <a:defRPr/>
+            </a:pPr>
+            <a:r>
+              <a:rPr lang="en-US" sz="1200" smtClean="0"/>
+              <a:t>RAII to make sure thread is correctly joined</a:t>
+            </a:r>
+          </a:p>
+        </p:txBody>
+      </p:sp>
+      <p:sp>
+        <p:nvSpPr>
+          <p:cNvPr id="4" name="Slide Number Placeholder 3"/>
+          <p:cNvSpPr>
+            <a:spLocks noGrp="1"/>
+          </p:cNvSpPr>
+          <p:nvPr>
+            <p:ph type="sldNum" sz="quarter" idx="10"/>
+          </p:nvPr>
+        </p:nvSpPr>
+        <p:spPr/>
+        <p:txBody>
+          <a:bodyPr/>
+          <a:lstStyle/>
+          <a:p>
+            <a:fld id="{9495167A-B27E-CE48-A558-329CEE8B2C32}" type="slidenum">
+              <a:rPr lang="en-US" smtClean="0"/>
+              <a:t>60</a:t>
+            </a:fld>
+            <a:endParaRPr lang="en-US"/>
+          </a:p>
+        </p:txBody>
+      </p:sp>
+    </p:spTree>
+    <p:extLst>
+      <p:ext uri="{BB962C8B-B14F-4D97-AF65-F5344CB8AC3E}">
+        <p14:creationId xmlns:p14="http://schemas.microsoft.com/office/powerpoint/2010/main" val="1205875406"/>
+      </p:ext>
+    </p:extLst>
+  </p:cSld>
+  <p:clrMapOvr>
+    <a:masterClrMapping/>
+  </p:clrMapOvr>
+</p:notes>
+</file>
+
+<file path=ppt/notesSlides/notesSlide55.xml><?xml version="1.0" encoding="utf-8"?>
+<p:notes xmlns:a="http://schemas.openxmlformats.org/drawingml/2006/main" xmlns:r="http://schemas.openxmlformats.org/officeDocument/2006/relationships" xmlns:p="http://schemas.openxmlformats.org/presentationml/2006/main">
+  <p:cSld>
+    <p:spTree>
+      <p:nvGrpSpPr>
+        <p:cNvPr id="1" name=""/>
+        <p:cNvGrpSpPr/>
+        <p:nvPr/>
+      </p:nvGrpSpPr>
+      <p:grpSpPr>
+        <a:xfrm>
+          <a:off x="0" y="0"/>
+          <a:ext cx="0" cy="0"/>
+          <a:chOff x="0" y="0"/>
+          <a:chExt cx="0" cy="0"/>
+        </a:xfrm>
+      </p:grpSpPr>
+      <p:sp>
+        <p:nvSpPr>
+          <p:cNvPr id="2" name="Slide Image Placeholder 1"/>
+          <p:cNvSpPr>
+            <a:spLocks noGrp="1" noRot="1" noChangeAspect="1"/>
+          </p:cNvSpPr>
+          <p:nvPr>
+            <p:ph type="sldImg"/>
+          </p:nvPr>
+        </p:nvSpPr>
+        <p:spPr/>
+      </p:sp>
+      <p:sp>
+        <p:nvSpPr>
+          <p:cNvPr id="3" name="Notes Placeholder 2"/>
+          <p:cNvSpPr>
+            <a:spLocks noGrp="1"/>
+          </p:cNvSpPr>
+          <p:nvPr>
+            <p:ph type="body" idx="1"/>
+          </p:nvPr>
+        </p:nvSpPr>
+        <p:spPr/>
+        <p:txBody>
+          <a:bodyPr/>
+          <a:lstStyle/>
+          <a:p>
+            <a:pPr marL="0" marR="0" indent="0" algn="l" defTabSz="457200" rtl="0" eaLnBrk="1" fontAlgn="auto" latinLnBrk="0" hangingPunct="1">
+              <a:lnSpc>
+                <a:spcPct val="100000"/>
+              </a:lnSpc>
+              <a:spcBef>
+                <a:spcPts val="0"/>
+              </a:spcBef>
+              <a:spcAft>
+                <a:spcPts val="0"/>
+              </a:spcAft>
+              <a:buClrTx/>
+              <a:buSzTx/>
+              <a:buFontTx/>
+              <a:buNone/>
+              <a:tabLst/>
+              <a:defRPr/>
+            </a:pPr>
+            <a:r>
+              <a:rPr lang="en-US" sz="1200" smtClean="0"/>
+              <a:t>RAII to make sure thread is correctly joined</a:t>
+            </a:r>
+          </a:p>
+        </p:txBody>
+      </p:sp>
+      <p:sp>
+        <p:nvSpPr>
+          <p:cNvPr id="4" name="Slide Number Placeholder 3"/>
+          <p:cNvSpPr>
+            <a:spLocks noGrp="1"/>
+          </p:cNvSpPr>
+          <p:nvPr>
+            <p:ph type="sldNum" sz="quarter" idx="10"/>
+          </p:nvPr>
+        </p:nvSpPr>
+        <p:spPr/>
+        <p:txBody>
+          <a:bodyPr/>
+          <a:lstStyle/>
+          <a:p>
+            <a:fld id="{9495167A-B27E-CE48-A558-329CEE8B2C32}" type="slidenum">
+              <a:rPr lang="en-US" smtClean="0"/>
+              <a:t>61</a:t>
+            </a:fld>
+            <a:endParaRPr lang="en-US"/>
+          </a:p>
+        </p:txBody>
+      </p:sp>
+    </p:spTree>
+    <p:extLst>
+      <p:ext uri="{BB962C8B-B14F-4D97-AF65-F5344CB8AC3E}">
+        <p14:creationId xmlns:p14="http://schemas.microsoft.com/office/powerpoint/2010/main" val="1205875406"/>
+      </p:ext>
+    </p:extLst>
+  </p:cSld>
+  <p:clrMapOvr>
+    <a:masterClrMapping/>
+  </p:clrMapOvr>
+</p:notes>
+</file>
+
+<file path=ppt/notesSlides/notesSlide56.xml><?xml version="1.0" encoding="utf-8"?>
+<p:notes xmlns:a="http://schemas.openxmlformats.org/drawingml/2006/main" xmlns:r="http://schemas.openxmlformats.org/officeDocument/2006/relationships" xmlns:p="http://schemas.openxmlformats.org/presentationml/2006/main">
+  <p:cSld>
+    <p:spTree>
+      <p:nvGrpSpPr>
+        <p:cNvPr id="1" name=""/>
+        <p:cNvGrpSpPr/>
+        <p:nvPr/>
+      </p:nvGrpSpPr>
+      <p:grpSpPr>
+        <a:xfrm>
+          <a:off x="0" y="0"/>
+          <a:ext cx="0" cy="0"/>
+          <a:chOff x="0" y="0"/>
+          <a:chExt cx="0" cy="0"/>
+        </a:xfrm>
+      </p:grpSpPr>
+      <p:sp>
+        <p:nvSpPr>
+          <p:cNvPr id="2" name="Slide Image Placeholder 1"/>
+          <p:cNvSpPr>
+            <a:spLocks noGrp="1" noRot="1" noChangeAspect="1"/>
+          </p:cNvSpPr>
+          <p:nvPr>
+            <p:ph type="sldImg"/>
+          </p:nvPr>
+        </p:nvSpPr>
+        <p:spPr/>
+      </p:sp>
+      <p:sp>
+        <p:nvSpPr>
+          <p:cNvPr id="3" name="Notes Placeholder 2"/>
+          <p:cNvSpPr>
+            <a:spLocks noGrp="1"/>
+          </p:cNvSpPr>
+          <p:nvPr>
+            <p:ph type="body" idx="1"/>
+          </p:nvPr>
+        </p:nvSpPr>
+        <p:spPr/>
+        <p:txBody>
+          <a:bodyPr/>
+          <a:lstStyle/>
+          <a:p>
+            <a:pPr marL="0" marR="0" indent="0" algn="l" defTabSz="457200" rtl="0" eaLnBrk="1" fontAlgn="auto" latinLnBrk="0" hangingPunct="1">
+              <a:lnSpc>
+                <a:spcPct val="100000"/>
+              </a:lnSpc>
+              <a:spcBef>
+                <a:spcPts val="0"/>
+              </a:spcBef>
+              <a:spcAft>
+                <a:spcPts val="0"/>
+              </a:spcAft>
+              <a:buClrTx/>
+              <a:buSzTx/>
+              <a:buFontTx/>
+              <a:buNone/>
+              <a:tabLst/>
+              <a:defRPr/>
+            </a:pPr>
+            <a:r>
+              <a:rPr lang="en-US" sz="1200" smtClean="0"/>
+              <a:t>RAII to make sure thread is correctly joined</a:t>
+            </a:r>
+          </a:p>
+        </p:txBody>
+      </p:sp>
+      <p:sp>
+        <p:nvSpPr>
+          <p:cNvPr id="4" name="Slide Number Placeholder 3"/>
+          <p:cNvSpPr>
+            <a:spLocks noGrp="1"/>
+          </p:cNvSpPr>
+          <p:nvPr>
+            <p:ph type="sldNum" sz="quarter" idx="10"/>
+          </p:nvPr>
+        </p:nvSpPr>
+        <p:spPr/>
+        <p:txBody>
+          <a:bodyPr/>
+          <a:lstStyle/>
+          <a:p>
+            <a:fld id="{9495167A-B27E-CE48-A558-329CEE8B2C32}" type="slidenum">
+              <a:rPr lang="en-US" smtClean="0"/>
+              <a:t>62</a:t>
+            </a:fld>
+            <a:endParaRPr lang="en-US"/>
+          </a:p>
+        </p:txBody>
+      </p:sp>
+    </p:spTree>
+    <p:extLst>
+      <p:ext uri="{BB962C8B-B14F-4D97-AF65-F5344CB8AC3E}">
+        <p14:creationId xmlns:p14="http://schemas.microsoft.com/office/powerpoint/2010/main" val="1205875406"/>
+      </p:ext>
+    </p:extLst>
+  </p:cSld>
+  <p:clrMapOvr>
+    <a:masterClrMapping/>
+  </p:clrMapOvr>
+</p:notes>
+</file>
+
+<file path=ppt/notesSlides/notesSlide57.xml><?xml version="1.0" encoding="utf-8"?>
+<p:notes xmlns:a="http://schemas.openxmlformats.org/drawingml/2006/main" xmlns:r="http://schemas.openxmlformats.org/officeDocument/2006/relationships" xmlns:p="http://schemas.openxmlformats.org/presentationml/2006/main">
+  <p:cSld>
+    <p:spTree>
+      <p:nvGrpSpPr>
+        <p:cNvPr id="1" name=""/>
+        <p:cNvGrpSpPr/>
+        <p:nvPr/>
+      </p:nvGrpSpPr>
+      <p:grpSpPr>
+        <a:xfrm>
+          <a:off x="0" y="0"/>
+          <a:ext cx="0" cy="0"/>
+          <a:chOff x="0" y="0"/>
+          <a:chExt cx="0" cy="0"/>
+        </a:xfrm>
+      </p:grpSpPr>
+      <p:sp>
+        <p:nvSpPr>
+          <p:cNvPr id="2" name="Slide Image Placeholder 1"/>
+          <p:cNvSpPr>
+            <a:spLocks noGrp="1" noRot="1" noChangeAspect="1"/>
+          </p:cNvSpPr>
+          <p:nvPr>
+            <p:ph type="sldImg"/>
+          </p:nvPr>
+        </p:nvSpPr>
+        <p:spPr/>
+      </p:sp>
+      <p:sp>
+        <p:nvSpPr>
+          <p:cNvPr id="3" name="Notes Placeholder 2"/>
+          <p:cNvSpPr>
+            <a:spLocks noGrp="1"/>
+          </p:cNvSpPr>
+          <p:nvPr>
+            <p:ph type="body" idx="1"/>
+          </p:nvPr>
+        </p:nvSpPr>
+        <p:spPr/>
+        <p:txBody>
+          <a:bodyPr/>
+          <a:lstStyle/>
+          <a:p>
+            <a:pPr marL="0" marR="0" indent="0" algn="l" defTabSz="457200" rtl="0" eaLnBrk="1" fontAlgn="auto" latinLnBrk="0" hangingPunct="1">
+              <a:lnSpc>
+                <a:spcPct val="100000"/>
+              </a:lnSpc>
+              <a:spcBef>
+                <a:spcPts val="0"/>
+              </a:spcBef>
+              <a:spcAft>
+                <a:spcPts val="0"/>
+              </a:spcAft>
+              <a:buClrTx/>
+              <a:buSzTx/>
+              <a:buFontTx/>
+              <a:buNone/>
+              <a:tabLst/>
+              <a:defRPr/>
+            </a:pPr>
+            <a:r>
+              <a:rPr lang="en-US" sz="1200" smtClean="0"/>
+              <a:t>RAII to make sure thread is correctly joined</a:t>
+            </a:r>
+          </a:p>
+        </p:txBody>
+      </p:sp>
+      <p:sp>
+        <p:nvSpPr>
+          <p:cNvPr id="4" name="Slide Number Placeholder 3"/>
+          <p:cNvSpPr>
+            <a:spLocks noGrp="1"/>
+          </p:cNvSpPr>
+          <p:nvPr>
+            <p:ph type="sldNum" sz="quarter" idx="10"/>
+          </p:nvPr>
+        </p:nvSpPr>
+        <p:spPr/>
+        <p:txBody>
+          <a:bodyPr/>
+          <a:lstStyle/>
+          <a:p>
+            <a:fld id="{9495167A-B27E-CE48-A558-329CEE8B2C32}" type="slidenum">
+              <a:rPr lang="en-US" smtClean="0"/>
+              <a:t>63</a:t>
+            </a:fld>
+            <a:endParaRPr lang="en-US"/>
+          </a:p>
+        </p:txBody>
+      </p:sp>
+    </p:spTree>
+    <p:extLst>
+      <p:ext uri="{BB962C8B-B14F-4D97-AF65-F5344CB8AC3E}">
+        <p14:creationId xmlns:p14="http://schemas.microsoft.com/office/powerpoint/2010/main" val="1205875406"/>
+      </p:ext>
+    </p:extLst>
+  </p:cSld>
+  <p:clrMapOvr>
+    <a:masterClrMapping/>
+  </p:clrMapOvr>
+</p:notes>
+</file>
+
+<file path=ppt/notesSlides/notesSlide58.xml><?xml version="1.0" encoding="utf-8"?>
+<p:notes xmlns:a="http://schemas.openxmlformats.org/drawingml/2006/main" xmlns:r="http://schemas.openxmlformats.org/officeDocument/2006/relationships" xmlns:p="http://schemas.openxmlformats.org/presentationml/2006/main">
+  <p:cSld>
+    <p:spTree>
+      <p:nvGrpSpPr>
+        <p:cNvPr id="1" name=""/>
+        <p:cNvGrpSpPr/>
+        <p:nvPr/>
+      </p:nvGrpSpPr>
+      <p:grpSpPr>
+        <a:xfrm>
+          <a:off x="0" y="0"/>
+          <a:ext cx="0" cy="0"/>
+          <a:chOff x="0" y="0"/>
+          <a:chExt cx="0" cy="0"/>
+        </a:xfrm>
+      </p:grpSpPr>
+      <p:sp>
+        <p:nvSpPr>
+          <p:cNvPr id="2" name="Slide Image Placeholder 1"/>
+          <p:cNvSpPr>
+            <a:spLocks noGrp="1" noRot="1" noChangeAspect="1"/>
+          </p:cNvSpPr>
+          <p:nvPr>
+            <p:ph type="sldImg"/>
+          </p:nvPr>
+        </p:nvSpPr>
+        <p:spPr/>
+      </p:sp>
+      <p:sp>
+        <p:nvSpPr>
+          <p:cNvPr id="3" name="Notes Placeholder 2"/>
+          <p:cNvSpPr>
+            <a:spLocks noGrp="1"/>
+          </p:cNvSpPr>
+          <p:nvPr>
+            <p:ph type="body" idx="1"/>
+          </p:nvPr>
+        </p:nvSpPr>
+        <p:spPr/>
+        <p:txBody>
+          <a:bodyPr/>
+          <a:lstStyle/>
+          <a:p>
+            <a:pPr marL="0" marR="0" indent="0" algn="l" defTabSz="457200" rtl="0" eaLnBrk="1" fontAlgn="auto" latinLnBrk="0" hangingPunct="1">
+              <a:lnSpc>
+                <a:spcPct val="100000"/>
+              </a:lnSpc>
+              <a:spcBef>
+                <a:spcPts val="0"/>
+              </a:spcBef>
+              <a:spcAft>
+                <a:spcPts val="0"/>
+              </a:spcAft>
+              <a:buClrTx/>
+              <a:buSzTx/>
+              <a:buFontTx/>
+              <a:buNone/>
+              <a:tabLst/>
+              <a:defRPr/>
+            </a:pPr>
+            <a:r>
+              <a:rPr lang="en-US" sz="1200" smtClean="0"/>
+              <a:t>RAII to make sure thread is correctly joined</a:t>
+            </a:r>
+          </a:p>
+        </p:txBody>
+      </p:sp>
+      <p:sp>
+        <p:nvSpPr>
+          <p:cNvPr id="4" name="Slide Number Placeholder 3"/>
+          <p:cNvSpPr>
+            <a:spLocks noGrp="1"/>
+          </p:cNvSpPr>
+          <p:nvPr>
+            <p:ph type="sldNum" sz="quarter" idx="10"/>
+          </p:nvPr>
+        </p:nvSpPr>
+        <p:spPr/>
+        <p:txBody>
+          <a:bodyPr/>
+          <a:lstStyle/>
+          <a:p>
+            <a:fld id="{9495167A-B27E-CE48-A558-329CEE8B2C32}" type="slidenum">
+              <a:rPr lang="en-US" smtClean="0"/>
+              <a:t>64</a:t>
+            </a:fld>
+            <a:endParaRPr lang="en-US"/>
+          </a:p>
+        </p:txBody>
+      </p:sp>
+    </p:spTree>
+    <p:extLst>
+      <p:ext uri="{BB962C8B-B14F-4D97-AF65-F5344CB8AC3E}">
+        <p14:creationId xmlns:p14="http://schemas.microsoft.com/office/powerpoint/2010/main" val="1205875406"/>
+      </p:ext>
+    </p:extLst>
+  </p:cSld>
+  <p:clrMapOvr>
+    <a:masterClrMapping/>
+  </p:clrMapOvr>
+</p:notes>
+</file>
+
+<file path=ppt/notesSlides/notesSlide59.xml><?xml version="1.0" encoding="utf-8"?>
+<p:notes xmlns:a="http://schemas.openxmlformats.org/drawingml/2006/main" xmlns:r="http://schemas.openxmlformats.org/officeDocument/2006/relationships" xmlns:p="http://schemas.openxmlformats.org/presentationml/2006/main">
+  <p:cSld>
+    <p:spTree>
+      <p:nvGrpSpPr>
+        <p:cNvPr id="1" name=""/>
+        <p:cNvGrpSpPr/>
+        <p:nvPr/>
+      </p:nvGrpSpPr>
+      <p:grpSpPr>
+        <a:xfrm>
+          <a:off x="0" y="0"/>
+          <a:ext cx="0" cy="0"/>
+          <a:chOff x="0" y="0"/>
+          <a:chExt cx="0" cy="0"/>
+        </a:xfrm>
+      </p:grpSpPr>
+      <p:sp>
+        <p:nvSpPr>
+          <p:cNvPr id="2" name="Slide Image Placeholder 1"/>
+          <p:cNvSpPr>
+            <a:spLocks noGrp="1" noRot="1" noChangeAspect="1"/>
+          </p:cNvSpPr>
+          <p:nvPr>
+            <p:ph type="sldImg"/>
+          </p:nvPr>
+        </p:nvSpPr>
+        <p:spPr/>
+      </p:sp>
+      <p:sp>
+        <p:nvSpPr>
+          <p:cNvPr id="3" name="Notes Placeholder 2"/>
+          <p:cNvSpPr>
+            <a:spLocks noGrp="1"/>
+          </p:cNvSpPr>
+          <p:nvPr>
+            <p:ph type="body" idx="1"/>
+          </p:nvPr>
+        </p:nvSpPr>
+        <p:spPr/>
+        <p:txBody>
+          <a:bodyPr/>
+          <a:lstStyle/>
+          <a:p>
+            <a:pPr marL="0" marR="0" indent="0" algn="l" defTabSz="457200" rtl="0" eaLnBrk="1" fontAlgn="auto" latinLnBrk="0" hangingPunct="1">
+              <a:lnSpc>
+                <a:spcPct val="100000"/>
+              </a:lnSpc>
+              <a:spcBef>
+                <a:spcPts val="0"/>
+              </a:spcBef>
+              <a:spcAft>
+                <a:spcPts val="0"/>
+              </a:spcAft>
+              <a:buClrTx/>
+              <a:buSzTx/>
+              <a:buFontTx/>
+              <a:buNone/>
+              <a:tabLst/>
+              <a:defRPr/>
+            </a:pPr>
+            <a:r>
+              <a:rPr lang="en-US" sz="1200" smtClean="0"/>
+              <a:t>RAII to make sure thread is correctly joined</a:t>
+            </a:r>
+          </a:p>
+        </p:txBody>
+      </p:sp>
+      <p:sp>
+        <p:nvSpPr>
+          <p:cNvPr id="4" name="Slide Number Placeholder 3"/>
+          <p:cNvSpPr>
+            <a:spLocks noGrp="1"/>
+          </p:cNvSpPr>
+          <p:nvPr>
+            <p:ph type="sldNum" sz="quarter" idx="10"/>
+          </p:nvPr>
+        </p:nvSpPr>
+        <p:spPr/>
+        <p:txBody>
+          <a:bodyPr/>
+          <a:lstStyle/>
+          <a:p>
+            <a:fld id="{9495167A-B27E-CE48-A558-329CEE8B2C32}" type="slidenum">
+              <a:rPr lang="en-US" smtClean="0"/>
+              <a:t>65</a:t>
             </a:fld>
             <a:endParaRPr lang="en-US"/>
           </a:p>
@@ -4650,6 +6334,422 @@
             <a:fld id="{9495167A-B27E-CE48-A558-329CEE8B2C32}" type="slidenum">
               <a:rPr lang="en-US" smtClean="0"/>
               <a:t>12</a:t>
+            </a:fld>
+            <a:endParaRPr lang="en-US"/>
+          </a:p>
+        </p:txBody>
+      </p:sp>
+    </p:spTree>
+    <p:extLst>
+      <p:ext uri="{BB962C8B-B14F-4D97-AF65-F5344CB8AC3E}">
+        <p14:creationId xmlns:p14="http://schemas.microsoft.com/office/powerpoint/2010/main" val="1205875406"/>
+      </p:ext>
+    </p:extLst>
+  </p:cSld>
+  <p:clrMapOvr>
+    <a:masterClrMapping/>
+  </p:clrMapOvr>
+</p:notes>
+</file>
+
+<file path=ppt/notesSlides/notesSlide60.xml><?xml version="1.0" encoding="utf-8"?>
+<p:notes xmlns:a="http://schemas.openxmlformats.org/drawingml/2006/main" xmlns:r="http://schemas.openxmlformats.org/officeDocument/2006/relationships" xmlns:p="http://schemas.openxmlformats.org/presentationml/2006/main">
+  <p:cSld>
+    <p:spTree>
+      <p:nvGrpSpPr>
+        <p:cNvPr id="1" name=""/>
+        <p:cNvGrpSpPr/>
+        <p:nvPr/>
+      </p:nvGrpSpPr>
+      <p:grpSpPr>
+        <a:xfrm>
+          <a:off x="0" y="0"/>
+          <a:ext cx="0" cy="0"/>
+          <a:chOff x="0" y="0"/>
+          <a:chExt cx="0" cy="0"/>
+        </a:xfrm>
+      </p:grpSpPr>
+      <p:sp>
+        <p:nvSpPr>
+          <p:cNvPr id="2" name="Slide Image Placeholder 1"/>
+          <p:cNvSpPr>
+            <a:spLocks noGrp="1" noRot="1" noChangeAspect="1"/>
+          </p:cNvSpPr>
+          <p:nvPr>
+            <p:ph type="sldImg"/>
+          </p:nvPr>
+        </p:nvSpPr>
+        <p:spPr/>
+      </p:sp>
+      <p:sp>
+        <p:nvSpPr>
+          <p:cNvPr id="3" name="Notes Placeholder 2"/>
+          <p:cNvSpPr>
+            <a:spLocks noGrp="1"/>
+          </p:cNvSpPr>
+          <p:nvPr>
+            <p:ph type="body" idx="1"/>
+          </p:nvPr>
+        </p:nvSpPr>
+        <p:spPr/>
+        <p:txBody>
+          <a:bodyPr/>
+          <a:lstStyle/>
+          <a:p>
+            <a:pPr marL="0" marR="0" indent="0" algn="l" defTabSz="457200" rtl="0" eaLnBrk="1" fontAlgn="auto" latinLnBrk="0" hangingPunct="1">
+              <a:lnSpc>
+                <a:spcPct val="100000"/>
+              </a:lnSpc>
+              <a:spcBef>
+                <a:spcPts val="0"/>
+              </a:spcBef>
+              <a:spcAft>
+                <a:spcPts val="0"/>
+              </a:spcAft>
+              <a:buClrTx/>
+              <a:buSzTx/>
+              <a:buFontTx/>
+              <a:buNone/>
+              <a:tabLst/>
+              <a:defRPr/>
+            </a:pPr>
+            <a:r>
+              <a:rPr lang="en-US" sz="1200" smtClean="0"/>
+              <a:t>RAII to make sure thread is correctly joined</a:t>
+            </a:r>
+          </a:p>
+        </p:txBody>
+      </p:sp>
+      <p:sp>
+        <p:nvSpPr>
+          <p:cNvPr id="4" name="Slide Number Placeholder 3"/>
+          <p:cNvSpPr>
+            <a:spLocks noGrp="1"/>
+          </p:cNvSpPr>
+          <p:nvPr>
+            <p:ph type="sldNum" sz="quarter" idx="10"/>
+          </p:nvPr>
+        </p:nvSpPr>
+        <p:spPr/>
+        <p:txBody>
+          <a:bodyPr/>
+          <a:lstStyle/>
+          <a:p>
+            <a:fld id="{9495167A-B27E-CE48-A558-329CEE8B2C32}" type="slidenum">
+              <a:rPr lang="en-US" smtClean="0"/>
+              <a:t>66</a:t>
+            </a:fld>
+            <a:endParaRPr lang="en-US"/>
+          </a:p>
+        </p:txBody>
+      </p:sp>
+    </p:spTree>
+    <p:extLst>
+      <p:ext uri="{BB962C8B-B14F-4D97-AF65-F5344CB8AC3E}">
+        <p14:creationId xmlns:p14="http://schemas.microsoft.com/office/powerpoint/2010/main" val="1205875406"/>
+      </p:ext>
+    </p:extLst>
+  </p:cSld>
+  <p:clrMapOvr>
+    <a:masterClrMapping/>
+  </p:clrMapOvr>
+</p:notes>
+</file>
+
+<file path=ppt/notesSlides/notesSlide61.xml><?xml version="1.0" encoding="utf-8"?>
+<p:notes xmlns:a="http://schemas.openxmlformats.org/drawingml/2006/main" xmlns:r="http://schemas.openxmlformats.org/officeDocument/2006/relationships" xmlns:p="http://schemas.openxmlformats.org/presentationml/2006/main">
+  <p:cSld>
+    <p:spTree>
+      <p:nvGrpSpPr>
+        <p:cNvPr id="1" name=""/>
+        <p:cNvGrpSpPr/>
+        <p:nvPr/>
+      </p:nvGrpSpPr>
+      <p:grpSpPr>
+        <a:xfrm>
+          <a:off x="0" y="0"/>
+          <a:ext cx="0" cy="0"/>
+          <a:chOff x="0" y="0"/>
+          <a:chExt cx="0" cy="0"/>
+        </a:xfrm>
+      </p:grpSpPr>
+      <p:sp>
+        <p:nvSpPr>
+          <p:cNvPr id="2" name="Slide Image Placeholder 1"/>
+          <p:cNvSpPr>
+            <a:spLocks noGrp="1" noRot="1" noChangeAspect="1"/>
+          </p:cNvSpPr>
+          <p:nvPr>
+            <p:ph type="sldImg"/>
+          </p:nvPr>
+        </p:nvSpPr>
+        <p:spPr/>
+      </p:sp>
+      <p:sp>
+        <p:nvSpPr>
+          <p:cNvPr id="3" name="Notes Placeholder 2"/>
+          <p:cNvSpPr>
+            <a:spLocks noGrp="1"/>
+          </p:cNvSpPr>
+          <p:nvPr>
+            <p:ph type="body" idx="1"/>
+          </p:nvPr>
+        </p:nvSpPr>
+        <p:spPr/>
+        <p:txBody>
+          <a:bodyPr/>
+          <a:lstStyle/>
+          <a:p>
+            <a:pPr marL="0" marR="0" indent="0" algn="l" defTabSz="457200" rtl="0" eaLnBrk="1" fontAlgn="auto" latinLnBrk="0" hangingPunct="1">
+              <a:lnSpc>
+                <a:spcPct val="100000"/>
+              </a:lnSpc>
+              <a:spcBef>
+                <a:spcPts val="0"/>
+              </a:spcBef>
+              <a:spcAft>
+                <a:spcPts val="0"/>
+              </a:spcAft>
+              <a:buClrTx/>
+              <a:buSzTx/>
+              <a:buFontTx/>
+              <a:buNone/>
+              <a:tabLst/>
+              <a:defRPr/>
+            </a:pPr>
+            <a:r>
+              <a:rPr lang="en-US" sz="1200" smtClean="0"/>
+              <a:t>RAII to make sure thread is correctly joined</a:t>
+            </a:r>
+          </a:p>
+        </p:txBody>
+      </p:sp>
+      <p:sp>
+        <p:nvSpPr>
+          <p:cNvPr id="4" name="Slide Number Placeholder 3"/>
+          <p:cNvSpPr>
+            <a:spLocks noGrp="1"/>
+          </p:cNvSpPr>
+          <p:nvPr>
+            <p:ph type="sldNum" sz="quarter" idx="10"/>
+          </p:nvPr>
+        </p:nvSpPr>
+        <p:spPr/>
+        <p:txBody>
+          <a:bodyPr/>
+          <a:lstStyle/>
+          <a:p>
+            <a:fld id="{9495167A-B27E-CE48-A558-329CEE8B2C32}" type="slidenum">
+              <a:rPr lang="en-US" smtClean="0"/>
+              <a:t>67</a:t>
+            </a:fld>
+            <a:endParaRPr lang="en-US"/>
+          </a:p>
+        </p:txBody>
+      </p:sp>
+    </p:spTree>
+    <p:extLst>
+      <p:ext uri="{BB962C8B-B14F-4D97-AF65-F5344CB8AC3E}">
+        <p14:creationId xmlns:p14="http://schemas.microsoft.com/office/powerpoint/2010/main" val="1205875406"/>
+      </p:ext>
+    </p:extLst>
+  </p:cSld>
+  <p:clrMapOvr>
+    <a:masterClrMapping/>
+  </p:clrMapOvr>
+</p:notes>
+</file>
+
+<file path=ppt/notesSlides/notesSlide62.xml><?xml version="1.0" encoding="utf-8"?>
+<p:notes xmlns:a="http://schemas.openxmlformats.org/drawingml/2006/main" xmlns:r="http://schemas.openxmlformats.org/officeDocument/2006/relationships" xmlns:p="http://schemas.openxmlformats.org/presentationml/2006/main">
+  <p:cSld>
+    <p:spTree>
+      <p:nvGrpSpPr>
+        <p:cNvPr id="1" name=""/>
+        <p:cNvGrpSpPr/>
+        <p:nvPr/>
+      </p:nvGrpSpPr>
+      <p:grpSpPr>
+        <a:xfrm>
+          <a:off x="0" y="0"/>
+          <a:ext cx="0" cy="0"/>
+          <a:chOff x="0" y="0"/>
+          <a:chExt cx="0" cy="0"/>
+        </a:xfrm>
+      </p:grpSpPr>
+      <p:sp>
+        <p:nvSpPr>
+          <p:cNvPr id="2" name="Slide Image Placeholder 1"/>
+          <p:cNvSpPr>
+            <a:spLocks noGrp="1" noRot="1" noChangeAspect="1"/>
+          </p:cNvSpPr>
+          <p:nvPr>
+            <p:ph type="sldImg"/>
+          </p:nvPr>
+        </p:nvSpPr>
+        <p:spPr/>
+      </p:sp>
+      <p:sp>
+        <p:nvSpPr>
+          <p:cNvPr id="3" name="Notes Placeholder 2"/>
+          <p:cNvSpPr>
+            <a:spLocks noGrp="1"/>
+          </p:cNvSpPr>
+          <p:nvPr>
+            <p:ph type="body" idx="1"/>
+          </p:nvPr>
+        </p:nvSpPr>
+        <p:spPr/>
+        <p:txBody>
+          <a:bodyPr/>
+          <a:lstStyle/>
+          <a:p>
+            <a:pPr marL="0" marR="0" indent="0" algn="l" defTabSz="457200" rtl="0" eaLnBrk="1" fontAlgn="auto" latinLnBrk="0" hangingPunct="1">
+              <a:lnSpc>
+                <a:spcPct val="100000"/>
+              </a:lnSpc>
+              <a:spcBef>
+                <a:spcPts val="0"/>
+              </a:spcBef>
+              <a:spcAft>
+                <a:spcPts val="0"/>
+              </a:spcAft>
+              <a:buClrTx/>
+              <a:buSzTx/>
+              <a:buFontTx/>
+              <a:buNone/>
+              <a:tabLst/>
+              <a:defRPr/>
+            </a:pPr>
+            <a:r>
+              <a:rPr lang="en-US" sz="1200" smtClean="0"/>
+              <a:t>RAII to make sure thread is correctly joined</a:t>
+            </a:r>
+          </a:p>
+        </p:txBody>
+      </p:sp>
+      <p:sp>
+        <p:nvSpPr>
+          <p:cNvPr id="4" name="Slide Number Placeholder 3"/>
+          <p:cNvSpPr>
+            <a:spLocks noGrp="1"/>
+          </p:cNvSpPr>
+          <p:nvPr>
+            <p:ph type="sldNum" sz="quarter" idx="10"/>
+          </p:nvPr>
+        </p:nvSpPr>
+        <p:spPr/>
+        <p:txBody>
+          <a:bodyPr/>
+          <a:lstStyle/>
+          <a:p>
+            <a:fld id="{9495167A-B27E-CE48-A558-329CEE8B2C32}" type="slidenum">
+              <a:rPr lang="en-US" smtClean="0"/>
+              <a:t>68</a:t>
+            </a:fld>
+            <a:endParaRPr lang="en-US"/>
+          </a:p>
+        </p:txBody>
+      </p:sp>
+    </p:spTree>
+    <p:extLst>
+      <p:ext uri="{BB962C8B-B14F-4D97-AF65-F5344CB8AC3E}">
+        <p14:creationId xmlns:p14="http://schemas.microsoft.com/office/powerpoint/2010/main" val="1205875406"/>
+      </p:ext>
+    </p:extLst>
+  </p:cSld>
+  <p:clrMapOvr>
+    <a:masterClrMapping/>
+  </p:clrMapOvr>
+</p:notes>
+</file>
+
+<file path=ppt/notesSlides/notesSlide63.xml><?xml version="1.0" encoding="utf-8"?>
+<p:notes xmlns:a="http://schemas.openxmlformats.org/drawingml/2006/main" xmlns:r="http://schemas.openxmlformats.org/officeDocument/2006/relationships" xmlns:p="http://schemas.openxmlformats.org/presentationml/2006/main">
+  <p:cSld>
+    <p:spTree>
+      <p:nvGrpSpPr>
+        <p:cNvPr id="1" name=""/>
+        <p:cNvGrpSpPr/>
+        <p:nvPr/>
+      </p:nvGrpSpPr>
+      <p:grpSpPr>
+        <a:xfrm>
+          <a:off x="0" y="0"/>
+          <a:ext cx="0" cy="0"/>
+          <a:chOff x="0" y="0"/>
+          <a:chExt cx="0" cy="0"/>
+        </a:xfrm>
+      </p:grpSpPr>
+      <p:sp>
+        <p:nvSpPr>
+          <p:cNvPr id="2" name="Slide Image Placeholder 1"/>
+          <p:cNvSpPr>
+            <a:spLocks noGrp="1" noRot="1" noChangeAspect="1"/>
+          </p:cNvSpPr>
+          <p:nvPr>
+            <p:ph type="sldImg"/>
+          </p:nvPr>
+        </p:nvSpPr>
+        <p:spPr/>
+      </p:sp>
+      <p:sp>
+        <p:nvSpPr>
+          <p:cNvPr id="3" name="Notes Placeholder 2"/>
+          <p:cNvSpPr>
+            <a:spLocks noGrp="1"/>
+          </p:cNvSpPr>
+          <p:nvPr>
+            <p:ph type="body" idx="1"/>
+          </p:nvPr>
+        </p:nvSpPr>
+        <p:spPr/>
+        <p:txBody>
+          <a:bodyPr/>
+          <a:lstStyle/>
+          <a:p>
+            <a:pPr marL="0" marR="0" indent="0" algn="l" defTabSz="457200" rtl="0" eaLnBrk="1" fontAlgn="auto" latinLnBrk="0" hangingPunct="1">
+              <a:lnSpc>
+                <a:spcPct val="100000"/>
+              </a:lnSpc>
+              <a:spcBef>
+                <a:spcPts val="0"/>
+              </a:spcBef>
+              <a:spcAft>
+                <a:spcPts val="0"/>
+              </a:spcAft>
+              <a:buClrTx/>
+              <a:buSzTx/>
+              <a:buFontTx/>
+              <a:buNone/>
+              <a:tabLst/>
+              <a:defRPr/>
+            </a:pPr>
+            <a:r>
+              <a:rPr lang="en-US" sz="1200" smtClean="0"/>
+              <a:t>RAII to make sure thread is correctly joined</a:t>
+            </a:r>
+          </a:p>
+        </p:txBody>
+      </p:sp>
+      <p:sp>
+        <p:nvSpPr>
+          <p:cNvPr id="4" name="Slide Number Placeholder 3"/>
+          <p:cNvSpPr>
+            <a:spLocks noGrp="1"/>
+          </p:cNvSpPr>
+          <p:nvPr>
+            <p:ph type="sldNum" sz="quarter" idx="10"/>
+          </p:nvPr>
+        </p:nvSpPr>
+        <p:spPr/>
+        <p:txBody>
+          <a:bodyPr/>
+          <a:lstStyle/>
+          <a:p>
+            <a:fld id="{9495167A-B27E-CE48-A558-329CEE8B2C32}" type="slidenum">
+              <a:rPr lang="en-US" smtClean="0"/>
+              <a:t>69</a:t>
             </a:fld>
             <a:endParaRPr lang="en-US"/>
           </a:p>
@@ -5161,7 +7261,7 @@
           <a:p>
             <a:fld id="{CD40E427-E307-4240-99DF-02E06699E422}" type="datetimeFigureOut">
               <a:rPr lang="en-US" smtClean="0"/>
-              <a:t>2/19/14</a:t>
+              <a:t>3/15/14</a:t>
             </a:fld>
             <a:endParaRPr lang="en-US"/>
           </a:p>
@@ -5331,7 +7431,7 @@
           <a:p>
             <a:fld id="{CD40E427-E307-4240-99DF-02E06699E422}" type="datetimeFigureOut">
               <a:rPr lang="en-US" smtClean="0"/>
-              <a:t>2/19/14</a:t>
+              <a:t>3/15/14</a:t>
             </a:fld>
             <a:endParaRPr lang="en-US"/>
           </a:p>
@@ -5511,7 +7611,7 @@
           <a:p>
             <a:fld id="{CD40E427-E307-4240-99DF-02E06699E422}" type="datetimeFigureOut">
               <a:rPr lang="en-US" smtClean="0"/>
-              <a:t>2/19/14</a:t>
+              <a:t>3/15/14</a:t>
             </a:fld>
             <a:endParaRPr lang="en-US"/>
           </a:p>
@@ -5681,7 +7781,7 @@
           <a:p>
             <a:fld id="{CD40E427-E307-4240-99DF-02E06699E422}" type="datetimeFigureOut">
               <a:rPr lang="en-US" smtClean="0"/>
-              <a:t>2/19/14</a:t>
+              <a:t>3/15/14</a:t>
             </a:fld>
             <a:endParaRPr lang="en-US"/>
           </a:p>
@@ -5927,7 +8027,7 @@
           <a:p>
             <a:fld id="{CD40E427-E307-4240-99DF-02E06699E422}" type="datetimeFigureOut">
               <a:rPr lang="en-US" smtClean="0"/>
-              <a:t>2/19/14</a:t>
+              <a:t>3/15/14</a:t>
             </a:fld>
             <a:endParaRPr lang="en-US"/>
           </a:p>
@@ -6215,7 +8315,7 @@
           <a:p>
             <a:fld id="{CD40E427-E307-4240-99DF-02E06699E422}" type="datetimeFigureOut">
               <a:rPr lang="en-US" smtClean="0"/>
-              <a:t>2/19/14</a:t>
+              <a:t>3/15/14</a:t>
             </a:fld>
             <a:endParaRPr lang="en-US"/>
           </a:p>
@@ -6637,7 +8737,7 @@
           <a:p>
             <a:fld id="{CD40E427-E307-4240-99DF-02E06699E422}" type="datetimeFigureOut">
               <a:rPr lang="en-US" smtClean="0"/>
-              <a:t>2/19/14</a:t>
+              <a:t>3/15/14</a:t>
             </a:fld>
             <a:endParaRPr lang="en-US"/>
           </a:p>
@@ -6755,7 +8855,7 @@
           <a:p>
             <a:fld id="{CD40E427-E307-4240-99DF-02E06699E422}" type="datetimeFigureOut">
               <a:rPr lang="en-US" smtClean="0"/>
-              <a:t>2/19/14</a:t>
+              <a:t>3/15/14</a:t>
             </a:fld>
             <a:endParaRPr lang="en-US"/>
           </a:p>
@@ -6850,7 +8950,7 @@
           <a:p>
             <a:fld id="{CD40E427-E307-4240-99DF-02E06699E422}" type="datetimeFigureOut">
               <a:rPr lang="en-US" smtClean="0"/>
-              <a:t>2/19/14</a:t>
+              <a:t>3/15/14</a:t>
             </a:fld>
             <a:endParaRPr lang="en-US"/>
           </a:p>
@@ -7127,7 +9227,7 @@
           <a:p>
             <a:fld id="{CD40E427-E307-4240-99DF-02E06699E422}" type="datetimeFigureOut">
               <a:rPr lang="en-US" smtClean="0"/>
-              <a:t>2/19/14</a:t>
+              <a:t>3/15/14</a:t>
             </a:fld>
             <a:endParaRPr lang="en-US"/>
           </a:p>
@@ -7380,7 +9480,7 @@
           <a:p>
             <a:fld id="{CD40E427-E307-4240-99DF-02E06699E422}" type="datetimeFigureOut">
               <a:rPr lang="en-US" smtClean="0"/>
-              <a:t>2/19/14</a:t>
+              <a:t>3/15/14</a:t>
             </a:fld>
             <a:endParaRPr lang="en-US"/>
           </a:p>
@@ -7593,7 +9693,7 @@
           <a:p>
             <a:fld id="{CD40E427-E307-4240-99DF-02E06699E422}" type="datetimeFigureOut">
               <a:rPr lang="en-US" smtClean="0"/>
-              <a:t>2/19/14</a:t>
+              <a:t>3/15/14</a:t>
             </a:fld>
             <a:endParaRPr lang="en-US"/>
           </a:p>
@@ -16600,7 +18700,6 @@
               <a:rPr lang="en-US" sz="1800" dirty="0"/>
               <a:t>They must be used in combination with atomic operations that feature stronger ordering semantics in order to be useful for inter-thread synchronization. </a:t>
             </a:r>
-            <a:endParaRPr lang="en-US" sz="1800" dirty="0"/>
           </a:p>
         </p:txBody>
       </p:sp>
@@ -16909,7 +19008,6 @@
               <a:rPr lang="en-US" sz="1800" dirty="0"/>
               <a:t>are still relaxed but are bound by the additional synchronizes-with and consequent happens-before relationships introduced through the use of acquire-release semantics. </a:t>
             </a:r>
-            <a:endParaRPr lang="en-US" sz="1800" dirty="0"/>
           </a:p>
           <a:p>
             <a:pPr lvl="1"/>
@@ -16921,7 +19019,6 @@
               <a:rPr lang="en-US" sz="1800" dirty="0"/>
               <a:t>and release operations have to be on the same variable to ensure an ordering </a:t>
             </a:r>
-            <a:endParaRPr lang="en-US" sz="1800" dirty="0"/>
           </a:p>
           <a:p>
             <a:pPr lvl="1"/>
@@ -17175,7 +19272,6 @@
               <a:rPr lang="en-US" sz="2000" dirty="0"/>
               <a:t>() to explicitly break the dependency chain </a:t>
             </a:r>
-            <a:endParaRPr lang="en-US" sz="2000" dirty="0"/>
           </a:p>
           <a:p>
             <a:pPr marL="514350" lvl="1" indent="0">
@@ -17345,7 +19441,6 @@
               <a:rPr lang="en-US" sz="1800" dirty="0"/>
               <a:t> they get their name because they put a line in the code that certain operations can’t cross </a:t>
             </a:r>
-            <a:endParaRPr lang="en-US" sz="1800" dirty="0"/>
           </a:p>
           <a:p>
             <a:pPr lvl="1"/>
@@ -17357,7 +19452,6 @@
               <a:rPr lang="en-US" sz="1800" dirty="0"/>
               <a:t>are global operations and affect the ordering of other atomic operations in the thread that executed the fence </a:t>
             </a:r>
-            <a:endParaRPr lang="en-US" sz="1800" dirty="0"/>
           </a:p>
           <a:p>
             <a:pPr lvl="1"/>
@@ -17373,7 +19467,6 @@
               <a:rPr lang="en-US" sz="1800" dirty="0"/>
               <a:t>operations on separate variables can usually be freely reordered by the compiler or the hardware. Fences restrict this freedom and introduce happens-before and synchronizes-with relationships that weren’t present before. </a:t>
             </a:r>
-            <a:endParaRPr lang="en-US" sz="1800" dirty="0"/>
           </a:p>
           <a:p>
             <a:pPr lvl="1"/>
@@ -17576,7 +19669,6 @@
               <a:rPr lang="en-US" sz="1800" dirty="0"/>
               <a:t> operation also happens-before that operation in the other thread. </a:t>
             </a:r>
-            <a:endParaRPr lang="en-US" sz="1800" dirty="0"/>
           </a:p>
           <a:p>
             <a:pPr lvl="1"/>
@@ -17730,6 +19822,1765 @@
 </p:sld>
 </file>
 
+<file path=ppt/slides/slide50.xml><?xml version="1.0" encoding="utf-8"?>
+<p:sld xmlns:a="http://schemas.openxmlformats.org/drawingml/2006/main" xmlns:r="http://schemas.openxmlformats.org/officeDocument/2006/relationships" xmlns:p="http://schemas.openxmlformats.org/presentationml/2006/main">
+  <p:cSld>
+    <p:spTree>
+      <p:nvGrpSpPr>
+        <p:cNvPr id="1" name=""/>
+        <p:cNvGrpSpPr/>
+        <p:nvPr/>
+      </p:nvGrpSpPr>
+      <p:grpSpPr>
+        <a:xfrm>
+          <a:off x="0" y="0"/>
+          <a:ext cx="0" cy="0"/>
+          <a:chOff x="0" y="0"/>
+          <a:chExt cx="0" cy="0"/>
+        </a:xfrm>
+      </p:grpSpPr>
+      <p:sp>
+        <p:nvSpPr>
+          <p:cNvPr id="2" name="Title 1"/>
+          <p:cNvSpPr>
+            <a:spLocks noGrp="1"/>
+          </p:cNvSpPr>
+          <p:nvPr>
+            <p:ph type="title"/>
+          </p:nvPr>
+        </p:nvSpPr>
+        <p:spPr/>
+        <p:txBody>
+          <a:bodyPr>
+            <a:normAutofit/>
+          </a:bodyPr>
+          <a:lstStyle/>
+          <a:p>
+            <a:r>
+              <a:rPr lang="en-US" dirty="0" smtClean="0"/>
+              <a:t>Lock-based data structure</a:t>
+            </a:r>
+            <a:endParaRPr lang="en-US" dirty="0"/>
+          </a:p>
+        </p:txBody>
+      </p:sp>
+      <p:sp>
+        <p:nvSpPr>
+          <p:cNvPr id="3" name="Content Placeholder 2"/>
+          <p:cNvSpPr>
+            <a:spLocks noGrp="1"/>
+          </p:cNvSpPr>
+          <p:nvPr>
+            <p:ph idx="1"/>
+          </p:nvPr>
+        </p:nvSpPr>
+        <p:spPr/>
+        <p:txBody>
+          <a:bodyPr>
+            <a:normAutofit/>
+          </a:bodyPr>
+          <a:lstStyle/>
+          <a:p>
+            <a:r>
+              <a:rPr lang="en-US" sz="2400" dirty="0" smtClean="0"/>
+              <a:t>Guidelines</a:t>
+            </a:r>
+          </a:p>
+          <a:p>
+            <a:pPr lvl="1"/>
+            <a:r>
+              <a:rPr lang="en-US" sz="1800" dirty="0" smtClean="0"/>
+              <a:t>Ensure objects are not accessed before </a:t>
+            </a:r>
+            <a:r>
+              <a:rPr lang="en-US" sz="1800" dirty="0" err="1" smtClean="0"/>
+              <a:t>ctor</a:t>
+            </a:r>
+            <a:r>
+              <a:rPr lang="en-US" sz="1800" dirty="0" smtClean="0"/>
+              <a:t> are completely done or after </a:t>
+            </a:r>
+            <a:r>
+              <a:rPr lang="en-US" sz="1800" dirty="0" err="1" smtClean="0"/>
+              <a:t>dtor</a:t>
+            </a:r>
+            <a:r>
+              <a:rPr lang="en-US" sz="1800" dirty="0" smtClean="0"/>
+              <a:t> has started</a:t>
+            </a:r>
+          </a:p>
+          <a:p>
+            <a:pPr lvl="1"/>
+            <a:r>
+              <a:rPr lang="en-US" sz="1800" dirty="0" smtClean="0"/>
+              <a:t>If data structure supports assignment, swap(), or copy construction, need decide whether these operations are safe to call concurrently with other operations or whether they </a:t>
+            </a:r>
+            <a:r>
+              <a:rPr lang="en-US" sz="1800" dirty="0"/>
+              <a:t>require the user to ensure exclusive access even though the majority of functions for manipulating the data structure may be called from multiple threads concurrently without </a:t>
+            </a:r>
+            <a:r>
+              <a:rPr lang="en-US" sz="1800" dirty="0" smtClean="0"/>
+              <a:t>problem</a:t>
+            </a:r>
+          </a:p>
+          <a:p>
+            <a:pPr lvl="1"/>
+            <a:r>
+              <a:rPr lang="en-US" sz="1800" dirty="0" smtClean="0"/>
+              <a:t>Pay attention to </a:t>
+            </a:r>
+            <a:r>
+              <a:rPr lang="en-US" sz="1800" smtClean="0"/>
+              <a:t>exception safety </a:t>
+            </a:r>
+            <a:r>
+              <a:rPr lang="en-US" sz="1800" dirty="0" smtClean="0"/>
+              <a:t>(RAII)</a:t>
+            </a:r>
+          </a:p>
+          <a:p>
+            <a:pPr lvl="1"/>
+            <a:endParaRPr lang="en-US" sz="1800" dirty="0"/>
+          </a:p>
+          <a:p>
+            <a:pPr lvl="1"/>
+            <a:endParaRPr lang="en-US" sz="1800" dirty="0" smtClean="0"/>
+          </a:p>
+          <a:p>
+            <a:pPr lvl="1"/>
+            <a:endParaRPr lang="en-US" sz="1800" dirty="0" smtClean="0"/>
+          </a:p>
+          <a:p>
+            <a:pPr lvl="1"/>
+            <a:endParaRPr lang="en-US" sz="1800" dirty="0"/>
+          </a:p>
+          <a:p>
+            <a:pPr lvl="1"/>
+            <a:endParaRPr lang="en-US" sz="1600" dirty="0" smtClean="0"/>
+          </a:p>
+          <a:p>
+            <a:pPr lvl="1"/>
+            <a:endParaRPr lang="en-US" sz="1600" dirty="0"/>
+          </a:p>
+          <a:p>
+            <a:pPr lvl="1"/>
+            <a:endParaRPr lang="en-US" sz="1800" dirty="0"/>
+          </a:p>
+          <a:p>
+            <a:pPr lvl="1"/>
+            <a:endParaRPr lang="en-US" sz="1800" dirty="0"/>
+          </a:p>
+        </p:txBody>
+      </p:sp>
+    </p:spTree>
+    <p:extLst>
+      <p:ext uri="{BB962C8B-B14F-4D97-AF65-F5344CB8AC3E}">
+        <p14:creationId xmlns:p14="http://schemas.microsoft.com/office/powerpoint/2010/main" val="640200328"/>
+      </p:ext>
+    </p:extLst>
+  </p:cSld>
+  <p:clrMapOvr>
+    <a:masterClrMapping/>
+  </p:clrMapOvr>
+</p:sld>
+</file>
+
+<file path=ppt/slides/slide51.xml><?xml version="1.0" encoding="utf-8"?>
+<p:sld xmlns:a="http://schemas.openxmlformats.org/drawingml/2006/main" xmlns:r="http://schemas.openxmlformats.org/officeDocument/2006/relationships" xmlns:p="http://schemas.openxmlformats.org/presentationml/2006/main">
+  <p:cSld>
+    <p:spTree>
+      <p:nvGrpSpPr>
+        <p:cNvPr id="1" name=""/>
+        <p:cNvGrpSpPr/>
+        <p:nvPr/>
+      </p:nvGrpSpPr>
+      <p:grpSpPr>
+        <a:xfrm>
+          <a:off x="0" y="0"/>
+          <a:ext cx="0" cy="0"/>
+          <a:chOff x="0" y="0"/>
+          <a:chExt cx="0" cy="0"/>
+        </a:xfrm>
+      </p:grpSpPr>
+      <p:sp>
+        <p:nvSpPr>
+          <p:cNvPr id="2" name="Title 1"/>
+          <p:cNvSpPr>
+            <a:spLocks noGrp="1"/>
+          </p:cNvSpPr>
+          <p:nvPr>
+            <p:ph type="title"/>
+          </p:nvPr>
+        </p:nvSpPr>
+        <p:spPr/>
+        <p:txBody>
+          <a:bodyPr>
+            <a:normAutofit/>
+          </a:bodyPr>
+          <a:lstStyle/>
+          <a:p>
+            <a:r>
+              <a:rPr lang="en-US" dirty="0" smtClean="0"/>
+              <a:t>Lock-based data structure</a:t>
+            </a:r>
+            <a:endParaRPr lang="en-US" dirty="0"/>
+          </a:p>
+        </p:txBody>
+      </p:sp>
+      <p:sp>
+        <p:nvSpPr>
+          <p:cNvPr id="3" name="Content Placeholder 2"/>
+          <p:cNvSpPr>
+            <a:spLocks noGrp="1"/>
+          </p:cNvSpPr>
+          <p:nvPr>
+            <p:ph idx="1"/>
+          </p:nvPr>
+        </p:nvSpPr>
+        <p:spPr/>
+        <p:txBody>
+          <a:bodyPr>
+            <a:normAutofit/>
+          </a:bodyPr>
+          <a:lstStyle/>
+          <a:p>
+            <a:r>
+              <a:rPr lang="en-US" sz="2400" dirty="0" smtClean="0"/>
+              <a:t>Questions</a:t>
+            </a:r>
+          </a:p>
+          <a:p>
+            <a:pPr lvl="1"/>
+            <a:r>
+              <a:rPr lang="en-US" sz="1800" dirty="0"/>
+              <a:t>Can the scope of locks be restricted to allow some parts of an operation to be performed outside the lock? </a:t>
+            </a:r>
+          </a:p>
+          <a:p>
+            <a:pPr lvl="1"/>
+            <a:r>
+              <a:rPr lang="en-US" sz="1800" dirty="0"/>
+              <a:t>Can different parts of the data structure be protected with different </a:t>
+            </a:r>
+            <a:r>
+              <a:rPr lang="en-US" sz="1800" dirty="0" err="1"/>
+              <a:t>mutexes</a:t>
+            </a:r>
+            <a:r>
+              <a:rPr lang="en-US" sz="1800" dirty="0"/>
+              <a:t>? </a:t>
+            </a:r>
+          </a:p>
+          <a:p>
+            <a:pPr lvl="1"/>
+            <a:r>
+              <a:rPr lang="en-US" sz="1800" dirty="0"/>
+              <a:t>Do all operations require the same level of protection? </a:t>
+            </a:r>
+            <a:endParaRPr lang="en-US" sz="1800" dirty="0" smtClean="0"/>
+          </a:p>
+          <a:p>
+            <a:pPr lvl="1"/>
+            <a:r>
+              <a:rPr lang="en-US" sz="1800" dirty="0" smtClean="0"/>
+              <a:t>Can </a:t>
+            </a:r>
+            <a:r>
+              <a:rPr lang="en-US" sz="1800" dirty="0"/>
+              <a:t>a simple change to the data structure improve the opportunities for </a:t>
+            </a:r>
+            <a:r>
+              <a:rPr lang="en-US" sz="1800" dirty="0" smtClean="0"/>
+              <a:t>concurrency </a:t>
+            </a:r>
+            <a:r>
+              <a:rPr lang="en-US" sz="1800" dirty="0"/>
+              <a:t>without affecting the operational semantics? </a:t>
+            </a:r>
+            <a:endParaRPr lang="en-US" sz="1800" dirty="0" smtClean="0"/>
+          </a:p>
+          <a:p>
+            <a:r>
+              <a:rPr lang="en-US" sz="2400" dirty="0" smtClean="0"/>
+              <a:t>The target</a:t>
+            </a:r>
+          </a:p>
+          <a:p>
+            <a:pPr lvl="1"/>
+            <a:r>
+              <a:rPr lang="en-US" sz="1800" dirty="0" smtClean="0"/>
+              <a:t>Minimize the locking scope (lock granularity)</a:t>
+            </a:r>
+          </a:p>
+          <a:p>
+            <a:pPr lvl="1"/>
+            <a:endParaRPr lang="en-US" sz="1800" dirty="0"/>
+          </a:p>
+          <a:p>
+            <a:pPr lvl="1"/>
+            <a:endParaRPr lang="en-US" sz="1600" dirty="0" smtClean="0"/>
+          </a:p>
+          <a:p>
+            <a:pPr lvl="1"/>
+            <a:endParaRPr lang="en-US" sz="1600" dirty="0"/>
+          </a:p>
+          <a:p>
+            <a:pPr lvl="1"/>
+            <a:endParaRPr lang="en-US" sz="1800" dirty="0"/>
+          </a:p>
+          <a:p>
+            <a:pPr lvl="1"/>
+            <a:endParaRPr lang="en-US" sz="1800" dirty="0"/>
+          </a:p>
+        </p:txBody>
+      </p:sp>
+    </p:spTree>
+    <p:extLst>
+      <p:ext uri="{BB962C8B-B14F-4D97-AF65-F5344CB8AC3E}">
+        <p14:creationId xmlns:p14="http://schemas.microsoft.com/office/powerpoint/2010/main" val="1210397476"/>
+      </p:ext>
+    </p:extLst>
+  </p:cSld>
+  <p:clrMapOvr>
+    <a:masterClrMapping/>
+  </p:clrMapOvr>
+</p:sld>
+</file>
+
+<file path=ppt/slides/slide52.xml><?xml version="1.0" encoding="utf-8"?>
+<p:sld xmlns:a="http://schemas.openxmlformats.org/drawingml/2006/main" xmlns:r="http://schemas.openxmlformats.org/officeDocument/2006/relationships" xmlns:p="http://schemas.openxmlformats.org/presentationml/2006/main">
+  <p:cSld>
+    <p:spTree>
+      <p:nvGrpSpPr>
+        <p:cNvPr id="1" name=""/>
+        <p:cNvGrpSpPr/>
+        <p:nvPr/>
+      </p:nvGrpSpPr>
+      <p:grpSpPr>
+        <a:xfrm>
+          <a:off x="0" y="0"/>
+          <a:ext cx="0" cy="0"/>
+          <a:chOff x="0" y="0"/>
+          <a:chExt cx="0" cy="0"/>
+        </a:xfrm>
+      </p:grpSpPr>
+      <p:sp>
+        <p:nvSpPr>
+          <p:cNvPr id="2" name="Title 1"/>
+          <p:cNvSpPr>
+            <a:spLocks noGrp="1"/>
+          </p:cNvSpPr>
+          <p:nvPr>
+            <p:ph type="title"/>
+          </p:nvPr>
+        </p:nvSpPr>
+        <p:spPr/>
+        <p:txBody>
+          <a:bodyPr>
+            <a:normAutofit/>
+          </a:bodyPr>
+          <a:lstStyle/>
+          <a:p>
+            <a:r>
+              <a:rPr lang="en-US" dirty="0" smtClean="0"/>
+              <a:t>Lock-free data structure</a:t>
+            </a:r>
+            <a:endParaRPr lang="en-US" dirty="0"/>
+          </a:p>
+        </p:txBody>
+      </p:sp>
+      <p:sp>
+        <p:nvSpPr>
+          <p:cNvPr id="3" name="Content Placeholder 2"/>
+          <p:cNvSpPr>
+            <a:spLocks noGrp="1"/>
+          </p:cNvSpPr>
+          <p:nvPr>
+            <p:ph idx="1"/>
+          </p:nvPr>
+        </p:nvSpPr>
+        <p:spPr/>
+        <p:txBody>
+          <a:bodyPr>
+            <a:normAutofit/>
+          </a:bodyPr>
+          <a:lstStyle/>
+          <a:p>
+            <a:r>
+              <a:rPr lang="en-US" sz="2400" dirty="0" smtClean="0"/>
+              <a:t>Blocking/</a:t>
+            </a:r>
+            <a:r>
+              <a:rPr lang="en-US" sz="2400" dirty="0" err="1" smtClean="0"/>
+              <a:t>nonblocking</a:t>
+            </a:r>
+            <a:r>
+              <a:rPr lang="en-US" sz="2400" dirty="0" smtClean="0"/>
+              <a:t> data structure</a:t>
+            </a:r>
+          </a:p>
+          <a:p>
+            <a:pPr lvl="1"/>
+            <a:r>
+              <a:rPr lang="en-US" sz="1800" dirty="0"/>
+              <a:t>Algorithms and data structures that use </a:t>
+            </a:r>
+            <a:r>
+              <a:rPr lang="en-US" sz="1800" dirty="0" err="1"/>
+              <a:t>mutexes</a:t>
+            </a:r>
+            <a:r>
+              <a:rPr lang="en-US" sz="1800" dirty="0"/>
+              <a:t>, condition variables, and futures to synchronize the data are called </a:t>
+            </a:r>
+            <a:r>
+              <a:rPr lang="en-US" sz="1800" i="1" dirty="0"/>
+              <a:t>blocking </a:t>
+            </a:r>
+            <a:r>
+              <a:rPr lang="en-US" sz="1800" dirty="0"/>
+              <a:t>data structures and algorithms. The </a:t>
+            </a:r>
+            <a:r>
+              <a:rPr lang="en-US" sz="1800" dirty="0" smtClean="0"/>
+              <a:t>application </a:t>
+            </a:r>
+            <a:r>
+              <a:rPr lang="en-US" sz="1800" dirty="0"/>
+              <a:t>calls library functions that will suspend the execution of a thread until another thread performs an action. Such library calls are termed </a:t>
+            </a:r>
+            <a:r>
+              <a:rPr lang="en-US" sz="1800" i="1" dirty="0"/>
+              <a:t>blocking </a:t>
+            </a:r>
+            <a:r>
+              <a:rPr lang="en-US" sz="1800" dirty="0"/>
+              <a:t>calls because the thread can’t progress past this point until the block is removed. </a:t>
+            </a:r>
+            <a:r>
+              <a:rPr lang="en-US" sz="1800" dirty="0" smtClean="0"/>
+              <a:t> </a:t>
+            </a:r>
+          </a:p>
+          <a:p>
+            <a:pPr lvl="1"/>
+            <a:r>
+              <a:rPr lang="en-US" sz="1800" dirty="0"/>
+              <a:t>Data structures and algorithms that don’t use blocking library functions are said to be </a:t>
+            </a:r>
+            <a:r>
+              <a:rPr lang="en-US" sz="1800" i="1" dirty="0" err="1"/>
+              <a:t>nonblocking</a:t>
+            </a:r>
+            <a:r>
+              <a:rPr lang="en-US" sz="1800" dirty="0"/>
+              <a:t>. </a:t>
+            </a:r>
+            <a:endParaRPr lang="en-US" sz="1800" dirty="0" smtClean="0"/>
+          </a:p>
+          <a:p>
+            <a:r>
+              <a:rPr lang="en-US" sz="2400" dirty="0" smtClean="0"/>
+              <a:t>Lock free data structure</a:t>
+            </a:r>
+          </a:p>
+          <a:p>
+            <a:pPr lvl="1"/>
+            <a:r>
+              <a:rPr lang="en-US" sz="1800" dirty="0" smtClean="0"/>
+              <a:t>More than one thread can access it in parallel without breaking its structure</a:t>
+            </a:r>
+          </a:p>
+          <a:p>
+            <a:pPr lvl="1"/>
+            <a:r>
+              <a:rPr lang="en-US" sz="1800" dirty="0" smtClean="0"/>
+              <a:t>When </a:t>
+            </a:r>
+            <a:r>
+              <a:rPr lang="en-US" sz="1800" dirty="0"/>
+              <a:t>one of the threads accessing the data structure is suspended by the scheduler midway through its operation, the other threads must still be able to complete their </a:t>
+            </a:r>
+            <a:r>
+              <a:rPr lang="en-US" sz="1800" dirty="0" smtClean="0"/>
+              <a:t>operations </a:t>
+            </a:r>
+            <a:r>
+              <a:rPr lang="en-US" sz="1800" dirty="0"/>
+              <a:t>without waiting for the suspended thread </a:t>
+            </a:r>
+            <a:endParaRPr lang="en-US" sz="1600" dirty="0" smtClean="0"/>
+          </a:p>
+          <a:p>
+            <a:pPr lvl="1"/>
+            <a:endParaRPr lang="en-US" sz="1600" dirty="0"/>
+          </a:p>
+          <a:p>
+            <a:pPr lvl="1"/>
+            <a:endParaRPr lang="en-US" sz="1800" dirty="0"/>
+          </a:p>
+          <a:p>
+            <a:pPr lvl="1"/>
+            <a:endParaRPr lang="en-US" sz="1800" dirty="0"/>
+          </a:p>
+        </p:txBody>
+      </p:sp>
+    </p:spTree>
+    <p:extLst>
+      <p:ext uri="{BB962C8B-B14F-4D97-AF65-F5344CB8AC3E}">
+        <p14:creationId xmlns:p14="http://schemas.microsoft.com/office/powerpoint/2010/main" val="4072352510"/>
+      </p:ext>
+    </p:extLst>
+  </p:cSld>
+  <p:clrMapOvr>
+    <a:masterClrMapping/>
+  </p:clrMapOvr>
+</p:sld>
+</file>
+
+<file path=ppt/slides/slide53.xml><?xml version="1.0" encoding="utf-8"?>
+<p:sld xmlns:a="http://schemas.openxmlformats.org/drawingml/2006/main" xmlns:r="http://schemas.openxmlformats.org/officeDocument/2006/relationships" xmlns:p="http://schemas.openxmlformats.org/presentationml/2006/main">
+  <p:cSld>
+    <p:spTree>
+      <p:nvGrpSpPr>
+        <p:cNvPr id="1" name=""/>
+        <p:cNvGrpSpPr/>
+        <p:nvPr/>
+      </p:nvGrpSpPr>
+      <p:grpSpPr>
+        <a:xfrm>
+          <a:off x="0" y="0"/>
+          <a:ext cx="0" cy="0"/>
+          <a:chOff x="0" y="0"/>
+          <a:chExt cx="0" cy="0"/>
+        </a:xfrm>
+      </p:grpSpPr>
+      <p:sp>
+        <p:nvSpPr>
+          <p:cNvPr id="2" name="Title 1"/>
+          <p:cNvSpPr>
+            <a:spLocks noGrp="1"/>
+          </p:cNvSpPr>
+          <p:nvPr>
+            <p:ph type="title"/>
+          </p:nvPr>
+        </p:nvSpPr>
+        <p:spPr/>
+        <p:txBody>
+          <a:bodyPr>
+            <a:normAutofit/>
+          </a:bodyPr>
+          <a:lstStyle/>
+          <a:p>
+            <a:r>
+              <a:rPr lang="en-US" dirty="0" smtClean="0"/>
+              <a:t>Lock-free data structure</a:t>
+            </a:r>
+            <a:endParaRPr lang="en-US" dirty="0"/>
+          </a:p>
+        </p:txBody>
+      </p:sp>
+      <p:sp>
+        <p:nvSpPr>
+          <p:cNvPr id="3" name="Content Placeholder 2"/>
+          <p:cNvSpPr>
+            <a:spLocks noGrp="1"/>
+          </p:cNvSpPr>
+          <p:nvPr>
+            <p:ph idx="1"/>
+          </p:nvPr>
+        </p:nvSpPr>
+        <p:spPr/>
+        <p:txBody>
+          <a:bodyPr>
+            <a:normAutofit/>
+          </a:bodyPr>
+          <a:lstStyle/>
+          <a:p>
+            <a:r>
+              <a:rPr lang="en-US" sz="2400" dirty="0" smtClean="0"/>
+              <a:t>Lock free</a:t>
+            </a:r>
+          </a:p>
+          <a:p>
+            <a:pPr lvl="1"/>
+            <a:r>
+              <a:rPr lang="en-US" sz="1800" dirty="0" smtClean="0"/>
+              <a:t>Algorithms that use compare/exchange operations on the data structure often have loops in them. The reason for using a compare/exchange operation is that another thread might have modified the data in the meantime, in which case the code will need to redo part of its operation before trying the compare/exchange again</a:t>
+            </a:r>
+          </a:p>
+          <a:p>
+            <a:pPr lvl="1"/>
+            <a:r>
+              <a:rPr lang="en-US" sz="1800" dirty="0" smtClean="0"/>
+              <a:t>Spin lock (is not lock free)</a:t>
+            </a:r>
+          </a:p>
+          <a:p>
+            <a:r>
+              <a:rPr lang="en-US" sz="2400" dirty="0" smtClean="0"/>
+              <a:t>Wait free data structure</a:t>
+            </a:r>
+          </a:p>
+          <a:p>
+            <a:pPr lvl="1"/>
+            <a:r>
+              <a:rPr lang="en-US" sz="1800" dirty="0"/>
+              <a:t>I</a:t>
+            </a:r>
+            <a:r>
+              <a:rPr lang="en-US" sz="1800" dirty="0" smtClean="0"/>
+              <a:t>s </a:t>
+            </a:r>
+            <a:r>
+              <a:rPr lang="en-US" sz="1800" dirty="0"/>
+              <a:t>a lock-free data structure with the additional property that every thread accessing the data structure can complete its operation within a bounded number of steps, regardless of the behavior of other threads. Algorithms that can involve an unbounded number of retries because of clashes with other threads are thus not wait-free </a:t>
+            </a:r>
+          </a:p>
+          <a:p>
+            <a:pPr lvl="1"/>
+            <a:endParaRPr lang="en-US" sz="1800" dirty="0"/>
+          </a:p>
+        </p:txBody>
+      </p:sp>
+    </p:spTree>
+    <p:extLst>
+      <p:ext uri="{BB962C8B-B14F-4D97-AF65-F5344CB8AC3E}">
+        <p14:creationId xmlns:p14="http://schemas.microsoft.com/office/powerpoint/2010/main" val="942336708"/>
+      </p:ext>
+    </p:extLst>
+  </p:cSld>
+  <p:clrMapOvr>
+    <a:masterClrMapping/>
+  </p:clrMapOvr>
+</p:sld>
+</file>
+
+<file path=ppt/slides/slide54.xml><?xml version="1.0" encoding="utf-8"?>
+<p:sld xmlns:a="http://schemas.openxmlformats.org/drawingml/2006/main" xmlns:r="http://schemas.openxmlformats.org/officeDocument/2006/relationships" xmlns:p="http://schemas.openxmlformats.org/presentationml/2006/main">
+  <p:cSld>
+    <p:spTree>
+      <p:nvGrpSpPr>
+        <p:cNvPr id="1" name=""/>
+        <p:cNvGrpSpPr/>
+        <p:nvPr/>
+      </p:nvGrpSpPr>
+      <p:grpSpPr>
+        <a:xfrm>
+          <a:off x="0" y="0"/>
+          <a:ext cx="0" cy="0"/>
+          <a:chOff x="0" y="0"/>
+          <a:chExt cx="0" cy="0"/>
+        </a:xfrm>
+      </p:grpSpPr>
+      <p:sp>
+        <p:nvSpPr>
+          <p:cNvPr id="2" name="Title 1"/>
+          <p:cNvSpPr>
+            <a:spLocks noGrp="1"/>
+          </p:cNvSpPr>
+          <p:nvPr>
+            <p:ph type="title"/>
+          </p:nvPr>
+        </p:nvSpPr>
+        <p:spPr/>
+        <p:txBody>
+          <a:bodyPr>
+            <a:normAutofit/>
+          </a:bodyPr>
+          <a:lstStyle/>
+          <a:p>
+            <a:r>
+              <a:rPr lang="en-US" dirty="0" smtClean="0"/>
+              <a:t>Lock-free data structure</a:t>
+            </a:r>
+            <a:endParaRPr lang="en-US" dirty="0"/>
+          </a:p>
+        </p:txBody>
+      </p:sp>
+      <p:sp>
+        <p:nvSpPr>
+          <p:cNvPr id="3" name="Content Placeholder 2"/>
+          <p:cNvSpPr>
+            <a:spLocks noGrp="1"/>
+          </p:cNvSpPr>
+          <p:nvPr>
+            <p:ph idx="1"/>
+          </p:nvPr>
+        </p:nvSpPr>
+        <p:spPr/>
+        <p:txBody>
+          <a:bodyPr>
+            <a:normAutofit/>
+          </a:bodyPr>
+          <a:lstStyle/>
+          <a:p>
+            <a:r>
+              <a:rPr lang="en-US" sz="2400" dirty="0" smtClean="0"/>
+              <a:t>Pros and cons of lock free data structure</a:t>
+            </a:r>
+          </a:p>
+          <a:p>
+            <a:pPr lvl="1"/>
+            <a:r>
+              <a:rPr lang="en-US" sz="1800" dirty="0"/>
+              <a:t>M</a:t>
+            </a:r>
+            <a:r>
+              <a:rPr lang="en-US" sz="1800" dirty="0" smtClean="0"/>
+              <a:t>aximum concurrency</a:t>
+            </a:r>
+            <a:endParaRPr lang="en-US" sz="1800" dirty="0"/>
+          </a:p>
+          <a:p>
+            <a:pPr lvl="1"/>
+            <a:r>
+              <a:rPr lang="en-US" sz="1800" dirty="0"/>
+              <a:t>R</a:t>
+            </a:r>
+            <a:r>
+              <a:rPr lang="en-US" sz="1800" dirty="0" smtClean="0"/>
+              <a:t>obustness - </a:t>
+            </a:r>
+            <a:r>
+              <a:rPr lang="en-US" sz="1800" dirty="0"/>
+              <a:t>if a thread dies partway through an operation on a lock-free data structure, nothing is lost except that thread’s data; other threads can proceed normally </a:t>
+            </a:r>
+            <a:endParaRPr lang="en-US" sz="1800" dirty="0" smtClean="0"/>
+          </a:p>
+          <a:p>
+            <a:pPr lvl="1"/>
+            <a:r>
+              <a:rPr lang="en-US" sz="1800" dirty="0"/>
+              <a:t>D</a:t>
+            </a:r>
+            <a:r>
+              <a:rPr lang="en-US" sz="1800" dirty="0" smtClean="0"/>
+              <a:t>eadlocks </a:t>
+            </a:r>
+            <a:r>
+              <a:rPr lang="en-US" sz="1800" dirty="0"/>
+              <a:t>are impossible </a:t>
+            </a:r>
+          </a:p>
+          <a:p>
+            <a:pPr lvl="1"/>
+            <a:r>
+              <a:rPr lang="en-US" sz="1800" dirty="0"/>
+              <a:t>C</a:t>
+            </a:r>
+            <a:r>
+              <a:rPr lang="en-US" sz="1800" dirty="0" smtClean="0"/>
+              <a:t>onsiderably </a:t>
+            </a:r>
+            <a:r>
+              <a:rPr lang="en-US" sz="1800" dirty="0"/>
+              <a:t>harder </a:t>
+            </a:r>
+            <a:r>
+              <a:rPr lang="en-US" sz="1800" dirty="0" smtClean="0"/>
+              <a:t>than lock-based data structure</a:t>
+            </a:r>
+          </a:p>
+          <a:p>
+            <a:pPr lvl="1"/>
+            <a:r>
+              <a:rPr lang="en-US" sz="1800" dirty="0" smtClean="0"/>
+              <a:t>May </a:t>
+            </a:r>
+            <a:r>
+              <a:rPr lang="en-US" sz="1800" i="1" dirty="0"/>
+              <a:t>decrease </a:t>
+            </a:r>
+            <a:r>
+              <a:rPr lang="en-US" sz="1800" dirty="0"/>
+              <a:t>overall performance </a:t>
+            </a:r>
+            <a:r>
+              <a:rPr lang="en-US" sz="1800" dirty="0" smtClean="0"/>
+              <a:t>– atomic operations are expensive and there may be lots of atomic operations in lock free data structure; hardware needs sync the data between threads which causes cache ping pong</a:t>
+            </a:r>
+            <a:endParaRPr lang="en-US" sz="1800" dirty="0"/>
+          </a:p>
+          <a:p>
+            <a:pPr lvl="1"/>
+            <a:endParaRPr lang="en-US" sz="1800" dirty="0"/>
+          </a:p>
+          <a:p>
+            <a:pPr lvl="1"/>
+            <a:endParaRPr lang="en-US" sz="1800" dirty="0"/>
+          </a:p>
+          <a:p>
+            <a:pPr lvl="1"/>
+            <a:endParaRPr lang="en-US" sz="1800" dirty="0"/>
+          </a:p>
+        </p:txBody>
+      </p:sp>
+    </p:spTree>
+    <p:extLst>
+      <p:ext uri="{BB962C8B-B14F-4D97-AF65-F5344CB8AC3E}">
+        <p14:creationId xmlns:p14="http://schemas.microsoft.com/office/powerpoint/2010/main" val="3762071888"/>
+      </p:ext>
+    </p:extLst>
+  </p:cSld>
+  <p:clrMapOvr>
+    <a:masterClrMapping/>
+  </p:clrMapOvr>
+  <p:timing>
+    <p:tnLst>
+      <p:par>
+        <p:cTn xmlns:p14="http://schemas.microsoft.com/office/powerpoint/2010/main" id="1" dur="indefinite" restart="never" nodeType="tmRoot"/>
+      </p:par>
+    </p:tnLst>
+  </p:timing>
+</p:sld>
+</file>
+
+<file path=ppt/slides/slide55.xml><?xml version="1.0" encoding="utf-8"?>
+<p:sld xmlns:a="http://schemas.openxmlformats.org/drawingml/2006/main" xmlns:r="http://schemas.openxmlformats.org/officeDocument/2006/relationships" xmlns:p="http://schemas.openxmlformats.org/presentationml/2006/main">
+  <p:cSld>
+    <p:spTree>
+      <p:nvGrpSpPr>
+        <p:cNvPr id="1" name=""/>
+        <p:cNvGrpSpPr/>
+        <p:nvPr/>
+      </p:nvGrpSpPr>
+      <p:grpSpPr>
+        <a:xfrm>
+          <a:off x="0" y="0"/>
+          <a:ext cx="0" cy="0"/>
+          <a:chOff x="0" y="0"/>
+          <a:chExt cx="0" cy="0"/>
+        </a:xfrm>
+      </p:grpSpPr>
+      <p:sp>
+        <p:nvSpPr>
+          <p:cNvPr id="2" name="Title 1"/>
+          <p:cNvSpPr>
+            <a:spLocks noGrp="1"/>
+          </p:cNvSpPr>
+          <p:nvPr>
+            <p:ph type="title"/>
+          </p:nvPr>
+        </p:nvSpPr>
+        <p:spPr/>
+        <p:txBody>
+          <a:bodyPr>
+            <a:normAutofit/>
+          </a:bodyPr>
+          <a:lstStyle/>
+          <a:p>
+            <a:r>
+              <a:rPr lang="en-US" dirty="0" smtClean="0"/>
+              <a:t>Lock-free data structure</a:t>
+            </a:r>
+            <a:endParaRPr lang="en-US" dirty="0"/>
+          </a:p>
+        </p:txBody>
+      </p:sp>
+      <p:sp>
+        <p:nvSpPr>
+          <p:cNvPr id="3" name="Content Placeholder 2"/>
+          <p:cNvSpPr>
+            <a:spLocks noGrp="1"/>
+          </p:cNvSpPr>
+          <p:nvPr>
+            <p:ph idx="1"/>
+          </p:nvPr>
+        </p:nvSpPr>
+        <p:spPr>
+          <a:xfrm>
+            <a:off x="457200" y="1600200"/>
+            <a:ext cx="8229600" cy="4978400"/>
+          </a:xfrm>
+        </p:spPr>
+        <p:txBody>
+          <a:bodyPr>
+            <a:normAutofit lnSpcReduction="10000"/>
+          </a:bodyPr>
+          <a:lstStyle/>
+          <a:p>
+            <a:r>
+              <a:rPr lang="en-US" sz="2400" dirty="0" smtClean="0"/>
+              <a:t>Guidelines</a:t>
+            </a:r>
+            <a:endParaRPr lang="en-US" sz="2400" dirty="0" smtClean="0"/>
+          </a:p>
+          <a:p>
+            <a:pPr lvl="1"/>
+            <a:r>
+              <a:rPr lang="en-US" sz="1800" dirty="0"/>
+              <a:t>use </a:t>
+            </a:r>
+            <a:r>
+              <a:rPr lang="en-US" sz="1800" dirty="0" err="1"/>
+              <a:t>std</a:t>
+            </a:r>
+            <a:r>
+              <a:rPr lang="en-US" sz="1800" dirty="0"/>
+              <a:t>::</a:t>
+            </a:r>
+            <a:r>
+              <a:rPr lang="en-US" sz="1800" dirty="0" err="1"/>
+              <a:t>memory_order_seq_cst</a:t>
+            </a:r>
+            <a:r>
+              <a:rPr lang="en-US" sz="1800" dirty="0"/>
+              <a:t> for </a:t>
+            </a:r>
+            <a:r>
+              <a:rPr lang="en-US" sz="1800" dirty="0" smtClean="0"/>
+              <a:t>prototyping</a:t>
+            </a:r>
+          </a:p>
+          <a:p>
+            <a:pPr lvl="2"/>
+            <a:r>
+              <a:rPr lang="en-US" sz="1600" dirty="0" smtClean="0"/>
+              <a:t>only </a:t>
+            </a:r>
+            <a:r>
+              <a:rPr lang="en-US" sz="1600" dirty="0"/>
+              <a:t>relaxed the memory- ordering constraints once the basic operations were working </a:t>
+            </a:r>
+            <a:endParaRPr lang="en-US" sz="1600" dirty="0"/>
+          </a:p>
+          <a:p>
+            <a:pPr lvl="1"/>
+            <a:r>
+              <a:rPr lang="en-US" sz="1800" dirty="0"/>
+              <a:t>use a lock-free memory reclamation </a:t>
+            </a:r>
+            <a:r>
+              <a:rPr lang="en-US" sz="1800" dirty="0" smtClean="0"/>
+              <a:t>scheme</a:t>
+            </a:r>
+          </a:p>
+          <a:p>
+            <a:pPr lvl="2"/>
+            <a:r>
+              <a:rPr lang="en-US" sz="1600" dirty="0"/>
+              <a:t>Waiting until no threads are accessing the data structure and deleting all objects that are pending </a:t>
+            </a:r>
+            <a:r>
+              <a:rPr lang="en-US" sz="1600" dirty="0" smtClean="0"/>
+              <a:t>deletion</a:t>
+            </a:r>
+          </a:p>
+          <a:p>
+            <a:pPr lvl="2"/>
+            <a:r>
+              <a:rPr lang="en-US" sz="1600" dirty="0"/>
+              <a:t>Using hazard pointers to identify that a thread is accessing a particular </a:t>
+            </a:r>
+            <a:r>
+              <a:rPr lang="en-US" sz="1600" dirty="0" smtClean="0"/>
+              <a:t>object</a:t>
+            </a:r>
+          </a:p>
+          <a:p>
+            <a:pPr lvl="2"/>
+            <a:r>
+              <a:rPr lang="en-US" sz="1600" dirty="0" smtClean="0"/>
+              <a:t>Reference </a:t>
+            </a:r>
+            <a:r>
+              <a:rPr lang="en-US" sz="1600" dirty="0"/>
+              <a:t>counting the objects so that they aren’t deleted until there are no </a:t>
+            </a:r>
+            <a:r>
+              <a:rPr lang="en-US" sz="1600" dirty="0" smtClean="0"/>
+              <a:t>outstanding references</a:t>
+            </a:r>
+            <a:endParaRPr lang="en-US" sz="1600" dirty="0"/>
+          </a:p>
+          <a:p>
+            <a:pPr lvl="1"/>
+            <a:r>
+              <a:rPr lang="en-US" sz="1800" dirty="0"/>
+              <a:t>watch out for the ABA problem </a:t>
+            </a:r>
+            <a:endParaRPr lang="en-US" sz="1800" dirty="0" smtClean="0"/>
+          </a:p>
+          <a:p>
+            <a:pPr lvl="2"/>
+            <a:r>
+              <a:rPr lang="en-US" sz="1600" dirty="0" smtClean="0"/>
+              <a:t>How can you tell the object is valid when the object you are holding is deleted and then re-created with the same memory location by other thread ?</a:t>
+            </a:r>
+          </a:p>
+          <a:p>
+            <a:pPr lvl="2"/>
+            <a:r>
+              <a:rPr lang="en-US" sz="1600" dirty="0"/>
+              <a:t>The most common way to avoid the problem is to include an ABA counter alongside the variable x. The compare/exchange operation is then done on the combined structure of x plus the counter as a single unit. Every time the value is replaced, the counter is incremented, so even if x has the same value, the compare/exchange will fail if another thread has modified </a:t>
+            </a:r>
+            <a:r>
+              <a:rPr lang="en-US" sz="1600" dirty="0" smtClean="0"/>
+              <a:t>x</a:t>
+            </a:r>
+            <a:endParaRPr lang="en-US" sz="1600" dirty="0"/>
+          </a:p>
+          <a:p>
+            <a:pPr lvl="1"/>
+            <a:endParaRPr lang="en-US" sz="1600" dirty="0"/>
+          </a:p>
+        </p:txBody>
+      </p:sp>
+    </p:spTree>
+    <p:extLst>
+      <p:ext uri="{BB962C8B-B14F-4D97-AF65-F5344CB8AC3E}">
+        <p14:creationId xmlns:p14="http://schemas.microsoft.com/office/powerpoint/2010/main" val="1629330914"/>
+      </p:ext>
+    </p:extLst>
+  </p:cSld>
+  <p:clrMapOvr>
+    <a:masterClrMapping/>
+  </p:clrMapOvr>
+  <p:timing>
+    <p:tnLst>
+      <p:par>
+        <p:cTn xmlns:p14="http://schemas.microsoft.com/office/powerpoint/2010/main" id="1" dur="indefinite" restart="never" nodeType="tmRoot"/>
+      </p:par>
+    </p:tnLst>
+  </p:timing>
+</p:sld>
+</file>
+
+<file path=ppt/slides/slide56.xml><?xml version="1.0" encoding="utf-8"?>
+<p:sld xmlns:a="http://schemas.openxmlformats.org/drawingml/2006/main" xmlns:r="http://schemas.openxmlformats.org/officeDocument/2006/relationships" xmlns:p="http://schemas.openxmlformats.org/presentationml/2006/main">
+  <p:cSld>
+    <p:spTree>
+      <p:nvGrpSpPr>
+        <p:cNvPr id="1" name=""/>
+        <p:cNvGrpSpPr/>
+        <p:nvPr/>
+      </p:nvGrpSpPr>
+      <p:grpSpPr>
+        <a:xfrm>
+          <a:off x="0" y="0"/>
+          <a:ext cx="0" cy="0"/>
+          <a:chOff x="0" y="0"/>
+          <a:chExt cx="0" cy="0"/>
+        </a:xfrm>
+      </p:grpSpPr>
+      <p:sp>
+        <p:nvSpPr>
+          <p:cNvPr id="2" name="Title 1"/>
+          <p:cNvSpPr>
+            <a:spLocks noGrp="1"/>
+          </p:cNvSpPr>
+          <p:nvPr>
+            <p:ph type="title"/>
+          </p:nvPr>
+        </p:nvSpPr>
+        <p:spPr/>
+        <p:txBody>
+          <a:bodyPr>
+            <a:normAutofit/>
+          </a:bodyPr>
+          <a:lstStyle/>
+          <a:p>
+            <a:r>
+              <a:rPr lang="en-US" dirty="0" smtClean="0"/>
+              <a:t>Lock-free data structure</a:t>
+            </a:r>
+            <a:endParaRPr lang="en-US" dirty="0"/>
+          </a:p>
+        </p:txBody>
+      </p:sp>
+      <p:sp>
+        <p:nvSpPr>
+          <p:cNvPr id="3" name="Content Placeholder 2"/>
+          <p:cNvSpPr>
+            <a:spLocks noGrp="1"/>
+          </p:cNvSpPr>
+          <p:nvPr>
+            <p:ph idx="1"/>
+          </p:nvPr>
+        </p:nvSpPr>
+        <p:spPr/>
+        <p:txBody>
+          <a:bodyPr>
+            <a:normAutofit/>
+          </a:bodyPr>
+          <a:lstStyle/>
+          <a:p>
+            <a:r>
+              <a:rPr lang="en-US" sz="2400" dirty="0" smtClean="0"/>
+              <a:t>Guidelines (cont.)</a:t>
+            </a:r>
+            <a:endParaRPr lang="en-US" sz="2400" dirty="0" smtClean="0"/>
+          </a:p>
+          <a:p>
+            <a:pPr lvl="1"/>
+            <a:r>
+              <a:rPr lang="en-US" sz="1900" dirty="0"/>
+              <a:t>identify busy-wait loops and help the other thread </a:t>
+            </a:r>
+            <a:endParaRPr lang="en-US" sz="1900" dirty="0" smtClean="0"/>
+          </a:p>
+          <a:p>
+            <a:pPr lvl="2"/>
+            <a:r>
+              <a:rPr lang="en-US" sz="1600" dirty="0" smtClean="0"/>
+              <a:t>Try to avoid busy-wait</a:t>
+            </a:r>
+            <a:endParaRPr lang="en-US" sz="1800" dirty="0"/>
+          </a:p>
+          <a:p>
+            <a:pPr lvl="1"/>
+            <a:endParaRPr lang="en-US" sz="1800" dirty="0"/>
+          </a:p>
+          <a:p>
+            <a:pPr lvl="1"/>
+            <a:endParaRPr lang="en-US" sz="1800" dirty="0"/>
+          </a:p>
+          <a:p>
+            <a:pPr lvl="1"/>
+            <a:endParaRPr lang="en-US" sz="1800" dirty="0"/>
+          </a:p>
+          <a:p>
+            <a:pPr lvl="1"/>
+            <a:endParaRPr lang="en-US" sz="1800" dirty="0"/>
+          </a:p>
+        </p:txBody>
+      </p:sp>
+    </p:spTree>
+    <p:extLst>
+      <p:ext uri="{BB962C8B-B14F-4D97-AF65-F5344CB8AC3E}">
+        <p14:creationId xmlns:p14="http://schemas.microsoft.com/office/powerpoint/2010/main" val="2439361772"/>
+      </p:ext>
+    </p:extLst>
+  </p:cSld>
+  <p:clrMapOvr>
+    <a:masterClrMapping/>
+  </p:clrMapOvr>
+  <p:timing>
+    <p:tnLst>
+      <p:par>
+        <p:cTn xmlns:p14="http://schemas.microsoft.com/office/powerpoint/2010/main" id="1" dur="indefinite" restart="never" nodeType="tmRoot"/>
+      </p:par>
+    </p:tnLst>
+  </p:timing>
+</p:sld>
+</file>
+
+<file path=ppt/slides/slide57.xml><?xml version="1.0" encoding="utf-8"?>
+<p:sld xmlns:a="http://schemas.openxmlformats.org/drawingml/2006/main" xmlns:r="http://schemas.openxmlformats.org/officeDocument/2006/relationships" xmlns:p="http://schemas.openxmlformats.org/presentationml/2006/main">
+  <p:cSld>
+    <p:spTree>
+      <p:nvGrpSpPr>
+        <p:cNvPr id="1" name=""/>
+        <p:cNvGrpSpPr/>
+        <p:nvPr/>
+      </p:nvGrpSpPr>
+      <p:grpSpPr>
+        <a:xfrm>
+          <a:off x="0" y="0"/>
+          <a:ext cx="0" cy="0"/>
+          <a:chOff x="0" y="0"/>
+          <a:chExt cx="0" cy="0"/>
+        </a:xfrm>
+      </p:grpSpPr>
+      <p:sp>
+        <p:nvSpPr>
+          <p:cNvPr id="2" name="Title 1"/>
+          <p:cNvSpPr>
+            <a:spLocks noGrp="1"/>
+          </p:cNvSpPr>
+          <p:nvPr>
+            <p:ph type="title"/>
+          </p:nvPr>
+        </p:nvSpPr>
+        <p:spPr/>
+        <p:txBody>
+          <a:bodyPr>
+            <a:normAutofit/>
+          </a:bodyPr>
+          <a:lstStyle/>
+          <a:p>
+            <a:r>
+              <a:rPr lang="en-US" dirty="0" smtClean="0"/>
+              <a:t>Designing concurrent code</a:t>
+            </a:r>
+            <a:endParaRPr lang="en-US" dirty="0"/>
+          </a:p>
+        </p:txBody>
+      </p:sp>
+      <p:sp>
+        <p:nvSpPr>
+          <p:cNvPr id="3" name="Content Placeholder 2"/>
+          <p:cNvSpPr>
+            <a:spLocks noGrp="1"/>
+          </p:cNvSpPr>
+          <p:nvPr>
+            <p:ph idx="1"/>
+          </p:nvPr>
+        </p:nvSpPr>
+        <p:spPr/>
+        <p:txBody>
+          <a:bodyPr>
+            <a:normAutofit/>
+          </a:bodyPr>
+          <a:lstStyle/>
+          <a:p>
+            <a:r>
+              <a:rPr lang="en-US" sz="2400" dirty="0" smtClean="0"/>
+              <a:t>Dividing work between threads</a:t>
+            </a:r>
+            <a:endParaRPr lang="en-US" sz="2400" dirty="0" smtClean="0"/>
+          </a:p>
+          <a:p>
+            <a:pPr lvl="1"/>
+            <a:r>
+              <a:rPr lang="en-US" sz="1800" dirty="0"/>
+              <a:t>Dividing data between threads before processing begins </a:t>
+            </a:r>
+            <a:endParaRPr lang="en-US" sz="1800" dirty="0"/>
+          </a:p>
+          <a:p>
+            <a:pPr lvl="1"/>
+            <a:r>
+              <a:rPr lang="en-US" sz="1800" dirty="0" smtClean="0"/>
+              <a:t>http://</a:t>
+            </a:r>
+            <a:r>
+              <a:rPr lang="en-US" sz="1800" dirty="0" err="1" smtClean="0"/>
+              <a:t>www.mpi-forum.org</a:t>
+            </a:r>
+            <a:r>
+              <a:rPr lang="en-US" sz="1800" dirty="0" smtClean="0"/>
+              <a:t>/ </a:t>
+            </a:r>
+          </a:p>
+          <a:p>
+            <a:pPr lvl="1"/>
+            <a:r>
+              <a:rPr lang="en-US" sz="1800" dirty="0" smtClean="0"/>
+              <a:t>http</a:t>
+            </a:r>
+            <a:r>
+              <a:rPr lang="en-US" sz="1800" dirty="0"/>
+              <a:t>://</a:t>
+            </a:r>
+            <a:r>
+              <a:rPr lang="en-US" sz="1800" dirty="0" err="1"/>
+              <a:t>www.openmp.org</a:t>
+            </a:r>
+            <a:r>
+              <a:rPr lang="en-US" sz="1800" dirty="0"/>
+              <a:t>/ </a:t>
+            </a:r>
+            <a:endParaRPr lang="en-US" sz="1800" dirty="0"/>
+          </a:p>
+          <a:p>
+            <a:pPr lvl="1"/>
+            <a:endParaRPr lang="en-US" sz="1800" dirty="0"/>
+          </a:p>
+          <a:p>
+            <a:pPr lvl="1"/>
+            <a:endParaRPr lang="en-US" sz="1800" dirty="0" smtClean="0"/>
+          </a:p>
+          <a:p>
+            <a:pPr lvl="1"/>
+            <a:endParaRPr lang="en-US" sz="1800" dirty="0"/>
+          </a:p>
+          <a:p>
+            <a:pPr lvl="1"/>
+            <a:endParaRPr lang="en-US" sz="1800" dirty="0" smtClean="0"/>
+          </a:p>
+          <a:p>
+            <a:pPr lvl="1"/>
+            <a:endParaRPr lang="en-US" sz="1800" dirty="0"/>
+          </a:p>
+          <a:p>
+            <a:pPr lvl="1"/>
+            <a:endParaRPr lang="en-US" sz="1800" dirty="0" smtClean="0"/>
+          </a:p>
+          <a:p>
+            <a:pPr lvl="1"/>
+            <a:endParaRPr lang="en-US" sz="1800" dirty="0"/>
+          </a:p>
+          <a:p>
+            <a:pPr lvl="1"/>
+            <a:endParaRPr lang="en-US" sz="1800" dirty="0" smtClean="0"/>
+          </a:p>
+          <a:p>
+            <a:pPr lvl="1"/>
+            <a:endParaRPr lang="en-US" sz="1800" dirty="0"/>
+          </a:p>
+          <a:p>
+            <a:pPr lvl="1"/>
+            <a:endParaRPr lang="en-US" sz="1800" dirty="0"/>
+          </a:p>
+          <a:p>
+            <a:pPr lvl="1"/>
+            <a:endParaRPr lang="en-US" sz="1800" dirty="0"/>
+          </a:p>
+          <a:p>
+            <a:pPr lvl="1"/>
+            <a:endParaRPr lang="en-US" sz="1800" dirty="0"/>
+          </a:p>
+          <a:p>
+            <a:pPr lvl="1"/>
+            <a:endParaRPr lang="en-US" sz="1800" dirty="0"/>
+          </a:p>
+        </p:txBody>
+      </p:sp>
+      <p:pic>
+        <p:nvPicPr>
+          <p:cNvPr id="4" name="Picture 3" descr="Screen Shot 2014-03-15 at 3.10.59 PM.png"/>
+          <p:cNvPicPr>
+            <a:picLocks noChangeAspect="1"/>
+          </p:cNvPicPr>
+          <p:nvPr/>
+        </p:nvPicPr>
+        <p:blipFill>
+          <a:blip r:embed="rId3">
+            <a:extLst>
+              <a:ext uri="{28A0092B-C50C-407E-A947-70E740481C1C}">
+                <a14:useLocalDpi xmlns:a14="http://schemas.microsoft.com/office/drawing/2010/main" val="0"/>
+              </a:ext>
+            </a:extLst>
+          </a:blip>
+          <a:stretch>
+            <a:fillRect/>
+          </a:stretch>
+        </p:blipFill>
+        <p:spPr>
+          <a:xfrm>
+            <a:off x="1663700" y="3281946"/>
+            <a:ext cx="5404012" cy="2844217"/>
+          </a:xfrm>
+          <a:prstGeom prst="rect">
+            <a:avLst/>
+          </a:prstGeom>
+        </p:spPr>
+      </p:pic>
+    </p:spTree>
+    <p:extLst>
+      <p:ext uri="{BB962C8B-B14F-4D97-AF65-F5344CB8AC3E}">
+        <p14:creationId xmlns:p14="http://schemas.microsoft.com/office/powerpoint/2010/main" val="3958186191"/>
+      </p:ext>
+    </p:extLst>
+  </p:cSld>
+  <p:clrMapOvr>
+    <a:masterClrMapping/>
+  </p:clrMapOvr>
+  <p:timing>
+    <p:tnLst>
+      <p:par>
+        <p:cTn xmlns:p14="http://schemas.microsoft.com/office/powerpoint/2010/main" id="1" dur="indefinite" restart="never" nodeType="tmRoot"/>
+      </p:par>
+    </p:tnLst>
+  </p:timing>
+</p:sld>
+</file>
+
+<file path=ppt/slides/slide58.xml><?xml version="1.0" encoding="utf-8"?>
+<p:sld xmlns:a="http://schemas.openxmlformats.org/drawingml/2006/main" xmlns:r="http://schemas.openxmlformats.org/officeDocument/2006/relationships" xmlns:p="http://schemas.openxmlformats.org/presentationml/2006/main">
+  <p:cSld>
+    <p:spTree>
+      <p:nvGrpSpPr>
+        <p:cNvPr id="1" name=""/>
+        <p:cNvGrpSpPr/>
+        <p:nvPr/>
+      </p:nvGrpSpPr>
+      <p:grpSpPr>
+        <a:xfrm>
+          <a:off x="0" y="0"/>
+          <a:ext cx="0" cy="0"/>
+          <a:chOff x="0" y="0"/>
+          <a:chExt cx="0" cy="0"/>
+        </a:xfrm>
+      </p:grpSpPr>
+      <p:sp>
+        <p:nvSpPr>
+          <p:cNvPr id="2" name="Title 1"/>
+          <p:cNvSpPr>
+            <a:spLocks noGrp="1"/>
+          </p:cNvSpPr>
+          <p:nvPr>
+            <p:ph type="title"/>
+          </p:nvPr>
+        </p:nvSpPr>
+        <p:spPr/>
+        <p:txBody>
+          <a:bodyPr>
+            <a:normAutofit/>
+          </a:bodyPr>
+          <a:lstStyle/>
+          <a:p>
+            <a:r>
+              <a:rPr lang="en-US" dirty="0" smtClean="0"/>
+              <a:t>Designing concurrent code</a:t>
+            </a:r>
+            <a:endParaRPr lang="en-US" dirty="0"/>
+          </a:p>
+        </p:txBody>
+      </p:sp>
+      <p:sp>
+        <p:nvSpPr>
+          <p:cNvPr id="3" name="Content Placeholder 2"/>
+          <p:cNvSpPr>
+            <a:spLocks noGrp="1"/>
+          </p:cNvSpPr>
+          <p:nvPr>
+            <p:ph idx="1"/>
+          </p:nvPr>
+        </p:nvSpPr>
+        <p:spPr/>
+        <p:txBody>
+          <a:bodyPr>
+            <a:normAutofit/>
+          </a:bodyPr>
+          <a:lstStyle/>
+          <a:p>
+            <a:r>
+              <a:rPr lang="en-US" sz="2400" dirty="0" smtClean="0"/>
+              <a:t>Dividing work between threads (cont.)</a:t>
+            </a:r>
+            <a:endParaRPr lang="en-US" sz="2400" dirty="0" smtClean="0"/>
+          </a:p>
+          <a:p>
+            <a:pPr lvl="1"/>
+            <a:r>
+              <a:rPr lang="en-US" sz="1800" dirty="0"/>
+              <a:t>Dividing data recursively </a:t>
+            </a:r>
+            <a:r>
+              <a:rPr lang="en-US" sz="1800" dirty="0" smtClean="0"/>
+              <a:t>(quick sort)</a:t>
+            </a:r>
+            <a:endParaRPr lang="en-US" sz="1800" dirty="0"/>
+          </a:p>
+          <a:p>
+            <a:pPr lvl="1"/>
+            <a:endParaRPr lang="en-US" sz="1800" dirty="0" smtClean="0"/>
+          </a:p>
+          <a:p>
+            <a:pPr lvl="1"/>
+            <a:endParaRPr lang="en-US" sz="1800" dirty="0"/>
+          </a:p>
+          <a:p>
+            <a:pPr lvl="1"/>
+            <a:endParaRPr lang="en-US" sz="1800" dirty="0" smtClean="0"/>
+          </a:p>
+          <a:p>
+            <a:pPr lvl="1"/>
+            <a:endParaRPr lang="en-US" sz="1800" dirty="0"/>
+          </a:p>
+          <a:p>
+            <a:pPr lvl="1"/>
+            <a:endParaRPr lang="en-US" sz="1800" dirty="0" smtClean="0"/>
+          </a:p>
+          <a:p>
+            <a:pPr lvl="1"/>
+            <a:endParaRPr lang="en-US" sz="1800" dirty="0"/>
+          </a:p>
+          <a:p>
+            <a:pPr lvl="1"/>
+            <a:endParaRPr lang="en-US" sz="1800" dirty="0" smtClean="0"/>
+          </a:p>
+          <a:p>
+            <a:pPr lvl="1"/>
+            <a:endParaRPr lang="en-US" sz="1800" dirty="0"/>
+          </a:p>
+          <a:p>
+            <a:pPr lvl="1"/>
+            <a:endParaRPr lang="en-US" sz="1800" dirty="0" smtClean="0"/>
+          </a:p>
+          <a:p>
+            <a:pPr lvl="1"/>
+            <a:endParaRPr lang="en-US" sz="1800" dirty="0"/>
+          </a:p>
+          <a:p>
+            <a:pPr lvl="1"/>
+            <a:endParaRPr lang="en-US" sz="1800" dirty="0"/>
+          </a:p>
+          <a:p>
+            <a:pPr lvl="1"/>
+            <a:endParaRPr lang="en-US" sz="1800" dirty="0"/>
+          </a:p>
+          <a:p>
+            <a:pPr lvl="1"/>
+            <a:endParaRPr lang="en-US" sz="1800" dirty="0"/>
+          </a:p>
+          <a:p>
+            <a:pPr lvl="1"/>
+            <a:endParaRPr lang="en-US" sz="1800" dirty="0"/>
+          </a:p>
+        </p:txBody>
+      </p:sp>
+      <p:pic>
+        <p:nvPicPr>
+          <p:cNvPr id="5" name="Picture 4" descr="Screen Shot 2014-03-15 at 3.13.55 PM.png"/>
+          <p:cNvPicPr>
+            <a:picLocks noChangeAspect="1"/>
+          </p:cNvPicPr>
+          <p:nvPr/>
+        </p:nvPicPr>
+        <p:blipFill>
+          <a:blip r:embed="rId3">
+            <a:extLst>
+              <a:ext uri="{28A0092B-C50C-407E-A947-70E740481C1C}">
+                <a14:useLocalDpi xmlns:a14="http://schemas.microsoft.com/office/drawing/2010/main" val="0"/>
+              </a:ext>
+            </a:extLst>
+          </a:blip>
+          <a:stretch>
+            <a:fillRect/>
+          </a:stretch>
+        </p:blipFill>
+        <p:spPr>
+          <a:xfrm>
+            <a:off x="1257300" y="2552700"/>
+            <a:ext cx="6350000" cy="2921000"/>
+          </a:xfrm>
+          <a:prstGeom prst="rect">
+            <a:avLst/>
+          </a:prstGeom>
+        </p:spPr>
+      </p:pic>
+    </p:spTree>
+    <p:extLst>
+      <p:ext uri="{BB962C8B-B14F-4D97-AF65-F5344CB8AC3E}">
+        <p14:creationId xmlns:p14="http://schemas.microsoft.com/office/powerpoint/2010/main" val="3942529580"/>
+      </p:ext>
+    </p:extLst>
+  </p:cSld>
+  <p:clrMapOvr>
+    <a:masterClrMapping/>
+  </p:clrMapOvr>
+  <p:timing>
+    <p:tnLst>
+      <p:par>
+        <p:cTn xmlns:p14="http://schemas.microsoft.com/office/powerpoint/2010/main" id="1" dur="indefinite" restart="never" nodeType="tmRoot"/>
+      </p:par>
+    </p:tnLst>
+  </p:timing>
+</p:sld>
+</file>
+
+<file path=ppt/slides/slide59.xml><?xml version="1.0" encoding="utf-8"?>
+<p:sld xmlns:a="http://schemas.openxmlformats.org/drawingml/2006/main" xmlns:r="http://schemas.openxmlformats.org/officeDocument/2006/relationships" xmlns:p="http://schemas.openxmlformats.org/presentationml/2006/main">
+  <p:cSld>
+    <p:spTree>
+      <p:nvGrpSpPr>
+        <p:cNvPr id="1" name=""/>
+        <p:cNvGrpSpPr/>
+        <p:nvPr/>
+      </p:nvGrpSpPr>
+      <p:grpSpPr>
+        <a:xfrm>
+          <a:off x="0" y="0"/>
+          <a:ext cx="0" cy="0"/>
+          <a:chOff x="0" y="0"/>
+          <a:chExt cx="0" cy="0"/>
+        </a:xfrm>
+      </p:grpSpPr>
+      <p:sp>
+        <p:nvSpPr>
+          <p:cNvPr id="2" name="Title 1"/>
+          <p:cNvSpPr>
+            <a:spLocks noGrp="1"/>
+          </p:cNvSpPr>
+          <p:nvPr>
+            <p:ph type="title"/>
+          </p:nvPr>
+        </p:nvSpPr>
+        <p:spPr/>
+        <p:txBody>
+          <a:bodyPr>
+            <a:normAutofit/>
+          </a:bodyPr>
+          <a:lstStyle/>
+          <a:p>
+            <a:r>
+              <a:rPr lang="en-US" dirty="0" smtClean="0"/>
+              <a:t>Designing concurrent code</a:t>
+            </a:r>
+            <a:endParaRPr lang="en-US" dirty="0"/>
+          </a:p>
+        </p:txBody>
+      </p:sp>
+      <p:sp>
+        <p:nvSpPr>
+          <p:cNvPr id="3" name="Content Placeholder 2"/>
+          <p:cNvSpPr>
+            <a:spLocks noGrp="1"/>
+          </p:cNvSpPr>
+          <p:nvPr>
+            <p:ph idx="1"/>
+          </p:nvPr>
+        </p:nvSpPr>
+        <p:spPr/>
+        <p:txBody>
+          <a:bodyPr>
+            <a:normAutofit/>
+          </a:bodyPr>
+          <a:lstStyle/>
+          <a:p>
+            <a:r>
+              <a:rPr lang="en-US" sz="2400" dirty="0" smtClean="0"/>
+              <a:t>Dividing work between threads (cont.)</a:t>
+            </a:r>
+            <a:endParaRPr lang="en-US" sz="2400" dirty="0" smtClean="0"/>
+          </a:p>
+          <a:p>
+            <a:pPr lvl="1"/>
+            <a:r>
+              <a:rPr lang="en-US" sz="1800" dirty="0"/>
+              <a:t>Dividing work by task type </a:t>
+            </a:r>
+            <a:r>
+              <a:rPr lang="en-US" sz="1800" dirty="0" smtClean="0"/>
+              <a:t>to separate concerns</a:t>
+            </a:r>
+          </a:p>
+          <a:p>
+            <a:pPr lvl="2"/>
+            <a:r>
+              <a:rPr lang="en-US" sz="1600" dirty="0" smtClean="0"/>
+              <a:t>Be wary of ending </a:t>
+            </a:r>
+            <a:r>
+              <a:rPr lang="en-US" sz="1600" dirty="0"/>
+              <a:t>up separating the </a:t>
+            </a:r>
+            <a:r>
+              <a:rPr lang="en-US" sz="1600" i="1" dirty="0"/>
+              <a:t>wrong </a:t>
+            </a:r>
+            <a:r>
+              <a:rPr lang="en-US" sz="1600" dirty="0" smtClean="0"/>
+              <a:t>concerns, symptom: </a:t>
+            </a:r>
+            <a:r>
+              <a:rPr lang="en-US" sz="1600" dirty="0"/>
+              <a:t>there is a lot of data shared between the threads or the different threads end up waiting for each other; both cases boil down to </a:t>
+            </a:r>
+            <a:r>
+              <a:rPr lang="en-US" sz="1600" dirty="0">
+                <a:solidFill>
+                  <a:srgbClr val="FF0000"/>
+                </a:solidFill>
+              </a:rPr>
+              <a:t>too much communication </a:t>
+            </a:r>
+            <a:r>
+              <a:rPr lang="en-US" sz="1600" dirty="0"/>
+              <a:t>between threads </a:t>
+            </a:r>
+            <a:endParaRPr lang="en-US" sz="1600" dirty="0"/>
+          </a:p>
+          <a:p>
+            <a:pPr lvl="1"/>
+            <a:r>
+              <a:rPr lang="en-US" sz="1800" dirty="0" smtClean="0"/>
+              <a:t> Dividing a sequence of tasks between threads</a:t>
+            </a:r>
+          </a:p>
+          <a:p>
+            <a:pPr lvl="2"/>
+            <a:r>
+              <a:rPr lang="en-US" sz="1600" dirty="0"/>
+              <a:t>If your task consists of applying the same sequence of operations to many </a:t>
+            </a:r>
+            <a:r>
+              <a:rPr lang="en-US" sz="1600" dirty="0" smtClean="0"/>
+              <a:t>independent </a:t>
+            </a:r>
+            <a:r>
+              <a:rPr lang="en-US" sz="1600" dirty="0"/>
+              <a:t>data items, you can use a </a:t>
+            </a:r>
+            <a:r>
+              <a:rPr lang="en-US" sz="1600" i="1" dirty="0"/>
+              <a:t>pipeline </a:t>
+            </a:r>
+            <a:r>
+              <a:rPr lang="en-US" sz="1600" dirty="0"/>
+              <a:t>to exploit the available concurrency of your </a:t>
+            </a:r>
+            <a:r>
+              <a:rPr lang="en-US" sz="1600" dirty="0" smtClean="0"/>
+              <a:t>system </a:t>
+            </a:r>
+            <a:endParaRPr lang="en-US" sz="1600" dirty="0"/>
+          </a:p>
+          <a:p>
+            <a:pPr lvl="1"/>
+            <a:endParaRPr lang="en-US" sz="1600" dirty="0" smtClean="0"/>
+          </a:p>
+          <a:p>
+            <a:pPr lvl="1"/>
+            <a:endParaRPr lang="en-US" sz="1800" dirty="0"/>
+          </a:p>
+          <a:p>
+            <a:pPr lvl="1"/>
+            <a:endParaRPr lang="en-US" sz="1800" dirty="0" smtClean="0"/>
+          </a:p>
+          <a:p>
+            <a:pPr lvl="1"/>
+            <a:endParaRPr lang="en-US" sz="1800" dirty="0"/>
+          </a:p>
+          <a:p>
+            <a:pPr lvl="1"/>
+            <a:endParaRPr lang="en-US" sz="1800" dirty="0" smtClean="0"/>
+          </a:p>
+          <a:p>
+            <a:pPr lvl="1"/>
+            <a:endParaRPr lang="en-US" sz="1800" dirty="0"/>
+          </a:p>
+          <a:p>
+            <a:pPr lvl="1"/>
+            <a:endParaRPr lang="en-US" sz="1800" dirty="0" smtClean="0"/>
+          </a:p>
+          <a:p>
+            <a:pPr lvl="1"/>
+            <a:endParaRPr lang="en-US" sz="1800" dirty="0"/>
+          </a:p>
+          <a:p>
+            <a:pPr lvl="1"/>
+            <a:endParaRPr lang="en-US" sz="1800" dirty="0"/>
+          </a:p>
+          <a:p>
+            <a:pPr lvl="1"/>
+            <a:endParaRPr lang="en-US" sz="1800" dirty="0"/>
+          </a:p>
+          <a:p>
+            <a:pPr lvl="1"/>
+            <a:endParaRPr lang="en-US" sz="1800" dirty="0"/>
+          </a:p>
+          <a:p>
+            <a:pPr lvl="1"/>
+            <a:endParaRPr lang="en-US" sz="1800" dirty="0"/>
+          </a:p>
+        </p:txBody>
+      </p:sp>
+    </p:spTree>
+    <p:extLst>
+      <p:ext uri="{BB962C8B-B14F-4D97-AF65-F5344CB8AC3E}">
+        <p14:creationId xmlns:p14="http://schemas.microsoft.com/office/powerpoint/2010/main" val="983154186"/>
+      </p:ext>
+    </p:extLst>
+  </p:cSld>
+  <p:clrMapOvr>
+    <a:masterClrMapping/>
+  </p:clrMapOvr>
+  <p:timing>
+    <p:tnLst>
+      <p:par>
+        <p:cTn xmlns:p14="http://schemas.microsoft.com/office/powerpoint/2010/main" id="1" dur="indefinite" restart="never" nodeType="tmRoot"/>
+      </p:par>
+    </p:tnLst>
+  </p:timing>
+</p:sld>
+</file>
+
 <file path=ppt/slides/slide6.xml><?xml version="1.0" encoding="utf-8"?>
 <p:sld xmlns:a="http://schemas.openxmlformats.org/drawingml/2006/main" xmlns:r="http://schemas.openxmlformats.org/officeDocument/2006/relationships" xmlns:p="http://schemas.openxmlformats.org/presentationml/2006/main">
   <p:cSld>
@@ -17942,6 +21793,2277 @@
   <p:clrMapOvr>
     <a:masterClrMapping/>
   </p:clrMapOvr>
+</p:sld>
+</file>
+
+<file path=ppt/slides/slide60.xml><?xml version="1.0" encoding="utf-8"?>
+<p:sld xmlns:a="http://schemas.openxmlformats.org/drawingml/2006/main" xmlns:r="http://schemas.openxmlformats.org/officeDocument/2006/relationships" xmlns:p="http://schemas.openxmlformats.org/presentationml/2006/main">
+  <p:cSld>
+    <p:spTree>
+      <p:nvGrpSpPr>
+        <p:cNvPr id="1" name=""/>
+        <p:cNvGrpSpPr/>
+        <p:nvPr/>
+      </p:nvGrpSpPr>
+      <p:grpSpPr>
+        <a:xfrm>
+          <a:off x="0" y="0"/>
+          <a:ext cx="0" cy="0"/>
+          <a:chOff x="0" y="0"/>
+          <a:chExt cx="0" cy="0"/>
+        </a:xfrm>
+      </p:grpSpPr>
+      <p:sp>
+        <p:nvSpPr>
+          <p:cNvPr id="2" name="Title 1"/>
+          <p:cNvSpPr>
+            <a:spLocks noGrp="1"/>
+          </p:cNvSpPr>
+          <p:nvPr>
+            <p:ph type="title"/>
+          </p:nvPr>
+        </p:nvSpPr>
+        <p:spPr/>
+        <p:txBody>
+          <a:bodyPr>
+            <a:normAutofit/>
+          </a:bodyPr>
+          <a:lstStyle/>
+          <a:p>
+            <a:r>
+              <a:rPr lang="en-US" dirty="0" smtClean="0"/>
+              <a:t>Designing concurrent code</a:t>
+            </a:r>
+            <a:endParaRPr lang="en-US" dirty="0"/>
+          </a:p>
+        </p:txBody>
+      </p:sp>
+      <p:sp>
+        <p:nvSpPr>
+          <p:cNvPr id="3" name="Content Placeholder 2"/>
+          <p:cNvSpPr>
+            <a:spLocks noGrp="1"/>
+          </p:cNvSpPr>
+          <p:nvPr>
+            <p:ph idx="1"/>
+          </p:nvPr>
+        </p:nvSpPr>
+        <p:spPr/>
+        <p:txBody>
+          <a:bodyPr>
+            <a:normAutofit/>
+          </a:bodyPr>
+          <a:lstStyle/>
+          <a:p>
+            <a:r>
+              <a:rPr lang="en-US" sz="2400" dirty="0"/>
+              <a:t>Factors affecting the performance of concurrent code </a:t>
+            </a:r>
+            <a:endParaRPr lang="en-US" sz="2400" dirty="0" smtClean="0"/>
+          </a:p>
+          <a:p>
+            <a:pPr lvl="1"/>
+            <a:r>
+              <a:rPr lang="en-US" sz="1600" dirty="0"/>
+              <a:t>How many processors? </a:t>
+            </a:r>
+            <a:r>
+              <a:rPr lang="en-US" sz="1600" dirty="0" smtClean="0"/>
+              <a:t>Single core multiple processors or single processor multiple cores or multiple processors and multiple cores</a:t>
+            </a:r>
+          </a:p>
+          <a:p>
+            <a:pPr lvl="1"/>
+            <a:r>
+              <a:rPr lang="en-US" sz="1600" dirty="0"/>
+              <a:t>Data contention and cache </a:t>
+            </a:r>
+            <a:r>
+              <a:rPr lang="en-US" sz="1600" dirty="0" err="1"/>
+              <a:t>ping-pong</a:t>
+            </a:r>
+            <a:r>
+              <a:rPr lang="en-US" sz="1600" dirty="0"/>
+              <a:t> </a:t>
+            </a:r>
+            <a:endParaRPr lang="en-US" sz="1600" dirty="0" smtClean="0"/>
+          </a:p>
+          <a:p>
+            <a:pPr lvl="2"/>
+            <a:r>
+              <a:rPr lang="en-US" sz="1600" dirty="0"/>
+              <a:t>The effects of contention with </a:t>
+            </a:r>
+            <a:r>
+              <a:rPr lang="en-US" sz="1600" dirty="0" err="1"/>
+              <a:t>mutexes</a:t>
+            </a:r>
+            <a:r>
+              <a:rPr lang="en-US" sz="1600" dirty="0"/>
+              <a:t> are usually different from the effects of contention with atomic operations for the simple reason that the </a:t>
+            </a:r>
+            <a:r>
+              <a:rPr lang="en-US" sz="1600" dirty="0">
+                <a:solidFill>
+                  <a:srgbClr val="FF0000"/>
+                </a:solidFill>
+              </a:rPr>
+              <a:t>use of a </a:t>
+            </a:r>
+            <a:r>
+              <a:rPr lang="en-US" sz="1600" dirty="0" err="1">
+                <a:solidFill>
+                  <a:srgbClr val="FF0000"/>
+                </a:solidFill>
+              </a:rPr>
+              <a:t>mutex</a:t>
+            </a:r>
+            <a:r>
+              <a:rPr lang="en-US" sz="1600" dirty="0">
+                <a:solidFill>
+                  <a:srgbClr val="FF0000"/>
+                </a:solidFill>
+              </a:rPr>
+              <a:t> </a:t>
+            </a:r>
+            <a:r>
+              <a:rPr lang="en-US" sz="1600" dirty="0" smtClean="0">
+                <a:solidFill>
+                  <a:srgbClr val="FF0000"/>
+                </a:solidFill>
+              </a:rPr>
+              <a:t>naturally </a:t>
+            </a:r>
+            <a:r>
+              <a:rPr lang="en-US" sz="1600" dirty="0">
+                <a:solidFill>
+                  <a:srgbClr val="FF0000"/>
+                </a:solidFill>
+              </a:rPr>
+              <a:t>serializes threads at the operating system level rather than at the processor level </a:t>
+            </a:r>
+            <a:endParaRPr lang="en-US" sz="1600" dirty="0" smtClean="0">
+              <a:solidFill>
+                <a:srgbClr val="FF0000"/>
+              </a:solidFill>
+            </a:endParaRPr>
+          </a:p>
+          <a:p>
+            <a:pPr lvl="2"/>
+            <a:r>
+              <a:rPr lang="en-US" sz="1600" dirty="0"/>
+              <a:t>As the number of processors accessing the data goes up, the contention on the </a:t>
+            </a:r>
+            <a:r>
+              <a:rPr lang="en-US" sz="1600" dirty="0" err="1"/>
+              <a:t>mutex</a:t>
+            </a:r>
+            <a:r>
+              <a:rPr lang="en-US" sz="1600" dirty="0"/>
+              <a:t> itself increases, and </a:t>
+            </a:r>
+            <a:r>
+              <a:rPr lang="en-US" sz="1600" dirty="0">
+                <a:solidFill>
+                  <a:srgbClr val="FF0000"/>
+                </a:solidFill>
+              </a:rPr>
+              <a:t>the cache line holding the </a:t>
+            </a:r>
+            <a:r>
+              <a:rPr lang="en-US" sz="1600" dirty="0" err="1">
+                <a:solidFill>
+                  <a:srgbClr val="FF0000"/>
+                </a:solidFill>
+              </a:rPr>
+              <a:t>mutex</a:t>
+            </a:r>
+            <a:r>
+              <a:rPr lang="en-US" sz="1600" dirty="0">
+                <a:solidFill>
+                  <a:srgbClr val="FF0000"/>
+                </a:solidFill>
+              </a:rPr>
+              <a:t> must be transferred between cores</a:t>
+            </a:r>
+            <a:r>
+              <a:rPr lang="en-US" sz="1600" dirty="0"/>
+              <a:t>, thus potentially increasing the time taken to acquire and release locks to undesirable </a:t>
+            </a:r>
+            <a:r>
+              <a:rPr lang="en-US" sz="1600" dirty="0" smtClean="0"/>
+              <a:t>level</a:t>
+            </a:r>
+          </a:p>
+          <a:p>
+            <a:pPr lvl="1"/>
+            <a:endParaRPr lang="en-US" sz="1800" dirty="0"/>
+          </a:p>
+          <a:p>
+            <a:pPr lvl="1"/>
+            <a:endParaRPr lang="en-US" sz="1800" dirty="0" smtClean="0"/>
+          </a:p>
+          <a:p>
+            <a:pPr lvl="1"/>
+            <a:endParaRPr lang="en-US" sz="1800" dirty="0"/>
+          </a:p>
+          <a:p>
+            <a:pPr lvl="1"/>
+            <a:endParaRPr lang="en-US" sz="1800" dirty="0" smtClean="0"/>
+          </a:p>
+          <a:p>
+            <a:pPr lvl="1"/>
+            <a:endParaRPr lang="en-US" sz="1800" dirty="0"/>
+          </a:p>
+          <a:p>
+            <a:pPr lvl="1"/>
+            <a:endParaRPr lang="en-US" sz="1800" dirty="0" smtClean="0"/>
+          </a:p>
+          <a:p>
+            <a:pPr lvl="1"/>
+            <a:endParaRPr lang="en-US" sz="1800" dirty="0"/>
+          </a:p>
+          <a:p>
+            <a:pPr lvl="1"/>
+            <a:endParaRPr lang="en-US" sz="1800" dirty="0"/>
+          </a:p>
+          <a:p>
+            <a:pPr lvl="1"/>
+            <a:endParaRPr lang="en-US" sz="1800" dirty="0"/>
+          </a:p>
+          <a:p>
+            <a:pPr lvl="1"/>
+            <a:endParaRPr lang="en-US" sz="1800" dirty="0"/>
+          </a:p>
+          <a:p>
+            <a:pPr lvl="1"/>
+            <a:endParaRPr lang="en-US" sz="1800" dirty="0"/>
+          </a:p>
+        </p:txBody>
+      </p:sp>
+    </p:spTree>
+    <p:extLst>
+      <p:ext uri="{BB962C8B-B14F-4D97-AF65-F5344CB8AC3E}">
+        <p14:creationId xmlns:p14="http://schemas.microsoft.com/office/powerpoint/2010/main" val="3285347472"/>
+      </p:ext>
+    </p:extLst>
+  </p:cSld>
+  <p:clrMapOvr>
+    <a:masterClrMapping/>
+  </p:clrMapOvr>
+  <p:timing>
+    <p:tnLst>
+      <p:par>
+        <p:cTn xmlns:p14="http://schemas.microsoft.com/office/powerpoint/2010/main" id="1" dur="indefinite" restart="never" nodeType="tmRoot"/>
+      </p:par>
+    </p:tnLst>
+  </p:timing>
+</p:sld>
+</file>
+
+<file path=ppt/slides/slide61.xml><?xml version="1.0" encoding="utf-8"?>
+<p:sld xmlns:a="http://schemas.openxmlformats.org/drawingml/2006/main" xmlns:r="http://schemas.openxmlformats.org/officeDocument/2006/relationships" xmlns:p="http://schemas.openxmlformats.org/presentationml/2006/main">
+  <p:cSld>
+    <p:spTree>
+      <p:nvGrpSpPr>
+        <p:cNvPr id="1" name=""/>
+        <p:cNvGrpSpPr/>
+        <p:nvPr/>
+      </p:nvGrpSpPr>
+      <p:grpSpPr>
+        <a:xfrm>
+          <a:off x="0" y="0"/>
+          <a:ext cx="0" cy="0"/>
+          <a:chOff x="0" y="0"/>
+          <a:chExt cx="0" cy="0"/>
+        </a:xfrm>
+      </p:grpSpPr>
+      <p:sp>
+        <p:nvSpPr>
+          <p:cNvPr id="2" name="Title 1"/>
+          <p:cNvSpPr>
+            <a:spLocks noGrp="1"/>
+          </p:cNvSpPr>
+          <p:nvPr>
+            <p:ph type="title"/>
+          </p:nvPr>
+        </p:nvSpPr>
+        <p:spPr/>
+        <p:txBody>
+          <a:bodyPr>
+            <a:normAutofit/>
+          </a:bodyPr>
+          <a:lstStyle/>
+          <a:p>
+            <a:r>
+              <a:rPr lang="en-US" dirty="0" smtClean="0"/>
+              <a:t>Designing concurrent code</a:t>
+            </a:r>
+            <a:endParaRPr lang="en-US" dirty="0"/>
+          </a:p>
+        </p:txBody>
+      </p:sp>
+      <p:sp>
+        <p:nvSpPr>
+          <p:cNvPr id="3" name="Content Placeholder 2"/>
+          <p:cNvSpPr>
+            <a:spLocks noGrp="1"/>
+          </p:cNvSpPr>
+          <p:nvPr>
+            <p:ph idx="1"/>
+          </p:nvPr>
+        </p:nvSpPr>
+        <p:spPr/>
+        <p:txBody>
+          <a:bodyPr>
+            <a:normAutofit/>
+          </a:bodyPr>
+          <a:lstStyle/>
+          <a:p>
+            <a:r>
+              <a:rPr lang="en-US" sz="2400" dirty="0"/>
+              <a:t>Factors affecting the performance of concurrent code </a:t>
+            </a:r>
+            <a:endParaRPr lang="en-US" sz="2400" dirty="0" smtClean="0"/>
+          </a:p>
+          <a:p>
+            <a:pPr lvl="1"/>
+            <a:r>
+              <a:rPr lang="en-US" sz="2000" dirty="0"/>
+              <a:t>False sharing (cache line pollution)</a:t>
+            </a:r>
+          </a:p>
+          <a:p>
+            <a:pPr lvl="2"/>
+            <a:r>
+              <a:rPr lang="en-US" sz="1600" dirty="0"/>
+              <a:t>Keep related data compact and close to each other</a:t>
+            </a:r>
+          </a:p>
+          <a:p>
+            <a:pPr lvl="2"/>
+            <a:r>
+              <a:rPr lang="en-US" sz="1600" dirty="0"/>
+              <a:t>Keep unrelated data far far </a:t>
+            </a:r>
+            <a:r>
+              <a:rPr lang="en-US" sz="1600" dirty="0" smtClean="0"/>
+              <a:t>away</a:t>
+            </a:r>
+            <a:endParaRPr lang="en-US" sz="1800" dirty="0" smtClean="0"/>
+          </a:p>
+          <a:p>
+            <a:pPr lvl="1"/>
+            <a:r>
+              <a:rPr lang="en-US" sz="1800" dirty="0" smtClean="0"/>
+              <a:t>Oversubscription </a:t>
+            </a:r>
+            <a:r>
+              <a:rPr lang="en-US" sz="1800" dirty="0"/>
+              <a:t>and excessive task switching </a:t>
+            </a:r>
+            <a:endParaRPr lang="en-US" sz="1800" dirty="0"/>
+          </a:p>
+          <a:p>
+            <a:pPr lvl="1"/>
+            <a:endParaRPr lang="en-US" sz="1800" dirty="0"/>
+          </a:p>
+          <a:p>
+            <a:pPr lvl="1"/>
+            <a:endParaRPr lang="en-US" sz="1800" dirty="0" smtClean="0"/>
+          </a:p>
+          <a:p>
+            <a:pPr lvl="1"/>
+            <a:endParaRPr lang="en-US" sz="1800" dirty="0"/>
+          </a:p>
+          <a:p>
+            <a:pPr lvl="1"/>
+            <a:endParaRPr lang="en-US" sz="1800" dirty="0" smtClean="0"/>
+          </a:p>
+          <a:p>
+            <a:pPr lvl="1"/>
+            <a:endParaRPr lang="en-US" sz="1800" dirty="0"/>
+          </a:p>
+          <a:p>
+            <a:pPr lvl="1"/>
+            <a:endParaRPr lang="en-US" sz="1800" dirty="0" smtClean="0"/>
+          </a:p>
+          <a:p>
+            <a:pPr lvl="1"/>
+            <a:endParaRPr lang="en-US" sz="1800" dirty="0"/>
+          </a:p>
+          <a:p>
+            <a:pPr lvl="1"/>
+            <a:endParaRPr lang="en-US" sz="1800" dirty="0"/>
+          </a:p>
+          <a:p>
+            <a:pPr lvl="1"/>
+            <a:endParaRPr lang="en-US" sz="1800" dirty="0"/>
+          </a:p>
+          <a:p>
+            <a:pPr lvl="1"/>
+            <a:endParaRPr lang="en-US" sz="1800" dirty="0"/>
+          </a:p>
+          <a:p>
+            <a:pPr lvl="1"/>
+            <a:endParaRPr lang="en-US" sz="1800" dirty="0"/>
+          </a:p>
+        </p:txBody>
+      </p:sp>
+    </p:spTree>
+    <p:extLst>
+      <p:ext uri="{BB962C8B-B14F-4D97-AF65-F5344CB8AC3E}">
+        <p14:creationId xmlns:p14="http://schemas.microsoft.com/office/powerpoint/2010/main" val="690232277"/>
+      </p:ext>
+    </p:extLst>
+  </p:cSld>
+  <p:clrMapOvr>
+    <a:masterClrMapping/>
+  </p:clrMapOvr>
+  <p:timing>
+    <p:tnLst>
+      <p:par>
+        <p:cTn xmlns:p14="http://schemas.microsoft.com/office/powerpoint/2010/main" id="1" dur="indefinite" restart="never" nodeType="tmRoot"/>
+      </p:par>
+    </p:tnLst>
+  </p:timing>
+</p:sld>
+</file>
+
+<file path=ppt/slides/slide62.xml><?xml version="1.0" encoding="utf-8"?>
+<p:sld xmlns:a="http://schemas.openxmlformats.org/drawingml/2006/main" xmlns:r="http://schemas.openxmlformats.org/officeDocument/2006/relationships" xmlns:p="http://schemas.openxmlformats.org/presentationml/2006/main">
+  <p:cSld>
+    <p:spTree>
+      <p:nvGrpSpPr>
+        <p:cNvPr id="1" name=""/>
+        <p:cNvGrpSpPr/>
+        <p:nvPr/>
+      </p:nvGrpSpPr>
+      <p:grpSpPr>
+        <a:xfrm>
+          <a:off x="0" y="0"/>
+          <a:ext cx="0" cy="0"/>
+          <a:chOff x="0" y="0"/>
+          <a:chExt cx="0" cy="0"/>
+        </a:xfrm>
+      </p:grpSpPr>
+      <p:sp>
+        <p:nvSpPr>
+          <p:cNvPr id="2" name="Title 1"/>
+          <p:cNvSpPr>
+            <a:spLocks noGrp="1"/>
+          </p:cNvSpPr>
+          <p:nvPr>
+            <p:ph type="title"/>
+          </p:nvPr>
+        </p:nvSpPr>
+        <p:spPr/>
+        <p:txBody>
+          <a:bodyPr>
+            <a:normAutofit/>
+          </a:bodyPr>
+          <a:lstStyle/>
+          <a:p>
+            <a:r>
+              <a:rPr lang="en-US" dirty="0" smtClean="0"/>
+              <a:t>Designing concurrent code</a:t>
+            </a:r>
+            <a:endParaRPr lang="en-US" dirty="0"/>
+          </a:p>
+        </p:txBody>
+      </p:sp>
+      <p:sp>
+        <p:nvSpPr>
+          <p:cNvPr id="3" name="Content Placeholder 2"/>
+          <p:cNvSpPr>
+            <a:spLocks noGrp="1"/>
+          </p:cNvSpPr>
+          <p:nvPr>
+            <p:ph idx="1"/>
+          </p:nvPr>
+        </p:nvSpPr>
+        <p:spPr/>
+        <p:txBody>
+          <a:bodyPr>
+            <a:normAutofit/>
+          </a:bodyPr>
+          <a:lstStyle/>
+          <a:p>
+            <a:r>
+              <a:rPr lang="en-US" sz="2400" dirty="0" smtClean="0"/>
+              <a:t>Matrix multiplication</a:t>
+            </a:r>
+          </a:p>
+          <a:p>
+            <a:pPr lvl="1"/>
+            <a:r>
+              <a:rPr lang="en-US" sz="1800" dirty="0"/>
+              <a:t>have each thread calculate the values for a number of columns in the result </a:t>
+            </a:r>
+            <a:r>
+              <a:rPr lang="en-US" sz="1800" dirty="0" smtClean="0"/>
+              <a:t>matrix</a:t>
+            </a:r>
+          </a:p>
+          <a:p>
+            <a:pPr lvl="1"/>
+            <a:r>
+              <a:rPr lang="en-US" sz="1800" dirty="0" smtClean="0"/>
+              <a:t>have </a:t>
+            </a:r>
+            <a:r>
+              <a:rPr lang="en-US" sz="1800" dirty="0"/>
+              <a:t>each thread calculate the results for a number of </a:t>
+            </a:r>
+            <a:r>
+              <a:rPr lang="en-US" sz="1800" dirty="0" smtClean="0"/>
+              <a:t>rows (may be better than above option)</a:t>
+            </a:r>
+            <a:endParaRPr lang="en-US" sz="1800" dirty="0"/>
+          </a:p>
+          <a:p>
+            <a:pPr lvl="1"/>
+            <a:r>
+              <a:rPr lang="en-US" sz="1800" dirty="0" smtClean="0"/>
+              <a:t>have </a:t>
+            </a:r>
+            <a:r>
+              <a:rPr lang="en-US" sz="1800" dirty="0"/>
+              <a:t>each thread calculate the results for a rectangular subset of the </a:t>
+            </a:r>
+            <a:r>
+              <a:rPr lang="en-US" sz="1800" dirty="0" smtClean="0"/>
+              <a:t>matrix (may be better than above two options)</a:t>
+            </a:r>
+            <a:endParaRPr lang="en-US" sz="1800" dirty="0"/>
+          </a:p>
+          <a:p>
+            <a:pPr lvl="1"/>
+            <a:endParaRPr lang="en-US" sz="1800" dirty="0"/>
+          </a:p>
+          <a:p>
+            <a:pPr lvl="1"/>
+            <a:endParaRPr lang="en-US" sz="1800" dirty="0" smtClean="0"/>
+          </a:p>
+          <a:p>
+            <a:pPr lvl="1"/>
+            <a:endParaRPr lang="en-US" sz="1800" dirty="0"/>
+          </a:p>
+          <a:p>
+            <a:pPr lvl="1"/>
+            <a:endParaRPr lang="en-US" sz="1800" dirty="0" smtClean="0"/>
+          </a:p>
+          <a:p>
+            <a:pPr lvl="1"/>
+            <a:endParaRPr lang="en-US" sz="1800" dirty="0"/>
+          </a:p>
+          <a:p>
+            <a:pPr lvl="1"/>
+            <a:endParaRPr lang="en-US" sz="1800" dirty="0" smtClean="0"/>
+          </a:p>
+          <a:p>
+            <a:pPr lvl="1"/>
+            <a:endParaRPr lang="en-US" sz="1800" dirty="0"/>
+          </a:p>
+          <a:p>
+            <a:pPr lvl="1"/>
+            <a:endParaRPr lang="en-US" sz="1800" dirty="0"/>
+          </a:p>
+          <a:p>
+            <a:pPr lvl="1"/>
+            <a:endParaRPr lang="en-US" sz="1800" dirty="0"/>
+          </a:p>
+          <a:p>
+            <a:pPr lvl="1"/>
+            <a:endParaRPr lang="en-US" sz="1800" dirty="0"/>
+          </a:p>
+          <a:p>
+            <a:pPr lvl="1"/>
+            <a:endParaRPr lang="en-US" sz="1800" dirty="0"/>
+          </a:p>
+        </p:txBody>
+      </p:sp>
+      <p:pic>
+        <p:nvPicPr>
+          <p:cNvPr id="4" name="Picture 3" descr="Screen Shot 2014-03-15 at 3.45.58 PM.png"/>
+          <p:cNvPicPr>
+            <a:picLocks noChangeAspect="1"/>
+          </p:cNvPicPr>
+          <p:nvPr/>
+        </p:nvPicPr>
+        <p:blipFill>
+          <a:blip r:embed="rId3">
+            <a:extLst>
+              <a:ext uri="{28A0092B-C50C-407E-A947-70E740481C1C}">
+                <a14:useLocalDpi xmlns:a14="http://schemas.microsoft.com/office/drawing/2010/main" val="0"/>
+              </a:ext>
+            </a:extLst>
+          </a:blip>
+          <a:stretch>
+            <a:fillRect/>
+          </a:stretch>
+        </p:blipFill>
+        <p:spPr>
+          <a:xfrm>
+            <a:off x="596900" y="4017963"/>
+            <a:ext cx="7950200" cy="2425700"/>
+          </a:xfrm>
+          <a:prstGeom prst="rect">
+            <a:avLst/>
+          </a:prstGeom>
+        </p:spPr>
+      </p:pic>
+    </p:spTree>
+    <p:extLst>
+      <p:ext uri="{BB962C8B-B14F-4D97-AF65-F5344CB8AC3E}">
+        <p14:creationId xmlns:p14="http://schemas.microsoft.com/office/powerpoint/2010/main" val="2944736493"/>
+      </p:ext>
+    </p:extLst>
+  </p:cSld>
+  <p:clrMapOvr>
+    <a:masterClrMapping/>
+  </p:clrMapOvr>
+  <p:timing>
+    <p:tnLst>
+      <p:par>
+        <p:cTn xmlns:p14="http://schemas.microsoft.com/office/powerpoint/2010/main" id="1" dur="indefinite" restart="never" nodeType="tmRoot"/>
+      </p:par>
+    </p:tnLst>
+  </p:timing>
+</p:sld>
+</file>
+
+<file path=ppt/slides/slide63.xml><?xml version="1.0" encoding="utf-8"?>
+<p:sld xmlns:a="http://schemas.openxmlformats.org/drawingml/2006/main" xmlns:r="http://schemas.openxmlformats.org/officeDocument/2006/relationships" xmlns:p="http://schemas.openxmlformats.org/presentationml/2006/main">
+  <p:cSld>
+    <p:spTree>
+      <p:nvGrpSpPr>
+        <p:cNvPr id="1" name=""/>
+        <p:cNvGrpSpPr/>
+        <p:nvPr/>
+      </p:nvGrpSpPr>
+      <p:grpSpPr>
+        <a:xfrm>
+          <a:off x="0" y="0"/>
+          <a:ext cx="0" cy="0"/>
+          <a:chOff x="0" y="0"/>
+          <a:chExt cx="0" cy="0"/>
+        </a:xfrm>
+      </p:grpSpPr>
+      <p:sp>
+        <p:nvSpPr>
+          <p:cNvPr id="2" name="Title 1"/>
+          <p:cNvSpPr>
+            <a:spLocks noGrp="1"/>
+          </p:cNvSpPr>
+          <p:nvPr>
+            <p:ph type="title"/>
+          </p:nvPr>
+        </p:nvSpPr>
+        <p:spPr/>
+        <p:txBody>
+          <a:bodyPr>
+            <a:normAutofit/>
+          </a:bodyPr>
+          <a:lstStyle/>
+          <a:p>
+            <a:r>
+              <a:rPr lang="en-US" dirty="0" smtClean="0"/>
+              <a:t>Designing concurrent code</a:t>
+            </a:r>
+            <a:endParaRPr lang="en-US" dirty="0"/>
+          </a:p>
+        </p:txBody>
+      </p:sp>
+      <p:sp>
+        <p:nvSpPr>
+          <p:cNvPr id="3" name="Content Placeholder 2"/>
+          <p:cNvSpPr>
+            <a:spLocks noGrp="1"/>
+          </p:cNvSpPr>
+          <p:nvPr>
+            <p:ph idx="1"/>
+          </p:nvPr>
+        </p:nvSpPr>
+        <p:spPr/>
+        <p:txBody>
+          <a:bodyPr>
+            <a:normAutofit/>
+          </a:bodyPr>
+          <a:lstStyle/>
+          <a:p>
+            <a:r>
+              <a:rPr lang="en-US" sz="2400" dirty="0"/>
+              <a:t>Data access patterns in other data structures </a:t>
+            </a:r>
+            <a:endParaRPr lang="en-US" sz="2400" dirty="0" smtClean="0"/>
+          </a:p>
+          <a:p>
+            <a:pPr lvl="1"/>
+            <a:r>
+              <a:rPr lang="en-US" sz="1800" dirty="0"/>
+              <a:t>Try to adjust the data distribution between threads so that data that’s close together is worked on by the same thread </a:t>
+            </a:r>
+          </a:p>
+          <a:p>
+            <a:pPr lvl="1"/>
+            <a:r>
+              <a:rPr lang="en-US" sz="1800" dirty="0"/>
+              <a:t>Try to minimize the data required by any given thread </a:t>
+            </a:r>
+          </a:p>
+          <a:p>
+            <a:pPr lvl="1"/>
+            <a:r>
+              <a:rPr lang="en-US" sz="1800" dirty="0"/>
+              <a:t>Try to ensure that data accessed by separate threads is sufficiently far apart to </a:t>
+            </a:r>
+            <a:r>
+              <a:rPr lang="en-US" sz="1800" dirty="0" smtClean="0"/>
+              <a:t>avoid </a:t>
+            </a:r>
+            <a:r>
+              <a:rPr lang="en-US" sz="1800" dirty="0"/>
+              <a:t>false sharing </a:t>
+            </a:r>
+          </a:p>
+          <a:p>
+            <a:pPr lvl="1"/>
+            <a:r>
+              <a:rPr lang="en-US" sz="1800" dirty="0" smtClean="0"/>
+              <a:t>(Pay attention to the </a:t>
+            </a:r>
+            <a:r>
+              <a:rPr lang="en-US" sz="1800" dirty="0" err="1" smtClean="0"/>
+              <a:t>mutex</a:t>
+            </a:r>
+            <a:r>
+              <a:rPr lang="en-US" sz="1800" dirty="0" smtClean="0"/>
+              <a:t> false sharing problem, for </a:t>
+            </a:r>
+            <a:r>
+              <a:rPr lang="en-US" sz="1800" dirty="0" err="1" smtClean="0"/>
+              <a:t>e.g</a:t>
+            </a:r>
+            <a:r>
+              <a:rPr lang="en-US" sz="1800" dirty="0" smtClean="0"/>
+              <a:t>, when the </a:t>
+            </a:r>
+            <a:r>
+              <a:rPr lang="en-US" sz="1800" dirty="0" err="1" smtClean="0"/>
+              <a:t>mutex</a:t>
+            </a:r>
+            <a:r>
+              <a:rPr lang="en-US" sz="1800" dirty="0" smtClean="0"/>
+              <a:t> and the data items are close together in memory, when loading the </a:t>
+            </a:r>
+            <a:r>
+              <a:rPr lang="en-US" sz="1800" dirty="0" err="1" smtClean="0"/>
+              <a:t>mutex</a:t>
+            </a:r>
+            <a:r>
+              <a:rPr lang="en-US" sz="1800" dirty="0" smtClean="0"/>
+              <a:t>, the data items are also loaded into the same cache line. </a:t>
+            </a:r>
+            <a:r>
+              <a:rPr lang="en-US" sz="1800" dirty="0" err="1" smtClean="0"/>
+              <a:t>Mutex</a:t>
+            </a:r>
+            <a:r>
+              <a:rPr lang="en-US" sz="1800" dirty="0" smtClean="0"/>
+              <a:t> lock is read-modify-write operation which will cause the cache line invalidated.)</a:t>
+            </a:r>
+            <a:endParaRPr lang="en-US" sz="1800" dirty="0"/>
+          </a:p>
+          <a:p>
+            <a:pPr lvl="1"/>
+            <a:endParaRPr lang="en-US" sz="1800" dirty="0" smtClean="0"/>
+          </a:p>
+          <a:p>
+            <a:pPr lvl="1"/>
+            <a:endParaRPr lang="en-US" sz="1800" dirty="0"/>
+          </a:p>
+          <a:p>
+            <a:pPr lvl="1"/>
+            <a:endParaRPr lang="en-US" sz="1800" dirty="0" smtClean="0"/>
+          </a:p>
+          <a:p>
+            <a:pPr lvl="1"/>
+            <a:endParaRPr lang="en-US" sz="1800" dirty="0"/>
+          </a:p>
+          <a:p>
+            <a:pPr lvl="1"/>
+            <a:endParaRPr lang="en-US" sz="1800" dirty="0" smtClean="0"/>
+          </a:p>
+          <a:p>
+            <a:pPr lvl="1"/>
+            <a:endParaRPr lang="en-US" sz="1800" dirty="0"/>
+          </a:p>
+          <a:p>
+            <a:pPr lvl="1"/>
+            <a:endParaRPr lang="en-US" sz="1800" dirty="0"/>
+          </a:p>
+          <a:p>
+            <a:pPr lvl="1"/>
+            <a:endParaRPr lang="en-US" sz="1800" dirty="0"/>
+          </a:p>
+          <a:p>
+            <a:pPr lvl="1"/>
+            <a:endParaRPr lang="en-US" sz="1800" dirty="0"/>
+          </a:p>
+          <a:p>
+            <a:pPr lvl="1"/>
+            <a:endParaRPr lang="en-US" sz="1800" dirty="0"/>
+          </a:p>
+        </p:txBody>
+      </p:sp>
+    </p:spTree>
+    <p:extLst>
+      <p:ext uri="{BB962C8B-B14F-4D97-AF65-F5344CB8AC3E}">
+        <p14:creationId xmlns:p14="http://schemas.microsoft.com/office/powerpoint/2010/main" val="2904649397"/>
+      </p:ext>
+    </p:extLst>
+  </p:cSld>
+  <p:clrMapOvr>
+    <a:masterClrMapping/>
+  </p:clrMapOvr>
+  <p:timing>
+    <p:tnLst>
+      <p:par>
+        <p:cTn xmlns:p14="http://schemas.microsoft.com/office/powerpoint/2010/main" id="1" dur="indefinite" restart="never" nodeType="tmRoot"/>
+      </p:par>
+    </p:tnLst>
+  </p:timing>
+</p:sld>
+</file>
+
+<file path=ppt/slides/slide64.xml><?xml version="1.0" encoding="utf-8"?>
+<p:sld xmlns:a="http://schemas.openxmlformats.org/drawingml/2006/main" xmlns:r="http://schemas.openxmlformats.org/officeDocument/2006/relationships" xmlns:p="http://schemas.openxmlformats.org/presentationml/2006/main">
+  <p:cSld>
+    <p:spTree>
+      <p:nvGrpSpPr>
+        <p:cNvPr id="1" name=""/>
+        <p:cNvGrpSpPr/>
+        <p:nvPr/>
+      </p:nvGrpSpPr>
+      <p:grpSpPr>
+        <a:xfrm>
+          <a:off x="0" y="0"/>
+          <a:ext cx="0" cy="0"/>
+          <a:chOff x="0" y="0"/>
+          <a:chExt cx="0" cy="0"/>
+        </a:xfrm>
+      </p:grpSpPr>
+      <p:sp>
+        <p:nvSpPr>
+          <p:cNvPr id="2" name="Title 1"/>
+          <p:cNvSpPr>
+            <a:spLocks noGrp="1"/>
+          </p:cNvSpPr>
+          <p:nvPr>
+            <p:ph type="title"/>
+          </p:nvPr>
+        </p:nvSpPr>
+        <p:spPr/>
+        <p:txBody>
+          <a:bodyPr>
+            <a:normAutofit/>
+          </a:bodyPr>
+          <a:lstStyle/>
+          <a:p>
+            <a:r>
+              <a:rPr lang="en-US" dirty="0" smtClean="0"/>
+              <a:t>Designing concurrent code</a:t>
+            </a:r>
+            <a:endParaRPr lang="en-US" dirty="0"/>
+          </a:p>
+        </p:txBody>
+      </p:sp>
+      <p:sp>
+        <p:nvSpPr>
+          <p:cNvPr id="3" name="Content Placeholder 2"/>
+          <p:cNvSpPr>
+            <a:spLocks noGrp="1"/>
+          </p:cNvSpPr>
+          <p:nvPr>
+            <p:ph idx="1"/>
+          </p:nvPr>
+        </p:nvSpPr>
+        <p:spPr>
+          <a:xfrm>
+            <a:off x="457200" y="1417638"/>
+            <a:ext cx="8229600" cy="5440362"/>
+          </a:xfrm>
+        </p:spPr>
+        <p:txBody>
+          <a:bodyPr>
+            <a:normAutofit/>
+          </a:bodyPr>
+          <a:lstStyle/>
+          <a:p>
+            <a:r>
+              <a:rPr lang="en-US" sz="2400" dirty="0"/>
+              <a:t>Data access patterns in other data structures </a:t>
+            </a:r>
+            <a:endParaRPr lang="en-US" sz="2400" dirty="0" smtClean="0"/>
+          </a:p>
+          <a:p>
+            <a:pPr lvl="1"/>
+            <a:r>
+              <a:rPr lang="en-US" sz="1800" dirty="0"/>
+              <a:t>Try to adjust the data distribution between threads so that data that’s close together is worked on by the same thread </a:t>
+            </a:r>
+          </a:p>
+          <a:p>
+            <a:pPr lvl="1"/>
+            <a:r>
+              <a:rPr lang="en-US" sz="1800" dirty="0"/>
+              <a:t>Try to minimize the data required by any given thread </a:t>
+            </a:r>
+          </a:p>
+          <a:p>
+            <a:pPr lvl="1"/>
+            <a:r>
+              <a:rPr lang="en-US" sz="1800" dirty="0"/>
+              <a:t>Try to ensure that data accessed by separate threads is sufficiently far apart to </a:t>
+            </a:r>
+            <a:r>
+              <a:rPr lang="en-US" sz="1800" dirty="0" smtClean="0"/>
+              <a:t>avoid </a:t>
+            </a:r>
+            <a:r>
+              <a:rPr lang="en-US" sz="1800" dirty="0"/>
+              <a:t>false sharing </a:t>
+            </a:r>
+          </a:p>
+          <a:p>
+            <a:pPr lvl="1"/>
+            <a:r>
+              <a:rPr lang="en-US" sz="1800" dirty="0" smtClean="0"/>
+              <a:t>(Pay attention to the </a:t>
+            </a:r>
+            <a:r>
+              <a:rPr lang="en-US" sz="1800" dirty="0" err="1" smtClean="0"/>
+              <a:t>mutex</a:t>
+            </a:r>
+            <a:r>
+              <a:rPr lang="en-US" sz="1800" dirty="0" smtClean="0"/>
+              <a:t> false sharing problem, for </a:t>
+            </a:r>
+            <a:r>
+              <a:rPr lang="en-US" sz="1800" dirty="0" err="1" smtClean="0"/>
+              <a:t>e.g</a:t>
+            </a:r>
+            <a:r>
+              <a:rPr lang="en-US" sz="1800" dirty="0" smtClean="0"/>
+              <a:t>, when the </a:t>
+            </a:r>
+            <a:r>
+              <a:rPr lang="en-US" sz="1800" dirty="0" err="1" smtClean="0"/>
+              <a:t>mutex</a:t>
+            </a:r>
+            <a:r>
+              <a:rPr lang="en-US" sz="1800" dirty="0" smtClean="0"/>
+              <a:t> and the data items are close together in memory, when loading the </a:t>
+            </a:r>
+            <a:r>
+              <a:rPr lang="en-US" sz="1800" dirty="0" err="1" smtClean="0"/>
+              <a:t>mutex</a:t>
+            </a:r>
+            <a:r>
+              <a:rPr lang="en-US" sz="1800" dirty="0" smtClean="0"/>
+              <a:t>, the data items are also loaded into the same cache line. </a:t>
+            </a:r>
+            <a:r>
+              <a:rPr lang="en-US" sz="1800" dirty="0" err="1" smtClean="0"/>
+              <a:t>Mutex</a:t>
+            </a:r>
+            <a:r>
+              <a:rPr lang="en-US" sz="1800" dirty="0" smtClean="0"/>
+              <a:t> lock is read-modify-write operation which will cause the cache line invalidated. </a:t>
+            </a:r>
+            <a:r>
+              <a:rPr lang="en-US" sz="1800" dirty="0"/>
+              <a:t>One way to test whether this kind of false sharing is a problem is to add huge blocks of padding between the data elements that can be concurrently accessed by </a:t>
+            </a:r>
+            <a:r>
+              <a:rPr lang="en-US" sz="1800" dirty="0" err="1"/>
+              <a:t>dif</a:t>
+            </a:r>
+            <a:r>
+              <a:rPr lang="en-US" sz="1800" dirty="0"/>
+              <a:t>- </a:t>
+            </a:r>
+            <a:r>
+              <a:rPr lang="en-US" sz="1800" dirty="0" err="1"/>
+              <a:t>ferent</a:t>
+            </a:r>
+            <a:r>
+              <a:rPr lang="en-US" sz="1800" dirty="0"/>
+              <a:t> </a:t>
+            </a:r>
+            <a:r>
+              <a:rPr lang="en-US" sz="1800" dirty="0" smtClean="0"/>
+              <a:t>threads. For </a:t>
+            </a:r>
+            <a:r>
+              <a:rPr lang="en-US" sz="1800" dirty="0" err="1" smtClean="0"/>
+              <a:t>eg</a:t>
+            </a:r>
+            <a:r>
+              <a:rPr lang="en-US" sz="1800" dirty="0" smtClean="0"/>
+              <a:t>: </a:t>
+            </a:r>
+            <a:br>
+              <a:rPr lang="en-US" sz="1800" dirty="0" smtClean="0"/>
+            </a:br>
+            <a:r>
+              <a:rPr lang="en-US" sz="1800" dirty="0" err="1" smtClean="0"/>
+              <a:t>struct</a:t>
+            </a:r>
+            <a:r>
+              <a:rPr lang="en-US" sz="1800" dirty="0" smtClean="0"/>
+              <a:t> </a:t>
+            </a:r>
+            <a:r>
+              <a:rPr lang="en-US" sz="1800" dirty="0" err="1"/>
+              <a:t>protected_data</a:t>
+            </a:r>
+            <a:r>
+              <a:rPr lang="en-US" sz="1800" dirty="0"/>
+              <a:t> { </a:t>
+            </a:r>
+            <a:r>
+              <a:rPr lang="en-US" sz="1800" dirty="0" smtClean="0"/>
+              <a:t/>
+            </a:r>
+            <a:br>
+              <a:rPr lang="en-US" sz="1800" dirty="0" smtClean="0"/>
+            </a:br>
+            <a:r>
+              <a:rPr lang="en-US" sz="1800" dirty="0" smtClean="0"/>
+              <a:t>    </a:t>
+            </a:r>
+            <a:r>
+              <a:rPr lang="en-US" sz="1800" dirty="0" err="1" smtClean="0"/>
+              <a:t>std</a:t>
+            </a:r>
+            <a:r>
+              <a:rPr lang="en-US" sz="1800" dirty="0"/>
+              <a:t>::</a:t>
+            </a:r>
+            <a:r>
+              <a:rPr lang="en-US" sz="1800" dirty="0" err="1"/>
+              <a:t>mutex</a:t>
+            </a:r>
+            <a:r>
+              <a:rPr lang="en-US" sz="1800" dirty="0"/>
+              <a:t> m; </a:t>
+            </a:r>
+            <a:r>
+              <a:rPr lang="en-US" sz="1800" dirty="0" smtClean="0"/>
+              <a:t/>
+            </a:r>
+            <a:br>
+              <a:rPr lang="en-US" sz="1800" dirty="0" smtClean="0"/>
+            </a:br>
+            <a:r>
+              <a:rPr lang="en-US" sz="1800" dirty="0" smtClean="0"/>
+              <a:t>    </a:t>
+            </a:r>
+            <a:r>
+              <a:rPr lang="en-US" sz="1800" dirty="0" smtClean="0">
+                <a:solidFill>
+                  <a:srgbClr val="FF0000"/>
+                </a:solidFill>
+              </a:rPr>
+              <a:t>char </a:t>
+            </a:r>
+            <a:r>
+              <a:rPr lang="en-US" sz="1800" dirty="0">
+                <a:solidFill>
+                  <a:srgbClr val="FF0000"/>
+                </a:solidFill>
+              </a:rPr>
+              <a:t>padding[65536]</a:t>
+            </a:r>
+            <a:r>
+              <a:rPr lang="en-US" sz="1800" dirty="0"/>
+              <a:t>; </a:t>
+            </a:r>
+            <a:r>
+              <a:rPr lang="en-US" sz="1800" dirty="0" smtClean="0"/>
+              <a:t/>
+            </a:r>
+            <a:br>
+              <a:rPr lang="en-US" sz="1800" dirty="0" smtClean="0"/>
+            </a:br>
+            <a:r>
+              <a:rPr lang="en-US" sz="1800" dirty="0" smtClean="0"/>
+              <a:t>    </a:t>
+            </a:r>
+            <a:r>
+              <a:rPr lang="en-US" sz="1800" dirty="0" err="1" smtClean="0"/>
+              <a:t>my_data</a:t>
+            </a:r>
+            <a:r>
+              <a:rPr lang="en-US" sz="1800" dirty="0" smtClean="0"/>
+              <a:t> </a:t>
+            </a:r>
+            <a:r>
+              <a:rPr lang="en-US" sz="1800" dirty="0" err="1"/>
+              <a:t>data_to_protect</a:t>
+            </a:r>
+            <a:r>
+              <a:rPr lang="en-US" sz="1800" dirty="0"/>
+              <a:t>; </a:t>
+            </a:r>
+            <a:r>
+              <a:rPr lang="en-US" sz="1800" dirty="0" smtClean="0"/>
+              <a:t/>
+            </a:r>
+            <a:br>
+              <a:rPr lang="en-US" sz="1800" dirty="0" smtClean="0"/>
+            </a:br>
+            <a:r>
+              <a:rPr lang="en-US" sz="1800" dirty="0" smtClean="0"/>
+              <a:t>}</a:t>
+            </a:r>
+            <a:r>
+              <a:rPr lang="en-US" sz="1800" dirty="0"/>
+              <a:t>; </a:t>
+            </a:r>
+            <a:endParaRPr lang="en-US" sz="1800" dirty="0"/>
+          </a:p>
+          <a:p>
+            <a:pPr lvl="1"/>
+            <a:endParaRPr lang="en-US" sz="1800" dirty="0" smtClean="0"/>
+          </a:p>
+          <a:p>
+            <a:pPr lvl="1"/>
+            <a:endParaRPr lang="en-US" sz="1800" dirty="0"/>
+          </a:p>
+          <a:p>
+            <a:pPr lvl="1"/>
+            <a:endParaRPr lang="en-US" sz="1800" dirty="0" smtClean="0"/>
+          </a:p>
+          <a:p>
+            <a:pPr lvl="1"/>
+            <a:endParaRPr lang="en-US" sz="1800" dirty="0"/>
+          </a:p>
+          <a:p>
+            <a:pPr lvl="1"/>
+            <a:endParaRPr lang="en-US" sz="1800" dirty="0" smtClean="0"/>
+          </a:p>
+          <a:p>
+            <a:pPr lvl="1"/>
+            <a:endParaRPr lang="en-US" sz="1800" dirty="0"/>
+          </a:p>
+          <a:p>
+            <a:pPr lvl="1"/>
+            <a:endParaRPr lang="en-US" sz="1800" dirty="0"/>
+          </a:p>
+          <a:p>
+            <a:pPr lvl="1"/>
+            <a:endParaRPr lang="en-US" sz="1800" dirty="0"/>
+          </a:p>
+          <a:p>
+            <a:pPr lvl="1"/>
+            <a:endParaRPr lang="en-US" sz="1800" dirty="0"/>
+          </a:p>
+          <a:p>
+            <a:pPr lvl="1"/>
+            <a:endParaRPr lang="en-US" sz="1800" dirty="0"/>
+          </a:p>
+        </p:txBody>
+      </p:sp>
+    </p:spTree>
+    <p:extLst>
+      <p:ext uri="{BB962C8B-B14F-4D97-AF65-F5344CB8AC3E}">
+        <p14:creationId xmlns:p14="http://schemas.microsoft.com/office/powerpoint/2010/main" val="3420004058"/>
+      </p:ext>
+    </p:extLst>
+  </p:cSld>
+  <p:clrMapOvr>
+    <a:masterClrMapping/>
+  </p:clrMapOvr>
+  <p:timing>
+    <p:tnLst>
+      <p:par>
+        <p:cTn xmlns:p14="http://schemas.microsoft.com/office/powerpoint/2010/main" id="1" dur="indefinite" restart="never" nodeType="tmRoot"/>
+      </p:par>
+    </p:tnLst>
+  </p:timing>
+</p:sld>
+</file>
+
+<file path=ppt/slides/slide65.xml><?xml version="1.0" encoding="utf-8"?>
+<p:sld xmlns:a="http://schemas.openxmlformats.org/drawingml/2006/main" xmlns:r="http://schemas.openxmlformats.org/officeDocument/2006/relationships" xmlns:p="http://schemas.openxmlformats.org/presentationml/2006/main">
+  <p:cSld>
+    <p:spTree>
+      <p:nvGrpSpPr>
+        <p:cNvPr id="1" name=""/>
+        <p:cNvGrpSpPr/>
+        <p:nvPr/>
+      </p:nvGrpSpPr>
+      <p:grpSpPr>
+        <a:xfrm>
+          <a:off x="0" y="0"/>
+          <a:ext cx="0" cy="0"/>
+          <a:chOff x="0" y="0"/>
+          <a:chExt cx="0" cy="0"/>
+        </a:xfrm>
+      </p:grpSpPr>
+      <p:sp>
+        <p:nvSpPr>
+          <p:cNvPr id="2" name="Title 1"/>
+          <p:cNvSpPr>
+            <a:spLocks noGrp="1"/>
+          </p:cNvSpPr>
+          <p:nvPr>
+            <p:ph type="title"/>
+          </p:nvPr>
+        </p:nvSpPr>
+        <p:spPr/>
+        <p:txBody>
+          <a:bodyPr>
+            <a:normAutofit/>
+          </a:bodyPr>
+          <a:lstStyle/>
+          <a:p>
+            <a:r>
+              <a:rPr lang="en-US" dirty="0" smtClean="0"/>
+              <a:t>Designing concurrent code</a:t>
+            </a:r>
+            <a:endParaRPr lang="en-US" dirty="0"/>
+          </a:p>
+        </p:txBody>
+      </p:sp>
+      <p:sp>
+        <p:nvSpPr>
+          <p:cNvPr id="3" name="Content Placeholder 2"/>
+          <p:cNvSpPr>
+            <a:spLocks noGrp="1"/>
+          </p:cNvSpPr>
+          <p:nvPr>
+            <p:ph idx="1"/>
+          </p:nvPr>
+        </p:nvSpPr>
+        <p:spPr/>
+        <p:txBody>
+          <a:bodyPr>
+            <a:normAutofit/>
+          </a:bodyPr>
+          <a:lstStyle/>
+          <a:p>
+            <a:r>
+              <a:rPr lang="en-US" sz="2400" dirty="0"/>
+              <a:t>Additional considerations when designing for concurrency </a:t>
+            </a:r>
+            <a:endParaRPr lang="en-US" sz="2400" dirty="0" smtClean="0"/>
+          </a:p>
+          <a:p>
+            <a:pPr lvl="1"/>
+            <a:r>
+              <a:rPr lang="en-US" sz="1800" dirty="0"/>
+              <a:t>Exception safety in parallel algorithms </a:t>
+            </a:r>
+            <a:r>
+              <a:rPr lang="en-US" sz="1800" dirty="0" smtClean="0"/>
+              <a:t>(essential to C++, RAII is the solution)</a:t>
+            </a:r>
+          </a:p>
+          <a:p>
+            <a:pPr lvl="2"/>
+            <a:r>
+              <a:rPr lang="en-US" sz="1600" dirty="0" err="1" smtClean="0"/>
+              <a:t>async</a:t>
+            </a:r>
+            <a:endParaRPr lang="en-US" sz="1600" dirty="0"/>
+          </a:p>
+          <a:p>
+            <a:pPr lvl="2"/>
+            <a:r>
+              <a:rPr lang="en-US" sz="1600" dirty="0" err="1" smtClean="0"/>
+              <a:t>packaged_task</a:t>
+            </a:r>
+            <a:endParaRPr lang="en-US" sz="1600" dirty="0" smtClean="0"/>
+          </a:p>
+          <a:p>
+            <a:pPr lvl="1"/>
+            <a:r>
+              <a:rPr lang="en-US" sz="1800" dirty="0"/>
+              <a:t>Scalability and Amdahl’s law </a:t>
+            </a:r>
+            <a:r>
+              <a:rPr lang="en-US" sz="1800" dirty="0" smtClean="0"/>
+              <a:t>(</a:t>
+            </a:r>
+            <a:r>
+              <a:rPr lang="en-US" sz="1800" dirty="0" err="1" smtClean="0"/>
+              <a:t>fs</a:t>
+            </a:r>
+            <a:r>
+              <a:rPr lang="en-US" sz="1800" dirty="0" smtClean="0"/>
+              <a:t> is the serial part)</a:t>
+            </a:r>
+          </a:p>
+          <a:p>
+            <a:pPr lvl="1"/>
+            <a:endParaRPr lang="en-US" sz="1800" dirty="0"/>
+          </a:p>
+          <a:p>
+            <a:pPr lvl="1"/>
+            <a:endParaRPr lang="en-US" sz="1800" dirty="0" smtClean="0"/>
+          </a:p>
+          <a:p>
+            <a:pPr lvl="1"/>
+            <a:endParaRPr lang="en-US" sz="1800" dirty="0"/>
+          </a:p>
+          <a:p>
+            <a:pPr lvl="1"/>
+            <a:r>
+              <a:rPr lang="en-US" sz="1800" dirty="0"/>
+              <a:t>Hiding latency with multiple threads </a:t>
+            </a:r>
+            <a:endParaRPr lang="en-US" sz="1800" dirty="0" smtClean="0"/>
+          </a:p>
+          <a:p>
+            <a:pPr lvl="2"/>
+            <a:r>
+              <a:rPr lang="en-US" sz="1600" dirty="0" smtClean="0"/>
+              <a:t>Try best to avoid the thread is blocking with doing nothing</a:t>
+            </a:r>
+          </a:p>
+          <a:p>
+            <a:pPr lvl="2"/>
+            <a:r>
+              <a:rPr lang="en-US" sz="1600" dirty="0" smtClean="0"/>
+              <a:t>(1) Running </a:t>
+            </a:r>
+            <a:r>
+              <a:rPr lang="en-US" sz="1600" dirty="0"/>
+              <a:t>one or more additional thread </a:t>
+            </a:r>
+            <a:r>
+              <a:rPr lang="en-US" sz="1600" dirty="0" smtClean="0"/>
+              <a:t>(when we are blocking for </a:t>
+            </a:r>
+            <a:r>
+              <a:rPr lang="en-US" sz="1600" dirty="0" err="1" smtClean="0"/>
+              <a:t>sth</a:t>
+            </a:r>
+            <a:r>
+              <a:rPr lang="en-US" sz="1600" dirty="0" smtClean="0"/>
+              <a:t>.) or</a:t>
+            </a:r>
+          </a:p>
+          <a:p>
+            <a:pPr lvl="2"/>
+            <a:r>
+              <a:rPr lang="en-US" sz="1600" dirty="0" smtClean="0"/>
+              <a:t>(2) Without spawning additional threads, the waiting thread itself does the work</a:t>
+            </a:r>
+            <a:endParaRPr lang="en-US" sz="1600" dirty="0"/>
+          </a:p>
+          <a:p>
+            <a:pPr lvl="2"/>
+            <a:endParaRPr lang="en-US" sz="1600" dirty="0"/>
+          </a:p>
+          <a:p>
+            <a:pPr lvl="1"/>
+            <a:endParaRPr lang="en-US" sz="1800" dirty="0" smtClean="0"/>
+          </a:p>
+          <a:p>
+            <a:pPr lvl="1"/>
+            <a:endParaRPr lang="en-US" sz="1800" dirty="0"/>
+          </a:p>
+          <a:p>
+            <a:pPr lvl="1"/>
+            <a:endParaRPr lang="en-US" sz="1800" dirty="0" smtClean="0"/>
+          </a:p>
+          <a:p>
+            <a:pPr lvl="1"/>
+            <a:endParaRPr lang="en-US" sz="1800" dirty="0"/>
+          </a:p>
+          <a:p>
+            <a:pPr lvl="1"/>
+            <a:endParaRPr lang="en-US" sz="1800" dirty="0" smtClean="0"/>
+          </a:p>
+          <a:p>
+            <a:pPr lvl="1"/>
+            <a:endParaRPr lang="en-US" sz="1800" dirty="0"/>
+          </a:p>
+          <a:p>
+            <a:pPr lvl="1"/>
+            <a:endParaRPr lang="en-US" sz="1800" dirty="0" smtClean="0"/>
+          </a:p>
+          <a:p>
+            <a:pPr lvl="1"/>
+            <a:endParaRPr lang="en-US" sz="1800" dirty="0"/>
+          </a:p>
+          <a:p>
+            <a:pPr lvl="1"/>
+            <a:endParaRPr lang="en-US" sz="1800" dirty="0"/>
+          </a:p>
+          <a:p>
+            <a:pPr lvl="1"/>
+            <a:endParaRPr lang="en-US" sz="1800" dirty="0"/>
+          </a:p>
+          <a:p>
+            <a:pPr lvl="1"/>
+            <a:endParaRPr lang="en-US" sz="1800" dirty="0"/>
+          </a:p>
+          <a:p>
+            <a:pPr lvl="1"/>
+            <a:endParaRPr lang="en-US" sz="1800" dirty="0"/>
+          </a:p>
+        </p:txBody>
+      </p:sp>
+      <p:pic>
+        <p:nvPicPr>
+          <p:cNvPr id="4" name="Picture 3" descr="Screen Shot 2014-03-15 at 4.08.30 PM.png"/>
+          <p:cNvPicPr>
+            <a:picLocks noChangeAspect="1"/>
+          </p:cNvPicPr>
+          <p:nvPr/>
+        </p:nvPicPr>
+        <p:blipFill>
+          <a:blip r:embed="rId3">
+            <a:extLst>
+              <a:ext uri="{28A0092B-C50C-407E-A947-70E740481C1C}">
+                <a14:useLocalDpi xmlns:a14="http://schemas.microsoft.com/office/drawing/2010/main" val="0"/>
+              </a:ext>
+            </a:extLst>
+          </a:blip>
+          <a:stretch>
+            <a:fillRect/>
+          </a:stretch>
+        </p:blipFill>
+        <p:spPr>
+          <a:xfrm>
+            <a:off x="1879600" y="3340100"/>
+            <a:ext cx="1536700" cy="863600"/>
+          </a:xfrm>
+          <a:prstGeom prst="rect">
+            <a:avLst/>
+          </a:prstGeom>
+        </p:spPr>
+      </p:pic>
+    </p:spTree>
+    <p:extLst>
+      <p:ext uri="{BB962C8B-B14F-4D97-AF65-F5344CB8AC3E}">
+        <p14:creationId xmlns:p14="http://schemas.microsoft.com/office/powerpoint/2010/main" val="4154984688"/>
+      </p:ext>
+    </p:extLst>
+  </p:cSld>
+  <p:clrMapOvr>
+    <a:masterClrMapping/>
+  </p:clrMapOvr>
+  <p:timing>
+    <p:tnLst>
+      <p:par>
+        <p:cTn xmlns:p14="http://schemas.microsoft.com/office/powerpoint/2010/main" id="1" dur="indefinite" restart="never" nodeType="tmRoot"/>
+      </p:par>
+    </p:tnLst>
+  </p:timing>
+</p:sld>
+</file>
+
+<file path=ppt/slides/slide66.xml><?xml version="1.0" encoding="utf-8"?>
+<p:sld xmlns:a="http://schemas.openxmlformats.org/drawingml/2006/main" xmlns:r="http://schemas.openxmlformats.org/officeDocument/2006/relationships" xmlns:p="http://schemas.openxmlformats.org/presentationml/2006/main">
+  <p:cSld>
+    <p:spTree>
+      <p:nvGrpSpPr>
+        <p:cNvPr id="1" name=""/>
+        <p:cNvGrpSpPr/>
+        <p:nvPr/>
+      </p:nvGrpSpPr>
+      <p:grpSpPr>
+        <a:xfrm>
+          <a:off x="0" y="0"/>
+          <a:ext cx="0" cy="0"/>
+          <a:chOff x="0" y="0"/>
+          <a:chExt cx="0" cy="0"/>
+        </a:xfrm>
+      </p:grpSpPr>
+      <p:sp>
+        <p:nvSpPr>
+          <p:cNvPr id="2" name="Title 1"/>
+          <p:cNvSpPr>
+            <a:spLocks noGrp="1"/>
+          </p:cNvSpPr>
+          <p:nvPr>
+            <p:ph type="title"/>
+          </p:nvPr>
+        </p:nvSpPr>
+        <p:spPr/>
+        <p:txBody>
+          <a:bodyPr>
+            <a:normAutofit/>
+          </a:bodyPr>
+          <a:lstStyle/>
+          <a:p>
+            <a:r>
+              <a:rPr lang="en-US" dirty="0" smtClean="0"/>
+              <a:t>Advanced thread management</a:t>
+            </a:r>
+            <a:endParaRPr lang="en-US" dirty="0"/>
+          </a:p>
+        </p:txBody>
+      </p:sp>
+      <p:sp>
+        <p:nvSpPr>
+          <p:cNvPr id="3" name="Content Placeholder 2"/>
+          <p:cNvSpPr>
+            <a:spLocks noGrp="1"/>
+          </p:cNvSpPr>
+          <p:nvPr>
+            <p:ph idx="1"/>
+          </p:nvPr>
+        </p:nvSpPr>
+        <p:spPr/>
+        <p:txBody>
+          <a:bodyPr>
+            <a:normAutofit/>
+          </a:bodyPr>
+          <a:lstStyle/>
+          <a:p>
+            <a:r>
+              <a:rPr lang="en-US" sz="2400" dirty="0" smtClean="0"/>
+              <a:t>Thread pool (design consideration)</a:t>
+            </a:r>
+          </a:p>
+          <a:p>
+            <a:pPr lvl="1"/>
+            <a:r>
+              <a:rPr lang="en-US" sz="1800" dirty="0"/>
+              <a:t>Waiting for tasks submitted to a thread pool </a:t>
+            </a:r>
+            <a:r>
+              <a:rPr lang="en-US" sz="1800" dirty="0" smtClean="0"/>
+              <a:t>(return “future” when submitting task)</a:t>
+            </a:r>
+            <a:endParaRPr lang="en-US" sz="1800" dirty="0"/>
+          </a:p>
+          <a:p>
+            <a:pPr lvl="1"/>
+            <a:r>
+              <a:rPr lang="en-US" sz="1800" dirty="0"/>
+              <a:t>Tasks that wait for other tasks </a:t>
+            </a:r>
+            <a:endParaRPr lang="en-US" sz="1800" dirty="0" smtClean="0"/>
+          </a:p>
+          <a:p>
+            <a:pPr lvl="1"/>
+            <a:r>
+              <a:rPr lang="en-US" sz="1800" dirty="0"/>
+              <a:t>Avoiding contention on the work </a:t>
+            </a:r>
+            <a:r>
+              <a:rPr lang="en-US" sz="1800" dirty="0" smtClean="0"/>
+              <a:t>queue</a:t>
+            </a:r>
+          </a:p>
+          <a:p>
+            <a:pPr lvl="2"/>
+            <a:r>
+              <a:rPr lang="en-US" sz="1600" dirty="0" smtClean="0"/>
+              <a:t>global queue + thread specific queue and thread fetch jobs from thread queue, or global queue, or stealing job from other thread queue</a:t>
+            </a:r>
+            <a:endParaRPr lang="en-US" sz="1600" dirty="0"/>
+          </a:p>
+          <a:p>
+            <a:r>
+              <a:rPr lang="en-US" sz="2200" dirty="0" smtClean="0"/>
+              <a:t>Interrupting threads</a:t>
+            </a:r>
+          </a:p>
+          <a:p>
+            <a:pPr lvl="1"/>
+            <a:r>
+              <a:rPr lang="en-US" sz="1800" dirty="0" smtClean="0"/>
+              <a:t>Insert interruption point into (while loop) code</a:t>
+            </a:r>
+          </a:p>
+          <a:p>
+            <a:pPr lvl="1"/>
+            <a:r>
+              <a:rPr lang="en-US" sz="1800" dirty="0" smtClean="0"/>
+              <a:t>Interrupting a condition variable wait</a:t>
+            </a:r>
+          </a:p>
+          <a:p>
+            <a:pPr lvl="1"/>
+            <a:r>
+              <a:rPr lang="en-US" sz="1800" dirty="0" smtClean="0"/>
+              <a:t>Interrupting a wait on </a:t>
+            </a:r>
+            <a:r>
+              <a:rPr lang="en-US" sz="1800" dirty="0" err="1" smtClean="0"/>
+              <a:t>condition_variable_any</a:t>
+            </a:r>
+            <a:endParaRPr lang="en-US" sz="1800" dirty="0" smtClean="0"/>
+          </a:p>
+          <a:p>
+            <a:pPr lvl="1"/>
+            <a:r>
+              <a:rPr lang="en-US" sz="1800" dirty="0" smtClean="0"/>
+              <a:t>Interrupting other blocking calls (with timeout option)</a:t>
+            </a:r>
+            <a:endParaRPr lang="en-US" sz="1800" dirty="0"/>
+          </a:p>
+          <a:p>
+            <a:pPr lvl="1"/>
+            <a:endParaRPr lang="en-US" sz="1800" dirty="0" smtClean="0"/>
+          </a:p>
+          <a:p>
+            <a:pPr lvl="2"/>
+            <a:endParaRPr lang="en-US" sz="1600" dirty="0"/>
+          </a:p>
+          <a:p>
+            <a:pPr lvl="1"/>
+            <a:endParaRPr lang="en-US" sz="1800" dirty="0" smtClean="0"/>
+          </a:p>
+          <a:p>
+            <a:pPr lvl="1"/>
+            <a:endParaRPr lang="en-US" sz="1800" dirty="0"/>
+          </a:p>
+          <a:p>
+            <a:pPr lvl="1"/>
+            <a:endParaRPr lang="en-US" sz="1800" dirty="0" smtClean="0"/>
+          </a:p>
+          <a:p>
+            <a:pPr lvl="1"/>
+            <a:endParaRPr lang="en-US" sz="1800" dirty="0"/>
+          </a:p>
+          <a:p>
+            <a:pPr lvl="1"/>
+            <a:endParaRPr lang="en-US" sz="1800" dirty="0" smtClean="0"/>
+          </a:p>
+          <a:p>
+            <a:pPr lvl="1"/>
+            <a:endParaRPr lang="en-US" sz="1800" dirty="0"/>
+          </a:p>
+          <a:p>
+            <a:pPr lvl="1"/>
+            <a:endParaRPr lang="en-US" sz="1800" dirty="0" smtClean="0"/>
+          </a:p>
+          <a:p>
+            <a:pPr lvl="1"/>
+            <a:endParaRPr lang="en-US" sz="1800" dirty="0"/>
+          </a:p>
+          <a:p>
+            <a:pPr lvl="1"/>
+            <a:endParaRPr lang="en-US" sz="1800" dirty="0"/>
+          </a:p>
+          <a:p>
+            <a:pPr lvl="1"/>
+            <a:endParaRPr lang="en-US" sz="1800" dirty="0"/>
+          </a:p>
+          <a:p>
+            <a:pPr lvl="1"/>
+            <a:endParaRPr lang="en-US" sz="1800" dirty="0"/>
+          </a:p>
+          <a:p>
+            <a:pPr lvl="1"/>
+            <a:endParaRPr lang="en-US" sz="1800" dirty="0"/>
+          </a:p>
+        </p:txBody>
+      </p:sp>
+    </p:spTree>
+    <p:extLst>
+      <p:ext uri="{BB962C8B-B14F-4D97-AF65-F5344CB8AC3E}">
+        <p14:creationId xmlns:p14="http://schemas.microsoft.com/office/powerpoint/2010/main" val="488174352"/>
+      </p:ext>
+    </p:extLst>
+  </p:cSld>
+  <p:clrMapOvr>
+    <a:masterClrMapping/>
+  </p:clrMapOvr>
+  <p:timing>
+    <p:tnLst>
+      <p:par>
+        <p:cTn xmlns:p14="http://schemas.microsoft.com/office/powerpoint/2010/main" id="1" dur="indefinite" restart="never" nodeType="tmRoot"/>
+      </p:par>
+    </p:tnLst>
+  </p:timing>
+</p:sld>
+</file>
+
+<file path=ppt/slides/slide67.xml><?xml version="1.0" encoding="utf-8"?>
+<p:sld xmlns:a="http://schemas.openxmlformats.org/drawingml/2006/main" xmlns:r="http://schemas.openxmlformats.org/officeDocument/2006/relationships" xmlns:p="http://schemas.openxmlformats.org/presentationml/2006/main">
+  <p:cSld>
+    <p:spTree>
+      <p:nvGrpSpPr>
+        <p:cNvPr id="1" name=""/>
+        <p:cNvGrpSpPr/>
+        <p:nvPr/>
+      </p:nvGrpSpPr>
+      <p:grpSpPr>
+        <a:xfrm>
+          <a:off x="0" y="0"/>
+          <a:ext cx="0" cy="0"/>
+          <a:chOff x="0" y="0"/>
+          <a:chExt cx="0" cy="0"/>
+        </a:xfrm>
+      </p:grpSpPr>
+      <p:sp>
+        <p:nvSpPr>
+          <p:cNvPr id="2" name="Title 1"/>
+          <p:cNvSpPr>
+            <a:spLocks noGrp="1"/>
+          </p:cNvSpPr>
+          <p:nvPr>
+            <p:ph type="title"/>
+          </p:nvPr>
+        </p:nvSpPr>
+        <p:spPr/>
+        <p:txBody>
+          <a:bodyPr>
+            <a:normAutofit/>
+          </a:bodyPr>
+          <a:lstStyle/>
+          <a:p>
+            <a:r>
+              <a:rPr lang="en-US" dirty="0"/>
+              <a:t>Testing and debugging </a:t>
+            </a:r>
+            <a:endParaRPr lang="en-US" dirty="0"/>
+          </a:p>
+        </p:txBody>
+      </p:sp>
+      <p:sp>
+        <p:nvSpPr>
+          <p:cNvPr id="3" name="Content Placeholder 2"/>
+          <p:cNvSpPr>
+            <a:spLocks noGrp="1"/>
+          </p:cNvSpPr>
+          <p:nvPr>
+            <p:ph idx="1"/>
+          </p:nvPr>
+        </p:nvSpPr>
+        <p:spPr/>
+        <p:txBody>
+          <a:bodyPr>
+            <a:normAutofit/>
+          </a:bodyPr>
+          <a:lstStyle/>
+          <a:p>
+            <a:r>
+              <a:rPr lang="en-US" sz="2400" dirty="0" smtClean="0"/>
+              <a:t>Bugs</a:t>
+            </a:r>
+          </a:p>
+          <a:p>
+            <a:pPr lvl="1"/>
+            <a:r>
+              <a:rPr lang="en-US" sz="1800" dirty="0" smtClean="0"/>
+              <a:t>Race conditions</a:t>
+            </a:r>
+          </a:p>
+          <a:p>
+            <a:pPr lvl="2"/>
+            <a:r>
+              <a:rPr lang="en-US" sz="1400" dirty="0" smtClean="0"/>
+              <a:t>Data races</a:t>
+            </a:r>
+          </a:p>
+          <a:p>
+            <a:pPr lvl="2"/>
+            <a:r>
+              <a:rPr lang="en-US" sz="1400" dirty="0" smtClean="0"/>
+              <a:t>Broken invariants: dangling pointers, random memory corruption, double free</a:t>
+            </a:r>
+          </a:p>
+          <a:p>
+            <a:pPr lvl="2"/>
+            <a:r>
+              <a:rPr lang="en-US" sz="1400" dirty="0" err="1" smtClean="0"/>
+              <a:t>Lifttime</a:t>
+            </a:r>
+            <a:r>
+              <a:rPr lang="en-US" sz="1400" dirty="0" smtClean="0"/>
+              <a:t> issues</a:t>
+            </a:r>
+          </a:p>
+          <a:p>
+            <a:pPr lvl="1"/>
+            <a:r>
+              <a:rPr lang="en-US" sz="1800" dirty="0" smtClean="0"/>
+              <a:t>Unwanted blocking</a:t>
+            </a:r>
+          </a:p>
+          <a:p>
+            <a:pPr lvl="2"/>
+            <a:r>
+              <a:rPr lang="en-US" sz="1600" dirty="0" smtClean="0"/>
+              <a:t>Dead lock</a:t>
+            </a:r>
+          </a:p>
+          <a:p>
+            <a:pPr lvl="2"/>
+            <a:r>
+              <a:rPr lang="en-US" sz="1600" dirty="0" smtClean="0"/>
+              <a:t>Live lock (which is </a:t>
+            </a:r>
+            <a:r>
+              <a:rPr lang="en-US" sz="1600" dirty="0"/>
+              <a:t>similar to deadlock in that one thread is waiting for another, which is in turn waiting for the first. The key difference here is that the wait is not a blocking wait but an active checking loop, such as a spin </a:t>
+            </a:r>
+            <a:r>
+              <a:rPr lang="en-US" sz="1600" dirty="0" smtClean="0"/>
+              <a:t>lock)</a:t>
+            </a:r>
+          </a:p>
+          <a:p>
+            <a:pPr lvl="2"/>
+            <a:r>
+              <a:rPr lang="en-US" sz="1600" dirty="0"/>
+              <a:t>Blocking on I/O or other external input </a:t>
+            </a:r>
+          </a:p>
+          <a:p>
+            <a:pPr lvl="2"/>
+            <a:endParaRPr lang="en-US" sz="1600" dirty="0" smtClean="0"/>
+          </a:p>
+          <a:p>
+            <a:pPr marL="457200" lvl="1" indent="0">
+              <a:buNone/>
+            </a:pPr>
+            <a:endParaRPr lang="en-US" sz="1800" dirty="0"/>
+          </a:p>
+          <a:p>
+            <a:pPr lvl="1"/>
+            <a:endParaRPr lang="en-US" sz="1800" dirty="0"/>
+          </a:p>
+        </p:txBody>
+      </p:sp>
+    </p:spTree>
+    <p:extLst>
+      <p:ext uri="{BB962C8B-B14F-4D97-AF65-F5344CB8AC3E}">
+        <p14:creationId xmlns:p14="http://schemas.microsoft.com/office/powerpoint/2010/main" val="2213138590"/>
+      </p:ext>
+    </p:extLst>
+  </p:cSld>
+  <p:clrMapOvr>
+    <a:masterClrMapping/>
+  </p:clrMapOvr>
+  <p:timing>
+    <p:tnLst>
+      <p:par>
+        <p:cTn xmlns:p14="http://schemas.microsoft.com/office/powerpoint/2010/main" id="1" dur="indefinite" restart="never" nodeType="tmRoot"/>
+      </p:par>
+    </p:tnLst>
+  </p:timing>
+</p:sld>
+</file>
+
+<file path=ppt/slides/slide68.xml><?xml version="1.0" encoding="utf-8"?>
+<p:sld xmlns:a="http://schemas.openxmlformats.org/drawingml/2006/main" xmlns:r="http://schemas.openxmlformats.org/officeDocument/2006/relationships" xmlns:p="http://schemas.openxmlformats.org/presentationml/2006/main">
+  <p:cSld>
+    <p:spTree>
+      <p:nvGrpSpPr>
+        <p:cNvPr id="1" name=""/>
+        <p:cNvGrpSpPr/>
+        <p:nvPr/>
+      </p:nvGrpSpPr>
+      <p:grpSpPr>
+        <a:xfrm>
+          <a:off x="0" y="0"/>
+          <a:ext cx="0" cy="0"/>
+          <a:chOff x="0" y="0"/>
+          <a:chExt cx="0" cy="0"/>
+        </a:xfrm>
+      </p:grpSpPr>
+      <p:sp>
+        <p:nvSpPr>
+          <p:cNvPr id="2" name="Title 1"/>
+          <p:cNvSpPr>
+            <a:spLocks noGrp="1"/>
+          </p:cNvSpPr>
+          <p:nvPr>
+            <p:ph type="title"/>
+          </p:nvPr>
+        </p:nvSpPr>
+        <p:spPr/>
+        <p:txBody>
+          <a:bodyPr>
+            <a:normAutofit/>
+          </a:bodyPr>
+          <a:lstStyle/>
+          <a:p>
+            <a:r>
+              <a:rPr lang="en-US" dirty="0"/>
+              <a:t>Testing and debugging </a:t>
+            </a:r>
+            <a:endParaRPr lang="en-US" dirty="0"/>
+          </a:p>
+        </p:txBody>
+      </p:sp>
+      <p:sp>
+        <p:nvSpPr>
+          <p:cNvPr id="3" name="Content Placeholder 2"/>
+          <p:cNvSpPr>
+            <a:spLocks noGrp="1"/>
+          </p:cNvSpPr>
+          <p:nvPr>
+            <p:ph idx="1"/>
+          </p:nvPr>
+        </p:nvSpPr>
+        <p:spPr/>
+        <p:txBody>
+          <a:bodyPr>
+            <a:normAutofit/>
+          </a:bodyPr>
+          <a:lstStyle/>
+          <a:p>
+            <a:r>
+              <a:rPr lang="en-US" sz="2800" dirty="0"/>
+              <a:t>Techniques for locating concurrency-related bugs </a:t>
+            </a:r>
+            <a:endParaRPr lang="en-US" sz="2800" dirty="0" smtClean="0"/>
+          </a:p>
+          <a:p>
+            <a:pPr lvl="1"/>
+            <a:r>
+              <a:rPr lang="en-US" sz="1900" dirty="0"/>
+              <a:t>Reviewing code to locate potential bugs</a:t>
+            </a:r>
+            <a:r>
+              <a:rPr lang="en-US" sz="1900" b="1" i="1" dirty="0"/>
+              <a:t> </a:t>
+            </a:r>
+            <a:endParaRPr lang="en-US" sz="1900" dirty="0"/>
+          </a:p>
+          <a:p>
+            <a:pPr lvl="2"/>
+            <a:r>
+              <a:rPr lang="en-US" sz="1700" dirty="0"/>
+              <a:t>Which data needs to be protected from concurrent access? </a:t>
+            </a:r>
+            <a:endParaRPr lang="en-US" sz="1700" dirty="0" smtClean="0"/>
+          </a:p>
+          <a:p>
+            <a:pPr lvl="2"/>
+            <a:r>
+              <a:rPr lang="en-US" sz="1700" dirty="0" smtClean="0"/>
+              <a:t>How </a:t>
+            </a:r>
+            <a:r>
+              <a:rPr lang="en-US" sz="1700" dirty="0"/>
+              <a:t>do you ensure that the data is protected? </a:t>
+            </a:r>
+            <a:endParaRPr lang="en-US" sz="1700" dirty="0"/>
+          </a:p>
+          <a:p>
+            <a:pPr lvl="2"/>
+            <a:r>
+              <a:rPr lang="en-US" sz="1700" dirty="0" smtClean="0"/>
+              <a:t>Where </a:t>
+            </a:r>
+            <a:r>
+              <a:rPr lang="en-US" sz="1700" dirty="0"/>
+              <a:t>in the code could other threads be at this time? </a:t>
+            </a:r>
+            <a:endParaRPr lang="en-US" sz="1700" dirty="0"/>
+          </a:p>
+          <a:p>
+            <a:pPr lvl="2"/>
+            <a:r>
+              <a:rPr lang="en-US" sz="1700" dirty="0" smtClean="0"/>
+              <a:t>Which </a:t>
+            </a:r>
+            <a:r>
+              <a:rPr lang="en-US" sz="1700" dirty="0" err="1"/>
+              <a:t>mutexes</a:t>
+            </a:r>
+            <a:r>
+              <a:rPr lang="en-US" sz="1700" dirty="0"/>
+              <a:t> does this thread hold? </a:t>
+            </a:r>
+            <a:endParaRPr lang="en-US" sz="1700" dirty="0"/>
+          </a:p>
+          <a:p>
+            <a:pPr lvl="2"/>
+            <a:r>
+              <a:rPr lang="en-US" sz="1700" dirty="0" smtClean="0"/>
+              <a:t>Which </a:t>
+            </a:r>
+            <a:r>
+              <a:rPr lang="en-US" sz="1700" dirty="0" err="1"/>
+              <a:t>mutexes</a:t>
+            </a:r>
+            <a:r>
+              <a:rPr lang="en-US" sz="1700" dirty="0"/>
+              <a:t> might other threads hold? </a:t>
+            </a:r>
+            <a:endParaRPr lang="en-US" sz="1700" dirty="0"/>
+          </a:p>
+          <a:p>
+            <a:pPr lvl="2"/>
+            <a:r>
+              <a:rPr lang="en-US" sz="1700" dirty="0" smtClean="0"/>
+              <a:t>Are </a:t>
+            </a:r>
+            <a:r>
+              <a:rPr lang="en-US" sz="1700" dirty="0"/>
+              <a:t>there any ordering requirements between the operations done in this </a:t>
+            </a:r>
+            <a:r>
+              <a:rPr lang="en-US" sz="1700" dirty="0" smtClean="0"/>
+              <a:t>thread </a:t>
+            </a:r>
+            <a:r>
+              <a:rPr lang="en-US" sz="1700" dirty="0"/>
+              <a:t>and those done in another? How are those requirements enforced? </a:t>
+            </a:r>
+            <a:endParaRPr lang="en-US" sz="1700" dirty="0"/>
+          </a:p>
+          <a:p>
+            <a:pPr lvl="2"/>
+            <a:r>
+              <a:rPr lang="en-US" sz="1700" dirty="0" smtClean="0"/>
+              <a:t>Is </a:t>
+            </a:r>
+            <a:r>
+              <a:rPr lang="en-US" sz="1700" dirty="0"/>
+              <a:t>the data loaded by this thread still valid? Could it have been modified </a:t>
+            </a:r>
+            <a:r>
+              <a:rPr lang="en-US" sz="1700" dirty="0" smtClean="0"/>
+              <a:t>by other </a:t>
+            </a:r>
+            <a:r>
+              <a:rPr lang="en-US" sz="1700" dirty="0"/>
+              <a:t>threads? </a:t>
+            </a:r>
+            <a:r>
+              <a:rPr lang="en-US" sz="1700" dirty="0"/>
+              <a:t> </a:t>
+            </a:r>
+            <a:endParaRPr lang="en-US" sz="1700" dirty="0" smtClean="0"/>
+          </a:p>
+          <a:p>
+            <a:pPr lvl="2"/>
+            <a:r>
+              <a:rPr lang="en-US" sz="1700" dirty="0" smtClean="0"/>
+              <a:t>If </a:t>
+            </a:r>
+            <a:r>
+              <a:rPr lang="en-US" sz="1700" dirty="0"/>
+              <a:t>you assume that another thread could be modifying the data, what would that </a:t>
+            </a:r>
+            <a:r>
+              <a:rPr lang="en-US" sz="1700" dirty="0" smtClean="0"/>
+              <a:t>mean </a:t>
+            </a:r>
+            <a:r>
+              <a:rPr lang="en-US" sz="1700" dirty="0"/>
+              <a:t>and how could you ensure that this never happens</a:t>
+            </a:r>
+            <a:r>
+              <a:rPr lang="en-US" sz="1700" dirty="0" smtClean="0"/>
+              <a:t>?</a:t>
+            </a:r>
+            <a:endParaRPr lang="en-US" sz="1700" dirty="0"/>
+          </a:p>
+          <a:p>
+            <a:pPr lvl="1"/>
+            <a:endParaRPr lang="en-US" sz="2100" dirty="0"/>
+          </a:p>
+        </p:txBody>
+      </p:sp>
+    </p:spTree>
+    <p:extLst>
+      <p:ext uri="{BB962C8B-B14F-4D97-AF65-F5344CB8AC3E}">
+        <p14:creationId xmlns:p14="http://schemas.microsoft.com/office/powerpoint/2010/main" val="3679795585"/>
+      </p:ext>
+    </p:extLst>
+  </p:cSld>
+  <p:clrMapOvr>
+    <a:masterClrMapping/>
+  </p:clrMapOvr>
+  <p:timing>
+    <p:tnLst>
+      <p:par>
+        <p:cTn xmlns:p14="http://schemas.microsoft.com/office/powerpoint/2010/main" id="1" dur="indefinite" restart="never" nodeType="tmRoot"/>
+      </p:par>
+    </p:tnLst>
+  </p:timing>
+</p:sld>
+</file>
+
+<file path=ppt/slides/slide69.xml><?xml version="1.0" encoding="utf-8"?>
+<p:sld xmlns:a="http://schemas.openxmlformats.org/drawingml/2006/main" xmlns:r="http://schemas.openxmlformats.org/officeDocument/2006/relationships" xmlns:p="http://schemas.openxmlformats.org/presentationml/2006/main">
+  <p:cSld>
+    <p:spTree>
+      <p:nvGrpSpPr>
+        <p:cNvPr id="1" name=""/>
+        <p:cNvGrpSpPr/>
+        <p:nvPr/>
+      </p:nvGrpSpPr>
+      <p:grpSpPr>
+        <a:xfrm>
+          <a:off x="0" y="0"/>
+          <a:ext cx="0" cy="0"/>
+          <a:chOff x="0" y="0"/>
+          <a:chExt cx="0" cy="0"/>
+        </a:xfrm>
+      </p:grpSpPr>
+      <p:sp>
+        <p:nvSpPr>
+          <p:cNvPr id="2" name="Title 1"/>
+          <p:cNvSpPr>
+            <a:spLocks noGrp="1"/>
+          </p:cNvSpPr>
+          <p:nvPr>
+            <p:ph type="title"/>
+          </p:nvPr>
+        </p:nvSpPr>
+        <p:spPr/>
+        <p:txBody>
+          <a:bodyPr>
+            <a:normAutofit/>
+          </a:bodyPr>
+          <a:lstStyle/>
+          <a:p>
+            <a:r>
+              <a:rPr lang="en-US" dirty="0"/>
+              <a:t>Testing and debugging </a:t>
+            </a:r>
+            <a:endParaRPr lang="en-US" dirty="0"/>
+          </a:p>
+        </p:txBody>
+      </p:sp>
+      <p:sp>
+        <p:nvSpPr>
+          <p:cNvPr id="3" name="Content Placeholder 2"/>
+          <p:cNvSpPr>
+            <a:spLocks noGrp="1"/>
+          </p:cNvSpPr>
+          <p:nvPr>
+            <p:ph idx="1"/>
+          </p:nvPr>
+        </p:nvSpPr>
+        <p:spPr/>
+        <p:txBody>
+          <a:bodyPr>
+            <a:normAutofit/>
+          </a:bodyPr>
+          <a:lstStyle/>
+          <a:p>
+            <a:r>
+              <a:rPr lang="en-US" sz="2400" dirty="0"/>
+              <a:t>Techniques for locating concurrency-related bugs </a:t>
+            </a:r>
+            <a:endParaRPr lang="en-US" sz="2400" dirty="0" smtClean="0"/>
+          </a:p>
+          <a:p>
+            <a:pPr lvl="1"/>
+            <a:r>
+              <a:rPr lang="en-US" sz="1900" dirty="0" smtClean="0"/>
+              <a:t>Testing</a:t>
+            </a:r>
+          </a:p>
+          <a:p>
+            <a:pPr lvl="1"/>
+            <a:r>
+              <a:rPr lang="en-US" sz="1900" dirty="0"/>
+              <a:t>Designing for </a:t>
+            </a:r>
+            <a:r>
+              <a:rPr lang="en-US" sz="1900" dirty="0" smtClean="0"/>
+              <a:t>testability</a:t>
+            </a:r>
+          </a:p>
+          <a:p>
+            <a:pPr lvl="2"/>
+            <a:r>
+              <a:rPr lang="en-US" sz="1600" dirty="0"/>
+              <a:t>The responsibilities of each function and class are clear. </a:t>
+            </a:r>
+          </a:p>
+          <a:p>
+            <a:pPr lvl="2"/>
+            <a:r>
+              <a:rPr lang="en-US" sz="1600" dirty="0"/>
+              <a:t>The functions are short and to the point. </a:t>
+            </a:r>
+          </a:p>
+          <a:p>
+            <a:pPr lvl="2"/>
+            <a:r>
+              <a:rPr lang="en-US" sz="1600" dirty="0"/>
+              <a:t>Your tests can take complete control of the environment surrounding the code </a:t>
+            </a:r>
+            <a:r>
+              <a:rPr lang="en-US" sz="1600" dirty="0" smtClean="0"/>
+              <a:t>being </a:t>
+            </a:r>
+            <a:r>
+              <a:rPr lang="en-US" sz="1600" dirty="0"/>
+              <a:t>tested. </a:t>
+            </a:r>
+          </a:p>
+          <a:p>
+            <a:pPr lvl="2"/>
+            <a:r>
+              <a:rPr lang="en-US" sz="1600" dirty="0"/>
+              <a:t>The code that performs the particular operation being tested is close together </a:t>
+            </a:r>
+            <a:r>
+              <a:rPr lang="en-US" sz="1600" dirty="0" smtClean="0"/>
+              <a:t>rather </a:t>
+            </a:r>
+            <a:r>
+              <a:rPr lang="en-US" sz="1600" dirty="0"/>
+              <a:t>than spread throughout the system. </a:t>
+            </a:r>
+          </a:p>
+          <a:p>
+            <a:pPr lvl="2"/>
+            <a:r>
+              <a:rPr lang="en-US" sz="1600" dirty="0"/>
+              <a:t>You thought about how to test the code before you wrote </a:t>
+            </a:r>
+            <a:r>
+              <a:rPr lang="en-US" sz="1600" dirty="0" smtClean="0"/>
+              <a:t>it</a:t>
+            </a:r>
+            <a:endParaRPr lang="en-US" sz="1600" dirty="0"/>
+          </a:p>
+          <a:p>
+            <a:pPr lvl="1"/>
+            <a:r>
+              <a:rPr lang="en-US" sz="2000" smtClean="0"/>
+              <a:t>Performance</a:t>
+            </a:r>
+            <a:endParaRPr lang="en-US" sz="2000" dirty="0"/>
+          </a:p>
+          <a:p>
+            <a:pPr lvl="1"/>
+            <a:endParaRPr lang="en-US" sz="2100" dirty="0"/>
+          </a:p>
+        </p:txBody>
+      </p:sp>
+    </p:spTree>
+    <p:extLst>
+      <p:ext uri="{BB962C8B-B14F-4D97-AF65-F5344CB8AC3E}">
+        <p14:creationId xmlns:p14="http://schemas.microsoft.com/office/powerpoint/2010/main" val="963894434"/>
+      </p:ext>
+    </p:extLst>
+  </p:cSld>
+  <p:clrMapOvr>
+    <a:masterClrMapping/>
+  </p:clrMapOvr>
+  <p:timing>
+    <p:tnLst>
+      <p:par>
+        <p:cTn xmlns:p14="http://schemas.microsoft.com/office/powerpoint/2010/main" id="1" dur="indefinite" restart="never" nodeType="tmRoot"/>
+      </p:par>
+    </p:tnLst>
+  </p:timing>
 </p:sld>
 </file>
 
